--- a/Session2/Session2_MRamos.pptx
+++ b/Session2/Session2_MRamos.pptx
@@ -5,42 +5,43 @@
     <p:sldMasterId id="2147483648" r:id="rId1"/>
   </p:sldMasterIdLst>
   <p:notesMasterIdLst>
-    <p:notesMasterId r:id="rId35"/>
+    <p:notesMasterId r:id="rId36"/>
   </p:notesMasterIdLst>
   <p:sldIdLst>
     <p:sldId id="256" r:id="rId2"/>
     <p:sldId id="257" r:id="rId3"/>
     <p:sldId id="258" r:id="rId4"/>
-    <p:sldId id="259" r:id="rId5"/>
-    <p:sldId id="260" r:id="rId6"/>
-    <p:sldId id="263" r:id="rId7"/>
-    <p:sldId id="261" r:id="rId8"/>
-    <p:sldId id="269" r:id="rId9"/>
-    <p:sldId id="296" r:id="rId10"/>
-    <p:sldId id="270" r:id="rId11"/>
-    <p:sldId id="271" r:id="rId12"/>
-    <p:sldId id="262" r:id="rId13"/>
-    <p:sldId id="264" r:id="rId14"/>
-    <p:sldId id="265" r:id="rId15"/>
-    <p:sldId id="272" r:id="rId16"/>
-    <p:sldId id="267" r:id="rId17"/>
-    <p:sldId id="268" r:id="rId18"/>
-    <p:sldId id="273" r:id="rId19"/>
-    <p:sldId id="274" r:id="rId20"/>
-    <p:sldId id="297" r:id="rId21"/>
-    <p:sldId id="276" r:id="rId22"/>
-    <p:sldId id="277" r:id="rId23"/>
-    <p:sldId id="278" r:id="rId24"/>
-    <p:sldId id="279" r:id="rId25"/>
-    <p:sldId id="281" r:id="rId26"/>
-    <p:sldId id="282" r:id="rId27"/>
-    <p:sldId id="288" r:id="rId28"/>
-    <p:sldId id="284" r:id="rId29"/>
-    <p:sldId id="287" r:id="rId30"/>
-    <p:sldId id="289" r:id="rId31"/>
-    <p:sldId id="291" r:id="rId32"/>
-    <p:sldId id="292" r:id="rId33"/>
-    <p:sldId id="293" r:id="rId34"/>
+    <p:sldId id="298" r:id="rId5"/>
+    <p:sldId id="259" r:id="rId6"/>
+    <p:sldId id="260" r:id="rId7"/>
+    <p:sldId id="263" r:id="rId8"/>
+    <p:sldId id="261" r:id="rId9"/>
+    <p:sldId id="269" r:id="rId10"/>
+    <p:sldId id="296" r:id="rId11"/>
+    <p:sldId id="270" r:id="rId12"/>
+    <p:sldId id="271" r:id="rId13"/>
+    <p:sldId id="262" r:id="rId14"/>
+    <p:sldId id="264" r:id="rId15"/>
+    <p:sldId id="265" r:id="rId16"/>
+    <p:sldId id="272" r:id="rId17"/>
+    <p:sldId id="267" r:id="rId18"/>
+    <p:sldId id="268" r:id="rId19"/>
+    <p:sldId id="273" r:id="rId20"/>
+    <p:sldId id="274" r:id="rId21"/>
+    <p:sldId id="297" r:id="rId22"/>
+    <p:sldId id="276" r:id="rId23"/>
+    <p:sldId id="277" r:id="rId24"/>
+    <p:sldId id="278" r:id="rId25"/>
+    <p:sldId id="279" r:id="rId26"/>
+    <p:sldId id="281" r:id="rId27"/>
+    <p:sldId id="282" r:id="rId28"/>
+    <p:sldId id="288" r:id="rId29"/>
+    <p:sldId id="284" r:id="rId30"/>
+    <p:sldId id="287" r:id="rId31"/>
+    <p:sldId id="289" r:id="rId32"/>
+    <p:sldId id="291" r:id="rId33"/>
+    <p:sldId id="292" r:id="rId34"/>
+    <p:sldId id="293" r:id="rId35"/>
   </p:sldIdLst>
   <p:sldSz cx="9144000" cy="6858000" type="screen4x3"/>
   <p:notesSz cx="6858000" cy="9144000"/>
@@ -141,7 +142,7 @@
   </p:defaultTextStyle>
   <p:extLst>
     <p:ext uri="{EFAFB233-063F-42B5-8137-9DF3F51BA10A}">
-      <p15:sldGuideLst xmlns:p15="http://schemas.microsoft.com/office/powerpoint/2012/main">
+      <p15:sldGuideLst xmlns:p15="http://schemas.microsoft.com/office/powerpoint/2012/main" xmlns="">
         <p15:guide id="1" orient="horz" pos="2160">
           <p15:clr>
             <a:srgbClr val="A4A3A4"/>
@@ -240,7 +241,7 @@
           <a:p>
             <a:fld id="{5919F5BD-2F1B-49E7-A35D-15CD7F4152E2}" type="datetimeFigureOut">
               <a:rPr lang="en-US" smtClean="0"/>
-              <a:t>7/19/2016</a:t>
+              <a:t>7/21/2016</a:t>
             </a:fld>
             <a:endParaRPr lang="en-US"/>
           </a:p>
@@ -572,7 +573,7 @@
           <a:p>
             <a:fld id="{A9C92190-FA3B-4564-A913-8E88DB8E3978}" type="slidenum">
               <a:rPr lang="en-US" smtClean="0"/>
-              <a:t>6</a:t>
+              <a:t>7</a:t>
             </a:fld>
             <a:endParaRPr lang="en-US"/>
           </a:p>
@@ -654,7 +655,7 @@
                   <a:spcPct val="0"/>
                 </a:spcAft>
               </a:pPr>
-              <a:t>23</a:t>
+              <a:t>24</a:t>
             </a:fld>
             <a:endParaRPr lang="en-US">
               <a:cs typeface="Arial" charset="0"/>
@@ -785,7 +786,7 @@
                   <a:spcPct val="0"/>
                 </a:spcAft>
               </a:pPr>
-              <a:t>24</a:t>
+              <a:t>25</a:t>
             </a:fld>
             <a:endParaRPr lang="en-US">
               <a:cs typeface="Arial" charset="0"/>
@@ -924,7 +925,7 @@
                   <a:spcPct val="0"/>
                 </a:spcAft>
               </a:pPr>
-              <a:t>25</a:t>
+              <a:t>26</a:t>
             </a:fld>
             <a:endParaRPr lang="en-US">
               <a:cs typeface="Arial" charset="0"/>
@@ -1063,7 +1064,7 @@
                   <a:spcPct val="0"/>
                 </a:spcAft>
               </a:pPr>
-              <a:t>26</a:t>
+              <a:t>27</a:t>
             </a:fld>
             <a:endParaRPr lang="en-US">
               <a:cs typeface="Arial" charset="0"/>
@@ -1201,7 +1202,7 @@
                   <a:spcPct val="0"/>
                 </a:spcAft>
               </a:pPr>
-              <a:t>27</a:t>
+              <a:t>28</a:t>
             </a:fld>
             <a:endParaRPr lang="en-US">
               <a:cs typeface="Arial" charset="0"/>
@@ -1332,7 +1333,7 @@
                   <a:spcPct val="0"/>
                 </a:spcAft>
               </a:pPr>
-              <a:t>28</a:t>
+              <a:t>29</a:t>
             </a:fld>
             <a:endParaRPr lang="en-US">
               <a:cs typeface="Arial" charset="0"/>
@@ -1479,7 +1480,7 @@
                   <a:spcPct val="0"/>
                 </a:spcAft>
               </a:pPr>
-              <a:t>29</a:t>
+              <a:t>30</a:t>
             </a:fld>
             <a:endParaRPr lang="en-US">
               <a:cs typeface="Arial" charset="0"/>
@@ -1626,7 +1627,7 @@
                   <a:spcPct val="0"/>
                 </a:spcAft>
               </a:pPr>
-              <a:t>30</a:t>
+              <a:t>31</a:t>
             </a:fld>
             <a:endParaRPr lang="en-US">
               <a:cs typeface="Arial" charset="0"/>
@@ -1757,7 +1758,7 @@
                   <a:spcPct val="0"/>
                 </a:spcAft>
               </a:pPr>
-              <a:t>31</a:t>
+              <a:t>32</a:t>
             </a:fld>
             <a:endParaRPr lang="en-US">
               <a:cs typeface="Arial" charset="0"/>
@@ -1888,7 +1889,7 @@
                   <a:spcPct val="0"/>
                 </a:spcAft>
               </a:pPr>
-              <a:t>32</a:t>
+              <a:t>33</a:t>
             </a:fld>
             <a:endParaRPr lang="en-US">
               <a:cs typeface="Arial" charset="0"/>
@@ -2028,7 +2029,7 @@
           <a:p>
             <a:fld id="{A9C92190-FA3B-4564-A913-8E88DB8E3978}" type="slidenum">
               <a:rPr lang="en-US" smtClean="0"/>
-              <a:t>7</a:t>
+              <a:t>8</a:t>
             </a:fld>
             <a:endParaRPr lang="en-US"/>
           </a:p>
@@ -2110,7 +2111,7 @@
                   <a:spcPct val="0"/>
                 </a:spcAft>
               </a:pPr>
-              <a:t>33</a:t>
+              <a:t>34</a:t>
             </a:fld>
             <a:endParaRPr lang="en-US">
               <a:cs typeface="Arial" charset="0"/>
@@ -2312,7 +2313,7 @@
           <a:p>
             <a:fld id="{A9C92190-FA3B-4564-A913-8E88DB8E3978}" type="slidenum">
               <a:rPr lang="en-US" smtClean="0"/>
-              <a:t>9</a:t>
+              <a:t>10</a:t>
             </a:fld>
             <a:endParaRPr lang="en-US"/>
           </a:p>
@@ -2368,7 +2369,7 @@
             <a:fld id="{7F6D479F-3552-AF4A-A9BC-916E3E488D3E}" type="slidenum">
               <a:rPr lang="en-US"/>
               <a:pPr/>
-              <a:t>16</a:t>
+              <a:t>17</a:t>
             </a:fld>
             <a:endParaRPr lang="en-US"/>
           </a:p>
@@ -2456,7 +2457,7 @@
             <a:fld id="{23671F79-6DD8-6840-AA05-E829372EAB34}" type="slidenum">
               <a:rPr lang="en-US"/>
               <a:pPr/>
-              <a:t>17</a:t>
+              <a:t>18</a:t>
             </a:fld>
             <a:endParaRPr lang="en-US"/>
           </a:p>
@@ -2562,7 +2563,7 @@
             <a:fld id="{23671F79-6DD8-6840-AA05-E829372EAB34}" type="slidenum">
               <a:rPr lang="en-US"/>
               <a:pPr/>
-              <a:t>18</a:t>
+              <a:t>19</a:t>
             </a:fld>
             <a:endParaRPr lang="en-US"/>
           </a:p>
@@ -2650,7 +2651,7 @@
             <a:fld id="{82DFAC4E-F8F6-924A-B79A-AD2BE86B26EC}" type="slidenum">
               <a:rPr lang="en-US"/>
               <a:pPr/>
-              <a:t>19</a:t>
+              <a:t>20</a:t>
             </a:fld>
             <a:endParaRPr lang="en-US"/>
           </a:p>
@@ -2764,7 +2765,7 @@
                   <a:spcPct val="0"/>
                 </a:spcAft>
               </a:pPr>
-              <a:t>21</a:t>
+              <a:t>22</a:t>
             </a:fld>
             <a:endParaRPr lang="en-US">
               <a:cs typeface="Arial" charset="0"/>
@@ -2926,7 +2927,7 @@
                   <a:spcPct val="0"/>
                 </a:spcAft>
               </a:pPr>
-              <a:t>22</a:t>
+              <a:t>23</a:t>
             </a:fld>
             <a:endParaRPr lang="en-US">
               <a:cs typeface="Arial" charset="0"/>
@@ -3173,7 +3174,7 @@
           <a:p>
             <a:fld id="{F1CF9104-8598-48EC-BF86-552B6B273465}" type="datetimeFigureOut">
               <a:rPr lang="en-US" smtClean="0"/>
-              <a:t>7/19/2016</a:t>
+              <a:t>7/21/2016</a:t>
             </a:fld>
             <a:endParaRPr lang="en-US"/>
           </a:p>
@@ -3341,7 +3342,7 @@
           <a:p>
             <a:fld id="{F1CF9104-8598-48EC-BF86-552B6B273465}" type="datetimeFigureOut">
               <a:rPr lang="en-US" smtClean="0"/>
-              <a:t>7/19/2016</a:t>
+              <a:t>7/21/2016</a:t>
             </a:fld>
             <a:endParaRPr lang="en-US"/>
           </a:p>
@@ -3519,7 +3520,7 @@
           <a:p>
             <a:fld id="{F1CF9104-8598-48EC-BF86-552B6B273465}" type="datetimeFigureOut">
               <a:rPr lang="en-US" smtClean="0"/>
-              <a:t>7/19/2016</a:t>
+              <a:t>7/21/2016</a:t>
             </a:fld>
             <a:endParaRPr lang="en-US"/>
           </a:p>
@@ -3687,7 +3688,7 @@
           <a:p>
             <a:fld id="{F1CF9104-8598-48EC-BF86-552B6B273465}" type="datetimeFigureOut">
               <a:rPr lang="en-US" smtClean="0"/>
-              <a:t>7/19/2016</a:t>
+              <a:t>7/21/2016</a:t>
             </a:fld>
             <a:endParaRPr lang="en-US"/>
           </a:p>
@@ -3932,7 +3933,7 @@
           <a:p>
             <a:fld id="{F1CF9104-8598-48EC-BF86-552B6B273465}" type="datetimeFigureOut">
               <a:rPr lang="en-US" smtClean="0"/>
-              <a:t>7/19/2016</a:t>
+              <a:t>7/21/2016</a:t>
             </a:fld>
             <a:endParaRPr lang="en-US"/>
           </a:p>
@@ -4217,7 +4218,7 @@
           <a:p>
             <a:fld id="{F1CF9104-8598-48EC-BF86-552B6B273465}" type="datetimeFigureOut">
               <a:rPr lang="en-US" smtClean="0"/>
-              <a:t>7/19/2016</a:t>
+              <a:t>7/21/2016</a:t>
             </a:fld>
             <a:endParaRPr lang="en-US"/>
           </a:p>
@@ -4636,7 +4637,7 @@
           <a:p>
             <a:fld id="{F1CF9104-8598-48EC-BF86-552B6B273465}" type="datetimeFigureOut">
               <a:rPr lang="en-US" smtClean="0"/>
-              <a:t>7/19/2016</a:t>
+              <a:t>7/21/2016</a:t>
             </a:fld>
             <a:endParaRPr lang="en-US"/>
           </a:p>
@@ -4753,7 +4754,7 @@
           <a:p>
             <a:fld id="{F1CF9104-8598-48EC-BF86-552B6B273465}" type="datetimeFigureOut">
               <a:rPr lang="en-US" smtClean="0"/>
-              <a:t>7/19/2016</a:t>
+              <a:t>7/21/2016</a:t>
             </a:fld>
             <a:endParaRPr lang="en-US"/>
           </a:p>
@@ -4848,7 +4849,7 @@
           <a:p>
             <a:fld id="{F1CF9104-8598-48EC-BF86-552B6B273465}" type="datetimeFigureOut">
               <a:rPr lang="en-US" smtClean="0"/>
-              <a:t>7/19/2016</a:t>
+              <a:t>7/21/2016</a:t>
             </a:fld>
             <a:endParaRPr lang="en-US"/>
           </a:p>
@@ -5123,7 +5124,7 @@
           <a:p>
             <a:fld id="{F1CF9104-8598-48EC-BF86-552B6B273465}" type="datetimeFigureOut">
               <a:rPr lang="en-US" smtClean="0"/>
-              <a:t>7/19/2016</a:t>
+              <a:t>7/21/2016</a:t>
             </a:fld>
             <a:endParaRPr lang="en-US"/>
           </a:p>
@@ -5375,7 +5376,7 @@
           <a:p>
             <a:fld id="{F1CF9104-8598-48EC-BF86-552B6B273465}" type="datetimeFigureOut">
               <a:rPr lang="en-US" smtClean="0"/>
-              <a:t>7/19/2016</a:t>
+              <a:t>7/21/2016</a:t>
             </a:fld>
             <a:endParaRPr lang="en-US"/>
           </a:p>
@@ -5586,7 +5587,7 @@
           <a:p>
             <a:fld id="{F1CF9104-8598-48EC-BF86-552B6B273465}" type="datetimeFigureOut">
               <a:rPr lang="en-US" smtClean="0"/>
-              <a:t>7/19/2016</a:t>
+              <a:t>7/21/2016</a:t>
             </a:fld>
             <a:endParaRPr lang="en-US"/>
           </a:p>
@@ -6074,9 +6075,7 @@
         </p:nvSpPr>
         <p:spPr/>
         <p:txBody>
-          <a:bodyPr>
-            <a:normAutofit fontScale="92500" lnSpcReduction="10000"/>
-          </a:bodyPr>
+          <a:bodyPr/>
           <a:lstStyle/>
           <a:p>
             <a:pPr marL="0" indent="0">
@@ -6087,201 +6086,45 @@
               <a:t>Temporary</a:t>
             </a:r>
             <a:r>
-              <a:rPr lang="en-US" b="1" dirty="0"/>
-              <a:t> </a:t>
-            </a:r>
-            <a:r>
               <a:rPr lang="en-US" dirty="0"/>
-              <a:t>data sets cont’d:</a:t>
-            </a:r>
-          </a:p>
-          <a:p>
+              <a:t> data sets:</a:t>
+            </a:r>
+          </a:p>
+          <a:p>
+            <a:pPr lvl="1"/>
             <a:r>
               <a:rPr lang="en-US" dirty="0"/>
-              <a:t>Example:  the following PROC PRINT steps are equivalent:</a:t>
-            </a:r>
-          </a:p>
-          <a:p>
-            <a:pPr marL="0" indent="0">
-              <a:buNone/>
-            </a:pPr>
+              <a:t>Can have a one-level name for short</a:t>
+            </a:r>
+          </a:p>
+          <a:p>
+            <a:pPr lvl="1"/>
+            <a:r>
+              <a:rPr lang="en-US" dirty="0"/>
+              <a:t>Are stored in WORK library</a:t>
+            </a:r>
+          </a:p>
+          <a:p>
+            <a:r>
+              <a:rPr lang="en-US" dirty="0"/>
+              <a:t>The WORK library is deleted automatically at the end of SAS session.</a:t>
+            </a:r>
+          </a:p>
+          <a:p>
+            <a:r>
+              <a:rPr lang="en-US" dirty="0"/>
+              <a:t>Data sets with a one-level name are read from and written to the WORK library.</a:t>
+            </a:r>
+          </a:p>
+          <a:p>
             <a:endParaRPr lang="en-US" dirty="0"/>
-          </a:p>
-          <a:p>
-            <a:pPr marL="0" indent="0">
-              <a:buNone/>
-            </a:pPr>
-            <a:r>
-              <a:rPr lang="en-US" dirty="0">
-                <a:solidFill>
-                  <a:srgbClr val="00B0F0"/>
-                </a:solidFill>
-              </a:rPr>
-              <a:t>PROC PRINT data = work.weather;</a:t>
-            </a:r>
-          </a:p>
-          <a:p>
-            <a:pPr marL="0" indent="0">
-              <a:buNone/>
-            </a:pPr>
-            <a:r>
-              <a:rPr lang="en-US" dirty="0">
-                <a:solidFill>
-                  <a:srgbClr val="00B0F0"/>
-                </a:solidFill>
-              </a:rPr>
-              <a:t>Run;</a:t>
-            </a:r>
-          </a:p>
-          <a:p>
-            <a:pPr marL="0" indent="0">
-              <a:buNone/>
-            </a:pPr>
-            <a:endParaRPr lang="en-US" dirty="0"/>
-          </a:p>
-          <a:p>
-            <a:pPr marL="0" indent="0">
-              <a:buNone/>
-            </a:pPr>
-            <a:r>
-              <a:rPr lang="en-US" dirty="0">
-                <a:solidFill>
-                  <a:srgbClr val="00B0F0"/>
-                </a:solidFill>
-              </a:rPr>
-              <a:t>PROC PRINT data = weather;</a:t>
-            </a:r>
-          </a:p>
-          <a:p>
-            <a:pPr marL="0" indent="0">
-              <a:buNone/>
-            </a:pPr>
-            <a:r>
-              <a:rPr lang="en-US" dirty="0">
-                <a:solidFill>
-                  <a:srgbClr val="00B0F0"/>
-                </a:solidFill>
-              </a:rPr>
-              <a:t>Run;</a:t>
-            </a:r>
-          </a:p>
-        </p:txBody>
-      </p:sp>
-      <p:sp>
-        <p:nvSpPr>
-          <p:cNvPr id="4" name="TextBox 3"/>
-          <p:cNvSpPr txBox="1"/>
-          <p:nvPr/>
-        </p:nvSpPr>
-        <p:spPr>
-          <a:xfrm>
-            <a:off x="5334000" y="5133876"/>
-            <a:ext cx="3429000" cy="1015663"/>
-          </a:xfrm>
-          <a:prstGeom prst="rect">
-            <a:avLst/>
-          </a:prstGeom>
-          <a:noFill/>
-        </p:spPr>
-        <p:txBody>
-          <a:bodyPr wrap="square" rtlCol="0">
-            <a:spAutoFit/>
-          </a:bodyPr>
-          <a:lstStyle/>
-          <a:p>
-            <a:r>
-              <a:rPr lang="en-US" sz="2000" b="1" i="1" dirty="0">
-                <a:solidFill>
-                  <a:srgbClr val="FF0000"/>
-                </a:solidFill>
-              </a:rPr>
-              <a:t>weather</a:t>
-            </a:r>
-            <a:r>
-              <a:rPr lang="en-US" sz="2000" b="1" dirty="0">
-                <a:solidFill>
-                  <a:srgbClr val="FF0000"/>
-                </a:solidFill>
-              </a:rPr>
-              <a:t> is a one-level name, so SAS assumes it is in the WORK library.</a:t>
-            </a:r>
-          </a:p>
-        </p:txBody>
-      </p:sp>
-      <p:sp>
-        <p:nvSpPr>
-          <p:cNvPr id="5" name="TextBox 4"/>
-          <p:cNvSpPr txBox="1"/>
-          <p:nvPr/>
-        </p:nvSpPr>
-        <p:spPr>
-          <a:xfrm>
-            <a:off x="5943599" y="3505200"/>
-            <a:ext cx="3170695" cy="707886"/>
-          </a:xfrm>
-          <a:prstGeom prst="rect">
-            <a:avLst/>
-          </a:prstGeom>
-          <a:noFill/>
-        </p:spPr>
-        <p:txBody>
-          <a:bodyPr wrap="square" rtlCol="0">
-            <a:spAutoFit/>
-          </a:bodyPr>
-          <a:lstStyle/>
-          <a:p>
-            <a:r>
-              <a:rPr lang="en-US" sz="2000" b="1" i="1" dirty="0">
-                <a:solidFill>
-                  <a:srgbClr val="FF0000"/>
-                </a:solidFill>
-              </a:rPr>
-              <a:t>work.weather</a:t>
-            </a:r>
-            <a:r>
-              <a:rPr lang="en-US" sz="2000" b="1" dirty="0">
-                <a:solidFill>
-                  <a:srgbClr val="FF0000"/>
-                </a:solidFill>
-              </a:rPr>
-              <a:t> is a two-level name</a:t>
-            </a:r>
-          </a:p>
-        </p:txBody>
-      </p:sp>
-      <p:sp>
-        <p:nvSpPr>
-          <p:cNvPr id="6" name="TextBox 5"/>
-          <p:cNvSpPr txBox="1"/>
-          <p:nvPr/>
-        </p:nvSpPr>
-        <p:spPr>
-          <a:xfrm>
-            <a:off x="2940058" y="6400800"/>
-            <a:ext cx="6203942" cy="261610"/>
-          </a:xfrm>
-          <a:prstGeom prst="rect">
-            <a:avLst/>
-          </a:prstGeom>
-          <a:noFill/>
-        </p:spPr>
-        <p:txBody>
-          <a:bodyPr wrap="none" rtlCol="0">
-            <a:spAutoFit/>
-          </a:bodyPr>
-          <a:lstStyle/>
-          <a:p>
-            <a:r>
-              <a:rPr lang="en-US" sz="1100" i="1" dirty="0"/>
-              <a:t>http://support.sas.com/documentation/cdl/en/proc/61895/HTML/default/viewer.htm#a000086013.htm</a:t>
-            </a:r>
           </a:p>
         </p:txBody>
       </p:sp>
     </p:spTree>
     <p:extLst>
       <p:ext uri="{BB962C8B-B14F-4D97-AF65-F5344CB8AC3E}">
-        <p14:creationId xmlns:p14="http://schemas.microsoft.com/office/powerpoint/2010/main" val="3534706291"/>
+        <p14:creationId xmlns:p14="http://schemas.microsoft.com/office/powerpoint/2010/main" val="4111058128"/>
       </p:ext>
     </p:extLst>
   </p:cSld>
@@ -6345,7 +6188,7 @@
         <p:spPr/>
         <p:txBody>
           <a:bodyPr>
-            <a:normAutofit/>
+            <a:normAutofit fontScale="92500" lnSpcReduction="10000"/>
           </a:bodyPr>
           <a:lstStyle/>
           <a:p>
@@ -6354,49 +6197,28 @@
             </a:pPr>
             <a:r>
               <a:rPr lang="en-US" i="1" dirty="0"/>
-              <a:t>Permanent</a:t>
+              <a:t>Temporary</a:t>
+            </a:r>
+            <a:r>
+              <a:rPr lang="en-US" b="1" dirty="0"/>
+              <a:t> </a:t>
             </a:r>
             <a:r>
               <a:rPr lang="en-US" dirty="0"/>
-              <a:t> data sets:</a:t>
-            </a:r>
-          </a:p>
-          <a:p>
-            <a:pPr lvl="1"/>
+              <a:t>data sets cont’d:</a:t>
+            </a:r>
+          </a:p>
+          <a:p>
             <a:r>
               <a:rPr lang="en-US" dirty="0"/>
-              <a:t>Usually have two-level names:  </a:t>
-            </a:r>
-            <a:r>
-              <a:rPr lang="en-US" b="1" dirty="0" err="1">
-                <a:solidFill>
-                  <a:srgbClr val="00B0F0"/>
-                </a:solidFill>
-              </a:rPr>
-              <a:t>libref.</a:t>
-            </a:r>
-            <a:r>
-              <a:rPr lang="en-US" b="1" i="1" dirty="0" err="1">
-                <a:solidFill>
-                  <a:srgbClr val="00B0F0"/>
-                </a:solidFill>
-              </a:rPr>
-              <a:t>datasetname</a:t>
-            </a:r>
-            <a:endParaRPr lang="en-US" i="1" dirty="0">
-              <a:solidFill>
-                <a:srgbClr val="00B0F0"/>
-              </a:solidFill>
-            </a:endParaRPr>
+              <a:t>Example:  the following PROC PRINT steps are equivalent:</a:t>
+            </a:r>
           </a:p>
           <a:p>
             <a:pPr marL="0" indent="0">
               <a:buNone/>
             </a:pPr>
-            <a:r>
-              <a:rPr lang="en-US" dirty="0"/>
-              <a:t>Example:</a:t>
-            </a:r>
+            <a:endParaRPr lang="en-US" dirty="0"/>
           </a:p>
           <a:p>
             <a:pPr marL="0" indent="0">
@@ -6408,41 +6230,141 @@
                   <a:srgbClr val="00B0F0"/>
                 </a:solidFill>
               </a:rPr>
-              <a:t>PROC PRINT  data= </a:t>
-            </a:r>
-            <a:r>
-              <a:rPr lang="en-US" dirty="0" err="1">
-                <a:solidFill>
-                  <a:srgbClr val="00B0F0"/>
-                </a:solidFill>
-              </a:rPr>
-              <a:t>mylibref.mydata</a:t>
-            </a:r>
-            <a:r>
-              <a:rPr lang="en-US" dirty="0">
-                <a:solidFill>
-                  <a:srgbClr val="00B0F0"/>
-                </a:solidFill>
-              </a:rPr>
-              <a:t>; run;</a:t>
-            </a:r>
-            <a:endParaRPr lang="en-US" b="1" dirty="0">
-              <a:solidFill>
-                <a:srgbClr val="00B0F0"/>
-              </a:solidFill>
-            </a:endParaRPr>
+              <a:t>PROC PRINT data = work.weather;</a:t>
+            </a:r>
           </a:p>
           <a:p>
             <a:pPr marL="0" indent="0">
               <a:buNone/>
             </a:pPr>
-            <a:endParaRPr lang="en-US" b="1" dirty="0"/>
+            <a:r>
+              <a:rPr lang="en-US" dirty="0">
+                <a:solidFill>
+                  <a:srgbClr val="00B0F0"/>
+                </a:solidFill>
+              </a:rPr>
+              <a:t>Run;</a:t>
+            </a:r>
+          </a:p>
+          <a:p>
+            <a:pPr marL="0" indent="0">
+              <a:buNone/>
+            </a:pPr>
+            <a:endParaRPr lang="en-US" dirty="0"/>
+          </a:p>
+          <a:p>
+            <a:pPr marL="0" indent="0">
+              <a:buNone/>
+            </a:pPr>
+            <a:r>
+              <a:rPr lang="en-US" dirty="0">
+                <a:solidFill>
+                  <a:srgbClr val="00B0F0"/>
+                </a:solidFill>
+              </a:rPr>
+              <a:t>PROC PRINT data = weather;</a:t>
+            </a:r>
+          </a:p>
+          <a:p>
+            <a:pPr marL="0" indent="0">
+              <a:buNone/>
+            </a:pPr>
+            <a:r>
+              <a:rPr lang="en-US" dirty="0">
+                <a:solidFill>
+                  <a:srgbClr val="00B0F0"/>
+                </a:solidFill>
+              </a:rPr>
+              <a:t>Run;</a:t>
+            </a:r>
           </a:p>
         </p:txBody>
       </p:sp>
       <p:sp>
         <p:nvSpPr>
           <p:cNvPr id="4" name="TextBox 3"/>
+          <p:cNvSpPr txBox="1"/>
+          <p:nvPr/>
+        </p:nvSpPr>
+        <p:spPr>
+          <a:xfrm>
+            <a:off x="5334000" y="5133876"/>
+            <a:ext cx="3429000" cy="1015663"/>
+          </a:xfrm>
+          <a:prstGeom prst="rect">
+            <a:avLst/>
+          </a:prstGeom>
+          <a:noFill/>
+        </p:spPr>
+        <p:txBody>
+          <a:bodyPr wrap="square" rtlCol="0">
+            <a:spAutoFit/>
+          </a:bodyPr>
+          <a:lstStyle/>
+          <a:p>
+            <a:r>
+              <a:rPr lang="en-US" sz="2000" b="1" i="1" dirty="0">
+                <a:solidFill>
+                  <a:srgbClr val="FF0000"/>
+                </a:solidFill>
+              </a:rPr>
+              <a:t>weather</a:t>
+            </a:r>
+            <a:r>
+              <a:rPr lang="en-US" sz="2000" b="1" dirty="0">
+                <a:solidFill>
+                  <a:srgbClr val="FF0000"/>
+                </a:solidFill>
+              </a:rPr>
+              <a:t> is a one-level name, so SAS assumes it is in the WORK library.</a:t>
+            </a:r>
+          </a:p>
+        </p:txBody>
+      </p:sp>
+      <p:sp>
+        <p:nvSpPr>
+          <p:cNvPr id="5" name="TextBox 4"/>
+          <p:cNvSpPr txBox="1"/>
+          <p:nvPr/>
+        </p:nvSpPr>
+        <p:spPr>
+          <a:xfrm>
+            <a:off x="5943599" y="3505200"/>
+            <a:ext cx="3170695" cy="707886"/>
+          </a:xfrm>
+          <a:prstGeom prst="rect">
+            <a:avLst/>
+          </a:prstGeom>
+          <a:noFill/>
+        </p:spPr>
+        <p:txBody>
+          <a:bodyPr wrap="square" rtlCol="0">
+            <a:spAutoFit/>
+          </a:bodyPr>
+          <a:lstStyle/>
+          <a:p>
+            <a:r>
+              <a:rPr lang="en-US" sz="2000" b="1" i="1" dirty="0">
+                <a:solidFill>
+                  <a:srgbClr val="FF0000"/>
+                </a:solidFill>
+              </a:rPr>
+              <a:t>work.weather</a:t>
+            </a:r>
+            <a:r>
+              <a:rPr lang="en-US" sz="2000" b="1" dirty="0">
+                <a:solidFill>
+                  <a:srgbClr val="FF0000"/>
+                </a:solidFill>
+              </a:rPr>
+              <a:t> is a two-level name</a:t>
+            </a:r>
+          </a:p>
+        </p:txBody>
+      </p:sp>
+      <p:sp>
+        <p:nvSpPr>
+          <p:cNvPr id="6" name="TextBox 5"/>
           <p:cNvSpPr txBox="1"/>
           <p:nvPr/>
         </p:nvSpPr>
@@ -6469,83 +6391,10 @@
           </a:p>
         </p:txBody>
       </p:sp>
-      <p:sp>
-        <p:nvSpPr>
-          <p:cNvPr id="5" name="TextBox 4"/>
-          <p:cNvSpPr txBox="1"/>
-          <p:nvPr/>
-        </p:nvSpPr>
-        <p:spPr>
-          <a:xfrm>
-            <a:off x="1022888" y="4194634"/>
-            <a:ext cx="6978112" cy="830997"/>
-          </a:xfrm>
-          <a:prstGeom prst="rect">
-            <a:avLst/>
-          </a:prstGeom>
-          <a:noFill/>
-        </p:spPr>
-        <p:txBody>
-          <a:bodyPr wrap="square" rtlCol="0">
-            <a:spAutoFit/>
-          </a:bodyPr>
-          <a:lstStyle/>
-          <a:p>
-            <a:r>
-              <a:rPr lang="en-US" sz="2400" b="1" i="1" dirty="0">
-                <a:solidFill>
-                  <a:srgbClr val="FF0000"/>
-                </a:solidFill>
-              </a:rPr>
-              <a:t>Mylib </a:t>
-            </a:r>
-            <a:r>
-              <a:rPr lang="en-US" sz="2400" b="1" dirty="0">
-                <a:solidFill>
-                  <a:srgbClr val="FF0000"/>
-                </a:solidFill>
-              </a:rPr>
-              <a:t>is the libref and </a:t>
-            </a:r>
-            <a:r>
-              <a:rPr lang="en-US" sz="2400" b="1" i="1" dirty="0">
-                <a:solidFill>
-                  <a:srgbClr val="FF0000"/>
-                </a:solidFill>
-              </a:rPr>
-              <a:t>mydata </a:t>
-            </a:r>
-            <a:r>
-              <a:rPr lang="en-US" sz="2400" b="1" dirty="0">
-                <a:solidFill>
-                  <a:srgbClr val="FF0000"/>
-                </a:solidFill>
-              </a:rPr>
-              <a:t>is the SAS data set.  </a:t>
-            </a:r>
-            <a:r>
-              <a:rPr lang="en-US" sz="2400" b="1" i="1" dirty="0">
-                <a:solidFill>
-                  <a:srgbClr val="FF0000"/>
-                </a:solidFill>
-              </a:rPr>
-              <a:t>Mylib.mydata</a:t>
-            </a:r>
-            <a:r>
-              <a:rPr lang="en-US" sz="2400" b="1" dirty="0">
-                <a:solidFill>
-                  <a:srgbClr val="FF0000"/>
-                </a:solidFill>
-              </a:rPr>
-              <a:t> is a permanent data set.</a:t>
-            </a:r>
-          </a:p>
-        </p:txBody>
-      </p:sp>
     </p:spTree>
     <p:extLst>
       <p:ext uri="{BB962C8B-B14F-4D97-AF65-F5344CB8AC3E}">
-        <p14:creationId xmlns:p14="http://schemas.microsoft.com/office/powerpoint/2010/main" val="858911194"/>
+        <p14:creationId xmlns:p14="http://schemas.microsoft.com/office/powerpoint/2010/main" val="3534706291"/>
       </p:ext>
     </p:extLst>
   </p:cSld>
@@ -6584,12 +6433,14 @@
         </p:nvSpPr>
         <p:spPr/>
         <p:txBody>
-          <a:bodyPr/>
+          <a:bodyPr>
+            <a:normAutofit fontScale="90000"/>
+          </a:bodyPr>
           <a:lstStyle/>
           <a:p>
             <a:r>
               <a:rPr lang="en-US" dirty="0"/>
-              <a:t>Libname statements</a:t>
+              <a:t>Temporary vs. Permanent Data Sets cont’d</a:t>
             </a:r>
           </a:p>
         </p:txBody>
@@ -6604,34 +6455,38 @@
             <p:ph idx="1"/>
           </p:nvPr>
         </p:nvSpPr>
-        <p:spPr>
-          <a:xfrm>
-            <a:off x="457200" y="1371600"/>
-            <a:ext cx="8229600" cy="4525963"/>
-          </a:xfrm>
-        </p:spPr>
+        <p:spPr/>
         <p:txBody>
           <a:bodyPr>
-            <a:noAutofit/>
+            <a:normAutofit/>
           </a:bodyPr>
           <a:lstStyle/>
-          <a:p>
-            <a:r>
-              <a:rPr lang="en-US" dirty="0"/>
-              <a:t>The purpose of a LIBNAME statement is to tell SAS where to find your data.</a:t>
-            </a:r>
-          </a:p>
           <a:p>
             <a:pPr marL="0" indent="0">
               <a:buNone/>
             </a:pPr>
             <a:r>
-              <a:rPr lang="en-US" b="1" dirty="0">
+              <a:rPr lang="en-US" i="1" dirty="0"/>
+              <a:t>Permanent</a:t>
+            </a:r>
+            <a:r>
+              <a:rPr lang="en-US" dirty="0"/>
+              <a:t> data sets:</a:t>
+            </a:r>
+          </a:p>
+          <a:p>
+            <a:pPr lvl="1"/>
+            <a:r>
+              <a:rPr lang="en-US" dirty="0"/>
+              <a:t>Usually have two-level names:  </a:t>
+            </a:r>
+            <a:r>
+              <a:rPr lang="en-US" b="1" dirty="0" err="1">
                 <a:solidFill>
                   <a:srgbClr val="00B0F0"/>
                 </a:solidFill>
               </a:rPr>
-              <a:t>LIBNAME  </a:t>
+              <a:t>libref.</a:t>
             </a:r>
             <a:r>
               <a:rPr lang="en-US" b="1" i="1" dirty="0" err="1">
@@ -6639,92 +6494,171 @@
                   <a:srgbClr val="00B0F0"/>
                 </a:solidFill>
               </a:rPr>
-              <a:t>mylibref</a:t>
-            </a:r>
-            <a:r>
-              <a:rPr lang="en-US" b="1" i="1" dirty="0">
-                <a:solidFill>
-                  <a:srgbClr val="00B0F0"/>
-                </a:solidFill>
-              </a:rPr>
-              <a:t> </a:t>
-            </a:r>
-            <a:r>
-              <a:rPr lang="en-US" b="1" dirty="0">
-                <a:solidFill>
-                  <a:srgbClr val="00B0F0"/>
-                </a:solidFill>
-              </a:rPr>
-              <a:t>‘</a:t>
-            </a:r>
-            <a:r>
-              <a:rPr lang="en-US" b="1" dirty="0" err="1">
-                <a:solidFill>
-                  <a:srgbClr val="00B0F0"/>
-                </a:solidFill>
-              </a:rPr>
-              <a:t>driveLetter</a:t>
-            </a:r>
-            <a:r>
-              <a:rPr lang="en-US" b="1" dirty="0">
-                <a:solidFill>
-                  <a:srgbClr val="00B0F0"/>
-                </a:solidFill>
-              </a:rPr>
-              <a:t>:\path\to\directory\’;</a:t>
-            </a:r>
-            <a:endParaRPr lang="en-US" dirty="0">
+              <a:t>datasetname</a:t>
+            </a:r>
+            <a:endParaRPr lang="en-US" i="1" dirty="0">
               <a:solidFill>
                 <a:srgbClr val="00B0F0"/>
               </a:solidFill>
             </a:endParaRPr>
           </a:p>
           <a:p>
-            <a:r>
-              <a:rPr lang="en-US" dirty="0"/>
-              <a:t>A </a:t>
-            </a:r>
-            <a:r>
-              <a:rPr lang="en-US" i="1" dirty="0"/>
-              <a:t>libref</a:t>
-            </a:r>
-            <a:r>
-              <a:rPr lang="en-US" dirty="0"/>
-              <a:t> is a name that is temporarily associated with a SAS library.</a:t>
-            </a:r>
-          </a:p>
-          <a:p>
-            <a:pPr lvl="1"/>
-            <a:endParaRPr lang="en-US" dirty="0"/>
-          </a:p>
-          <a:p>
             <a:pPr marL="0" indent="0">
               <a:buNone/>
             </a:pPr>
-            <a:endParaRPr lang="en-US" dirty="0"/>
+            <a:r>
+              <a:rPr lang="en-US" dirty="0"/>
+              <a:t>Example:</a:t>
+            </a:r>
           </a:p>
           <a:p>
             <a:pPr marL="0" indent="0">
               <a:buNone/>
             </a:pPr>
-            <a:endParaRPr lang="en-US" dirty="0"/>
+            <a:r>
+              <a:rPr lang="en-US" dirty="0">
+                <a:solidFill>
+                  <a:srgbClr val="00B0F0"/>
+                </a:solidFill>
+              </a:rPr>
+              <a:t>PROC PRINT  data= </a:t>
+            </a:r>
+            <a:r>
+              <a:rPr lang="en-US" dirty="0" err="1">
+                <a:solidFill>
+                  <a:srgbClr val="00B0F0"/>
+                </a:solidFill>
+              </a:rPr>
+              <a:t>mylibref.mydata</a:t>
+            </a:r>
+            <a:r>
+              <a:rPr lang="en-US" dirty="0">
+                <a:solidFill>
+                  <a:srgbClr val="00B0F0"/>
+                </a:solidFill>
+              </a:rPr>
+              <a:t>; run;</a:t>
+            </a:r>
+            <a:endParaRPr lang="en-US" b="1" dirty="0">
+              <a:solidFill>
+                <a:srgbClr val="00B0F0"/>
+              </a:solidFill>
+            </a:endParaRPr>
           </a:p>
           <a:p>
             <a:pPr marL="0" indent="0">
               <a:buNone/>
             </a:pPr>
-            <a:r>
-              <a:rPr lang="en-US" dirty="0"/>
-              <a:t>			</a:t>
-            </a:r>
             <a:endParaRPr lang="en-US" b="1" dirty="0"/>
+          </a:p>
+        </p:txBody>
+      </p:sp>
+      <p:sp>
+        <p:nvSpPr>
+          <p:cNvPr id="4" name="TextBox 3"/>
+          <p:cNvSpPr txBox="1"/>
+          <p:nvPr/>
+        </p:nvSpPr>
+        <p:spPr>
+          <a:xfrm>
+            <a:off x="2940058" y="6400800"/>
+            <a:ext cx="6203942" cy="261610"/>
+          </a:xfrm>
+          <a:prstGeom prst="rect">
+            <a:avLst/>
+          </a:prstGeom>
+          <a:noFill/>
+        </p:spPr>
+        <p:txBody>
+          <a:bodyPr wrap="none" rtlCol="0">
+            <a:spAutoFit/>
+          </a:bodyPr>
+          <a:lstStyle/>
+          <a:p>
+            <a:r>
+              <a:rPr lang="en-US" sz="1100" i="1" dirty="0"/>
+              <a:t>http://support.sas.com/documentation/cdl/en/proc/61895/HTML/default/viewer.htm#a000086013.htm</a:t>
+            </a:r>
+          </a:p>
+        </p:txBody>
+      </p:sp>
+      <p:sp>
+        <p:nvSpPr>
+          <p:cNvPr id="5" name="TextBox 4"/>
+          <p:cNvSpPr txBox="1"/>
+          <p:nvPr/>
+        </p:nvSpPr>
+        <p:spPr>
+          <a:xfrm>
+            <a:off x="1022888" y="4194634"/>
+            <a:ext cx="6978112" cy="830997"/>
+          </a:xfrm>
+          <a:prstGeom prst="rect">
+            <a:avLst/>
+          </a:prstGeom>
+          <a:noFill/>
+        </p:spPr>
+        <p:txBody>
+          <a:bodyPr wrap="square" rtlCol="0">
+            <a:spAutoFit/>
+          </a:bodyPr>
+          <a:lstStyle/>
+          <a:p>
+            <a:r>
+              <a:rPr lang="en-US" sz="2400" b="1" i="1" dirty="0">
+                <a:solidFill>
+                  <a:srgbClr val="FF0000"/>
+                </a:solidFill>
+              </a:rPr>
+              <a:t>Mylib </a:t>
+            </a:r>
+            <a:r>
+              <a:rPr lang="en-US" sz="2400" b="1" dirty="0">
+                <a:solidFill>
+                  <a:srgbClr val="FF0000"/>
+                </a:solidFill>
+              </a:rPr>
+              <a:t>is the libref and </a:t>
+            </a:r>
+            <a:r>
+              <a:rPr lang="en-US" sz="2400" b="1" i="1" dirty="0">
+                <a:solidFill>
+                  <a:srgbClr val="FF0000"/>
+                </a:solidFill>
+              </a:rPr>
+              <a:t>mydata </a:t>
+            </a:r>
+            <a:r>
+              <a:rPr lang="en-US" sz="2400" b="1" dirty="0">
+                <a:solidFill>
+                  <a:srgbClr val="FF0000"/>
+                </a:solidFill>
+              </a:rPr>
+              <a:t>is the SAS data set.  </a:t>
+            </a:r>
+            <a:r>
+              <a:rPr lang="en-US" sz="2400" b="1" i="1" dirty="0">
+                <a:solidFill>
+                  <a:srgbClr val="FF0000"/>
+                </a:solidFill>
+              </a:rPr>
+              <a:t>Mylib.mydata</a:t>
+            </a:r>
+            <a:r>
+              <a:rPr lang="en-US" sz="2400" b="1" dirty="0">
+                <a:solidFill>
+                  <a:srgbClr val="FF0000"/>
+                </a:solidFill>
+              </a:rPr>
+              <a:t> is a permanent data set.</a:t>
+            </a:r>
           </a:p>
         </p:txBody>
       </p:sp>
     </p:spTree>
     <p:extLst>
       <p:ext uri="{BB962C8B-B14F-4D97-AF65-F5344CB8AC3E}">
-        <p14:creationId xmlns:p14="http://schemas.microsoft.com/office/powerpoint/2010/main" val="3129090137"/>
+        <p14:creationId xmlns:p14="http://schemas.microsoft.com/office/powerpoint/2010/main" val="858911194"/>
       </p:ext>
     </p:extLst>
   </p:cSld>
@@ -6768,7 +6702,7 @@
           <a:p>
             <a:r>
               <a:rPr lang="en-US" dirty="0"/>
-              <a:t>Libname statements cont’d</a:t>
+              <a:t>Libname statements</a:t>
             </a:r>
           </a:p>
         </p:txBody>
@@ -6785,17 +6719,23 @@
         </p:nvSpPr>
         <p:spPr>
           <a:xfrm>
-            <a:off x="0" y="1676400"/>
-            <a:ext cx="9144000" cy="5105400"/>
+            <a:off x="457200" y="1371600"/>
+            <a:ext cx="8229600" cy="4525963"/>
           </a:xfrm>
         </p:spPr>
         <p:txBody>
           <a:bodyPr>
-            <a:normAutofit/>
+            <a:noAutofit/>
           </a:bodyPr>
           <a:lstStyle/>
           <a:p>
-            <a:pPr marL="0" indent="0" algn="ctr">
+            <a:r>
+              <a:rPr lang="en-US" dirty="0"/>
+              <a:t>The purpose of a LIBNAME statement is to tell SAS where to find your data.</a:t>
+            </a:r>
+          </a:p>
+          <a:p>
+            <a:pPr marL="0" indent="0">
               <a:buNone/>
             </a:pPr>
             <a:r>
@@ -6804,7 +6744,7 @@
                   <a:srgbClr val="00B0F0"/>
                 </a:solidFill>
               </a:rPr>
-              <a:t>LIBNAME </a:t>
+              <a:t>LIBNAME  </a:t>
             </a:r>
             <a:r>
               <a:rPr lang="en-US" b="1" i="1" dirty="0" err="1">
@@ -6853,48 +6793,43 @@
             </a:endParaRPr>
           </a:p>
           <a:p>
+            <a:r>
+              <a:rPr lang="en-US" dirty="0"/>
+              <a:t>A </a:t>
+            </a:r>
+            <a:r>
+              <a:rPr lang="en-US" i="1" dirty="0"/>
+              <a:t>libref</a:t>
+            </a:r>
+            <a:r>
+              <a:rPr lang="en-US" dirty="0"/>
+              <a:t> is a name that is temporarily associated with a SAS library.</a:t>
+            </a:r>
+          </a:p>
+          <a:p>
+            <a:pPr lvl="1"/>
+            <a:endParaRPr lang="en-US" dirty="0"/>
+          </a:p>
+          <a:p>
             <a:pPr marL="0" indent="0">
               <a:buNone/>
             </a:pPr>
             <a:endParaRPr lang="en-US" dirty="0"/>
           </a:p>
           <a:p>
-            <a:r>
-              <a:rPr lang="en-US" dirty="0"/>
-              <a:t>After keyword </a:t>
-            </a:r>
-            <a:r>
-              <a:rPr lang="en-US" b="1" dirty="0"/>
-              <a:t>LIBNAME</a:t>
-            </a:r>
-            <a:r>
-              <a:rPr lang="en-US" dirty="0"/>
-              <a:t>, specify the libref, then the location of your permanent SAS data set (in quotation marks).</a:t>
-            </a:r>
-            <a:endParaRPr lang="en-US" b="1" dirty="0"/>
-          </a:p>
-          <a:p>
-            <a:r>
-              <a:rPr lang="en-US" dirty="0" err="1"/>
-              <a:t>Librefs</a:t>
-            </a:r>
-            <a:r>
-              <a:rPr lang="en-US" dirty="0"/>
-              <a:t> defined using a </a:t>
-            </a:r>
-            <a:r>
-              <a:rPr lang="en-US" b="1" dirty="0"/>
-              <a:t>LIBNAME</a:t>
-            </a:r>
-            <a:r>
-              <a:rPr lang="en-US" dirty="0"/>
-              <a:t> statement appear in the Explorer window in Active Libraries.</a:t>
-            </a:r>
-          </a:p>
-          <a:p>
             <a:pPr marL="0" indent="0">
               <a:buNone/>
             </a:pPr>
+            <a:endParaRPr lang="en-US" dirty="0"/>
+          </a:p>
+          <a:p>
+            <a:pPr marL="0" indent="0">
+              <a:buNone/>
+            </a:pPr>
+            <a:r>
+              <a:rPr lang="en-US" dirty="0"/>
+              <a:t>			</a:t>
+            </a:r>
             <a:endParaRPr lang="en-US" b="1" dirty="0"/>
           </a:p>
         </p:txBody>
@@ -6902,7 +6837,7 @@
     </p:spTree>
     <p:extLst>
       <p:ext uri="{BB962C8B-B14F-4D97-AF65-F5344CB8AC3E}">
-        <p14:creationId xmlns:p14="http://schemas.microsoft.com/office/powerpoint/2010/main" val="883728832"/>
+        <p14:creationId xmlns:p14="http://schemas.microsoft.com/office/powerpoint/2010/main" val="3129090137"/>
       </p:ext>
     </p:extLst>
   </p:cSld>
@@ -6961,14 +6896,85 @@
             <p:ph idx="1"/>
           </p:nvPr>
         </p:nvSpPr>
-        <p:spPr/>
-        <p:txBody>
-          <a:bodyPr/>
-          <a:lstStyle/>
+        <p:spPr>
+          <a:xfrm>
+            <a:off x="0" y="1676400"/>
+            <a:ext cx="9144000" cy="5105400"/>
+          </a:xfrm>
+        </p:spPr>
+        <p:txBody>
+          <a:bodyPr>
+            <a:normAutofit/>
+          </a:bodyPr>
+          <a:lstStyle/>
+          <a:p>
+            <a:pPr marL="0" indent="0" algn="ctr">
+              <a:buNone/>
+            </a:pPr>
+            <a:r>
+              <a:rPr lang="en-US" b="1" dirty="0">
+                <a:solidFill>
+                  <a:srgbClr val="00B0F0"/>
+                </a:solidFill>
+              </a:rPr>
+              <a:t>LIBNAME </a:t>
+            </a:r>
+            <a:r>
+              <a:rPr lang="en-US" b="1" i="1" dirty="0" err="1">
+                <a:solidFill>
+                  <a:srgbClr val="00B0F0"/>
+                </a:solidFill>
+              </a:rPr>
+              <a:t>mylibref</a:t>
+            </a:r>
+            <a:r>
+              <a:rPr lang="en-US" b="1" i="1" dirty="0">
+                <a:solidFill>
+                  <a:srgbClr val="00B0F0"/>
+                </a:solidFill>
+              </a:rPr>
+              <a:t> </a:t>
+            </a:r>
+            <a:r>
+              <a:rPr lang="en-US" b="1" dirty="0">
+                <a:solidFill>
+                  <a:srgbClr val="00B0F0"/>
+                </a:solidFill>
+              </a:rPr>
+              <a:t>‘</a:t>
+            </a:r>
+            <a:r>
+              <a:rPr lang="en-US" b="1" dirty="0" err="1">
+                <a:solidFill>
+                  <a:srgbClr val="00B0F0"/>
+                </a:solidFill>
+              </a:rPr>
+              <a:t>driveLetter</a:t>
+            </a:r>
+            <a:r>
+              <a:rPr lang="en-US" b="1" dirty="0">
+                <a:solidFill>
+                  <a:srgbClr val="00B0F0"/>
+                </a:solidFill>
+              </a:rPr>
+              <a:t>:\path\to\directory\’;</a:t>
+            </a:r>
+            <a:endParaRPr lang="en-US" dirty="0">
+              <a:solidFill>
+                <a:srgbClr val="00B0F0"/>
+              </a:solidFill>
+            </a:endParaRPr>
+          </a:p>
+          <a:p>
+            <a:pPr marL="0" indent="0">
+              <a:buNone/>
+            </a:pPr>
+            <a:endParaRPr lang="en-US" dirty="0"/>
+          </a:p>
           <a:p>
             <a:r>
               <a:rPr lang="en-US" dirty="0"/>
-              <a:t>To use a permanent SAS data set, you can use a </a:t>
+              <a:t>After keyword </a:t>
             </a:r>
             <a:r>
               <a:rPr lang="en-US" b="1" dirty="0"/>
@@ -6976,186 +6982,40 @@
             </a:r>
             <a:r>
               <a:rPr lang="en-US" dirty="0"/>
-              <a:t> statement and refer to the data set by its two-level name.</a:t>
-            </a:r>
-          </a:p>
-          <a:p>
-            <a:endParaRPr lang="en-US" dirty="0"/>
+              <a:t>, specify the libref, then the location of your permanent SAS data set (in quotation marks).</a:t>
+            </a:r>
+            <a:endParaRPr lang="en-US" b="1" dirty="0"/>
+          </a:p>
+          <a:p>
+            <a:r>
+              <a:rPr lang="en-US" dirty="0" err="1"/>
+              <a:t>Librefs</a:t>
+            </a:r>
+            <a:r>
+              <a:rPr lang="en-US" dirty="0"/>
+              <a:t> defined using a </a:t>
+            </a:r>
+            <a:r>
+              <a:rPr lang="en-US" b="1" dirty="0"/>
+              <a:t>LIBNAME</a:t>
+            </a:r>
+            <a:r>
+              <a:rPr lang="en-US" dirty="0"/>
+              <a:t> statement appear in the Explorer window in Active Libraries.</a:t>
+            </a:r>
           </a:p>
           <a:p>
             <a:pPr marL="0" indent="0">
               <a:buNone/>
             </a:pPr>
-            <a:r>
-              <a:rPr lang="en-US" dirty="0">
-                <a:solidFill>
-                  <a:srgbClr val="00B0F0"/>
-                </a:solidFill>
-              </a:rPr>
-              <a:t>LIBNAME </a:t>
-            </a:r>
-            <a:r>
-              <a:rPr lang="en-US" dirty="0" err="1">
-                <a:solidFill>
-                  <a:srgbClr val="00B0F0"/>
-                </a:solidFill>
-              </a:rPr>
-              <a:t>mylib</a:t>
-            </a:r>
-            <a:r>
-              <a:rPr lang="en-US" dirty="0">
-                <a:solidFill>
-                  <a:srgbClr val="00B0F0"/>
-                </a:solidFill>
-              </a:rPr>
-              <a:t> ‘c:\</a:t>
-            </a:r>
-            <a:r>
-              <a:rPr lang="en-US" dirty="0" err="1">
-                <a:solidFill>
-                  <a:srgbClr val="00B0F0"/>
-                </a:solidFill>
-              </a:rPr>
-              <a:t>mySASlibrary</a:t>
-            </a:r>
-            <a:r>
-              <a:rPr lang="en-US" dirty="0">
-                <a:solidFill>
-                  <a:srgbClr val="00B0F0"/>
-                </a:solidFill>
-              </a:rPr>
-              <a:t>;’</a:t>
-            </a:r>
-          </a:p>
-          <a:p>
-            <a:pPr marL="0" indent="0">
-              <a:buNone/>
-            </a:pPr>
-            <a:r>
-              <a:rPr lang="en-US" dirty="0">
-                <a:solidFill>
-                  <a:srgbClr val="00B0F0"/>
-                </a:solidFill>
-              </a:rPr>
-              <a:t>Proc Print data = </a:t>
-            </a:r>
-            <a:r>
-              <a:rPr lang="en-US" dirty="0" err="1">
-                <a:solidFill>
-                  <a:srgbClr val="00B0F0"/>
-                </a:solidFill>
-              </a:rPr>
-              <a:t>mylib.carsales</a:t>
-            </a:r>
-            <a:r>
-              <a:rPr lang="en-US" dirty="0">
-                <a:solidFill>
-                  <a:srgbClr val="00B0F0"/>
-                </a:solidFill>
-              </a:rPr>
-              <a:t>;</a:t>
-            </a:r>
-          </a:p>
-          <a:p>
-            <a:pPr marL="0" indent="0">
-              <a:buNone/>
-            </a:pPr>
-            <a:r>
-              <a:rPr lang="en-US" dirty="0">
-                <a:solidFill>
-                  <a:srgbClr val="00B0F0"/>
-                </a:solidFill>
-              </a:rPr>
-              <a:t>Run;</a:t>
-            </a:r>
-          </a:p>
-        </p:txBody>
-      </p:sp>
-      <p:sp>
-        <p:nvSpPr>
-          <p:cNvPr id="4" name="TextBox 3"/>
-          <p:cNvSpPr txBox="1"/>
-          <p:nvPr/>
-        </p:nvSpPr>
-        <p:spPr>
-          <a:xfrm>
-            <a:off x="4038600" y="5168752"/>
-            <a:ext cx="3886200" cy="1107996"/>
-          </a:xfrm>
-          <a:prstGeom prst="rect">
-            <a:avLst/>
-          </a:prstGeom>
-          <a:noFill/>
-        </p:spPr>
-        <p:txBody>
-          <a:bodyPr wrap="square" rtlCol="0">
-            <a:spAutoFit/>
-          </a:bodyPr>
-          <a:lstStyle/>
-          <a:p>
-            <a:r>
-              <a:rPr lang="en-US" sz="2200" b="1" i="1" dirty="0" err="1">
-                <a:solidFill>
-                  <a:srgbClr val="FF0000"/>
-                </a:solidFill>
-              </a:rPr>
-              <a:t>Mylib</a:t>
-            </a:r>
-            <a:r>
-              <a:rPr lang="en-US" sz="2200" b="1" i="1" dirty="0">
-                <a:solidFill>
-                  <a:srgbClr val="FF0000"/>
-                </a:solidFill>
-              </a:rPr>
-              <a:t> </a:t>
-            </a:r>
-            <a:r>
-              <a:rPr lang="en-US" sz="2200" b="1" dirty="0">
-                <a:solidFill>
-                  <a:srgbClr val="FF0000"/>
-                </a:solidFill>
-              </a:rPr>
-              <a:t>is the libref and </a:t>
-            </a:r>
-            <a:r>
-              <a:rPr lang="en-US" sz="2200" b="1" dirty="0" err="1">
-                <a:solidFill>
-                  <a:srgbClr val="FF0000"/>
-                </a:solidFill>
-              </a:rPr>
-              <a:t>mylib.</a:t>
-            </a:r>
-            <a:r>
-              <a:rPr lang="en-US" sz="2200" b="1" i="1" dirty="0" err="1">
-                <a:solidFill>
-                  <a:srgbClr val="FF0000"/>
-                </a:solidFill>
-              </a:rPr>
-              <a:t>carsales</a:t>
-            </a:r>
-            <a:r>
-              <a:rPr lang="en-US" sz="2200" b="1" i="1" dirty="0">
-                <a:solidFill>
-                  <a:srgbClr val="FF0000"/>
-                </a:solidFill>
-              </a:rPr>
-              <a:t> </a:t>
-            </a:r>
-            <a:r>
-              <a:rPr lang="en-US" sz="2200" b="1" dirty="0">
-                <a:solidFill>
-                  <a:srgbClr val="FF0000"/>
-                </a:solidFill>
-              </a:rPr>
-              <a:t>is the permanent data set.</a:t>
-            </a:r>
+            <a:endParaRPr lang="en-US" b="1" dirty="0"/>
           </a:p>
         </p:txBody>
       </p:sp>
     </p:spTree>
     <p:extLst>
       <p:ext uri="{BB962C8B-B14F-4D97-AF65-F5344CB8AC3E}">
-        <p14:creationId xmlns:p14="http://schemas.microsoft.com/office/powerpoint/2010/main" val="2560424953"/>
+        <p14:creationId xmlns:p14="http://schemas.microsoft.com/office/powerpoint/2010/main" val="883728832"/>
       </p:ext>
     </p:extLst>
   </p:cSld>
@@ -7199,7 +7059,7 @@
           <a:p>
             <a:r>
               <a:rPr lang="en-US" dirty="0"/>
-              <a:t>Practice Exercise</a:t>
+              <a:t>Libname statements cont’d</a:t>
             </a:r>
           </a:p>
         </p:txBody>
@@ -7219,38 +7079,20 @@
           <a:bodyPr/>
           <a:lstStyle/>
           <a:p>
-            <a:pPr marL="514350" indent="-514350">
-              <a:buFont typeface="+mj-lt"/>
-              <a:buAutoNum type="arabicPeriod"/>
-            </a:pPr>
             <a:r>
               <a:rPr lang="en-US" dirty="0"/>
-              <a:t>Open the Editor window.</a:t>
-            </a:r>
-          </a:p>
-          <a:p>
-            <a:pPr marL="514350" indent="-514350">
-              <a:buFont typeface="+mj-lt"/>
-              <a:buAutoNum type="arabicPeriod"/>
-            </a:pPr>
+              <a:t>To use a permanent SAS data set, you can use a </a:t>
+            </a:r>
+            <a:r>
+              <a:rPr lang="en-US" b="1" dirty="0"/>
+              <a:t>LIBNAME</a:t>
+            </a:r>
             <a:r>
               <a:rPr lang="en-US" dirty="0"/>
-              <a:t>Write a LIBNAME statement for the </a:t>
-            </a:r>
-            <a:r>
-              <a:rPr lang="en-US" b="1" dirty="0"/>
-              <a:t>classds</a:t>
-            </a:r>
-            <a:r>
-              <a:rPr lang="en-US" dirty="0"/>
-              <a:t> data set that is saved in your flash drive.</a:t>
-            </a:r>
-          </a:p>
-          <a:p>
-            <a:pPr marL="514350" indent="-514350">
-              <a:buFont typeface="+mj-lt"/>
-              <a:buAutoNum type="arabicPeriod"/>
-            </a:pPr>
+              <a:t> statement and refer to the data set by its two-level name.</a:t>
+            </a:r>
+          </a:p>
+          <a:p>
             <a:endParaRPr lang="en-US" dirty="0"/>
           </a:p>
           <a:p>
@@ -7258,44 +7100,167 @@
               <a:buNone/>
             </a:pPr>
             <a:r>
-              <a:rPr lang="en-US" sz="3000" dirty="0">
+              <a:rPr lang="en-US" dirty="0">
                 <a:solidFill>
                   <a:srgbClr val="00B0F0"/>
                 </a:solidFill>
               </a:rPr>
-              <a:t>libname </a:t>
-            </a:r>
-            <a:r>
-              <a:rPr lang="en-US" sz="3000" dirty="0" err="1">
+              <a:t>LIBNAME </a:t>
+            </a:r>
+            <a:r>
+              <a:rPr lang="en-US" dirty="0" err="1">
                 <a:solidFill>
                   <a:srgbClr val="00B0F0"/>
                 </a:solidFill>
               </a:rPr>
-              <a:t>libref</a:t>
-            </a:r>
-            <a:r>
-              <a:rPr lang="en-US" sz="3000" dirty="0">
+              <a:t>mylib</a:t>
+            </a:r>
+            <a:r>
+              <a:rPr lang="en-US" dirty="0">
                 <a:solidFill>
                   <a:srgbClr val="00B0F0"/>
                 </a:solidFill>
               </a:rPr>
-              <a:t> '</a:t>
-            </a:r>
-            <a:r>
-              <a:rPr lang="en-US" sz="3000" dirty="0" err="1">
+              <a:t> ‘c:\</a:t>
+            </a:r>
+            <a:r>
+              <a:rPr lang="en-US" dirty="0" err="1">
                 <a:solidFill>
                   <a:srgbClr val="00B0F0"/>
                 </a:solidFill>
               </a:rPr>
-              <a:t>driveLetter</a:t>
-            </a:r>
-            <a:r>
-              <a:rPr lang="en-US" sz="3000" dirty="0">
+              <a:t>mySASlibrary</a:t>
+            </a:r>
+            <a:r>
+              <a:rPr lang="en-US" dirty="0">
                 <a:solidFill>
                   <a:srgbClr val="00B0F0"/>
                 </a:solidFill>
               </a:rPr>
-              <a:t>:\path\to\directory';</a:t>
+              <a:t>;’</a:t>
+            </a:r>
+          </a:p>
+          <a:p>
+            <a:pPr marL="0" indent="0">
+              <a:buNone/>
+            </a:pPr>
+            <a:r>
+              <a:rPr lang="en-US" dirty="0">
+                <a:solidFill>
+                  <a:srgbClr val="00B0F0"/>
+                </a:solidFill>
+              </a:rPr>
+              <a:t>Proc Print data = </a:t>
+            </a:r>
+            <a:r>
+              <a:rPr lang="en-US" dirty="0" err="1">
+                <a:solidFill>
+                  <a:srgbClr val="00B0F0"/>
+                </a:solidFill>
+              </a:rPr>
+              <a:t>mylib.carsales</a:t>
+            </a:r>
+            <a:r>
+              <a:rPr lang="en-US" dirty="0">
+                <a:solidFill>
+                  <a:srgbClr val="00B0F0"/>
+                </a:solidFill>
+              </a:rPr>
+              <a:t>;</a:t>
+            </a:r>
+          </a:p>
+          <a:p>
+            <a:pPr marL="0" indent="0">
+              <a:buNone/>
+            </a:pPr>
+            <a:r>
+              <a:rPr lang="en-US" dirty="0">
+                <a:solidFill>
+                  <a:srgbClr val="00B0F0"/>
+                </a:solidFill>
+              </a:rPr>
+              <a:t>Run;</a:t>
+            </a:r>
+          </a:p>
+        </p:txBody>
+      </p:sp>
+      <p:sp>
+        <p:nvSpPr>
+          <p:cNvPr id="4" name="TextBox 3"/>
+          <p:cNvSpPr txBox="1"/>
+          <p:nvPr/>
+        </p:nvSpPr>
+        <p:spPr>
+          <a:xfrm>
+            <a:off x="4038600" y="5168752"/>
+            <a:ext cx="3886200" cy="1107996"/>
+          </a:xfrm>
+          <a:prstGeom prst="rect">
+            <a:avLst/>
+          </a:prstGeom>
+          <a:noFill/>
+        </p:spPr>
+        <p:txBody>
+          <a:bodyPr wrap="square" rtlCol="0">
+            <a:spAutoFit/>
+          </a:bodyPr>
+          <a:lstStyle/>
+          <a:p>
+            <a:r>
+              <a:rPr lang="en-US" sz="2200" b="1" i="1" dirty="0" err="1">
+                <a:solidFill>
+                  <a:srgbClr val="FF0000"/>
+                </a:solidFill>
+              </a:rPr>
+              <a:t>Mylib</a:t>
+            </a:r>
+            <a:r>
+              <a:rPr lang="en-US" sz="2200" b="1" i="1" dirty="0">
+                <a:solidFill>
+                  <a:srgbClr val="FF0000"/>
+                </a:solidFill>
+              </a:rPr>
+              <a:t> </a:t>
+            </a:r>
+            <a:r>
+              <a:rPr lang="en-US" sz="2200" b="1" dirty="0">
+                <a:solidFill>
+                  <a:srgbClr val="FF0000"/>
+                </a:solidFill>
+              </a:rPr>
+              <a:t>is the libref and </a:t>
+            </a:r>
+            <a:r>
+              <a:rPr lang="en-US" sz="2200" b="1" dirty="0" err="1">
+                <a:solidFill>
+                  <a:srgbClr val="FF0000"/>
+                </a:solidFill>
+              </a:rPr>
+              <a:t>mylib.</a:t>
+            </a:r>
+            <a:r>
+              <a:rPr lang="en-US" sz="2200" b="1" i="1" dirty="0" err="1">
+                <a:solidFill>
+                  <a:srgbClr val="FF0000"/>
+                </a:solidFill>
+              </a:rPr>
+              <a:t>carsales</a:t>
+            </a:r>
+            <a:r>
+              <a:rPr lang="en-US" sz="2200" b="1" i="1" dirty="0">
+                <a:solidFill>
+                  <a:srgbClr val="FF0000"/>
+                </a:solidFill>
+              </a:rPr>
+              <a:t> </a:t>
+            </a:r>
+            <a:r>
+              <a:rPr lang="en-US" sz="2200" b="1" dirty="0">
+                <a:solidFill>
+                  <a:srgbClr val="FF0000"/>
+                </a:solidFill>
+              </a:rPr>
+              <a:t>is the permanent data set.</a:t>
             </a:r>
           </a:p>
         </p:txBody>
@@ -7303,7 +7268,7 @@
     </p:spTree>
     <p:extLst>
       <p:ext uri="{BB962C8B-B14F-4D97-AF65-F5344CB8AC3E}">
-        <p14:creationId xmlns:p14="http://schemas.microsoft.com/office/powerpoint/2010/main" val="2991689939"/>
+        <p14:creationId xmlns:p14="http://schemas.microsoft.com/office/powerpoint/2010/main" val="2560424953"/>
       </p:ext>
     </p:extLst>
   </p:cSld>
@@ -7332,9 +7297,9 @@
       </p:grpSpPr>
       <p:sp>
         <p:nvSpPr>
-          <p:cNvPr id="54274" name="Rectangle 2"/>
-          <p:cNvSpPr>
-            <a:spLocks noGrp="1" noChangeArrowheads="1"/>
+          <p:cNvPr id="2" name="Title 1"/>
+          <p:cNvSpPr>
+            <a:spLocks noGrp="1"/>
           </p:cNvSpPr>
           <p:nvPr>
             <p:ph type="title"/>
@@ -7345,195 +7310,105 @@
           <a:bodyPr/>
           <a:lstStyle/>
           <a:p>
-            <a:pPr eaLnBrk="1" hangingPunct="1"/>
             <a:r>
               <a:rPr lang="en-US" dirty="0"/>
-              <a:t>More PROC PRINT</a:t>
-            </a:r>
-          </a:p>
-        </p:txBody>
-      </p:sp>
-      <p:sp>
-        <p:nvSpPr>
-          <p:cNvPr id="54275" name="Rectangle 3"/>
-          <p:cNvSpPr>
-            <a:spLocks noGrp="1" noChangeArrowheads="1"/>
-          </p:cNvSpPr>
-          <p:nvPr>
-            <p:ph type="body" idx="1"/>
-          </p:nvPr>
-        </p:nvSpPr>
-        <p:spPr>
-          <a:xfrm>
-            <a:off x="457200" y="1600200"/>
-            <a:ext cx="8229600" cy="3276600"/>
-          </a:xfrm>
-        </p:spPr>
-        <p:txBody>
-          <a:bodyPr>
-            <a:normAutofit fontScale="92500" lnSpcReduction="10000"/>
-          </a:bodyPr>
-          <a:lstStyle/>
-          <a:p>
-            <a:pPr eaLnBrk="1" hangingPunct="1"/>
+              <a:t>Practice Exercise</a:t>
+            </a:r>
+          </a:p>
+        </p:txBody>
+      </p:sp>
+      <p:sp>
+        <p:nvSpPr>
+          <p:cNvPr id="3" name="Content Placeholder 2"/>
+          <p:cNvSpPr>
+            <a:spLocks noGrp="1"/>
+          </p:cNvSpPr>
+          <p:nvPr>
+            <p:ph idx="1"/>
+          </p:nvPr>
+        </p:nvSpPr>
+        <p:spPr/>
+        <p:txBody>
+          <a:bodyPr/>
+          <a:lstStyle/>
+          <a:p>
+            <a:pPr marL="514350" indent="-514350">
+              <a:buFont typeface="+mj-lt"/>
+              <a:buAutoNum type="arabicPeriod"/>
+            </a:pPr>
             <a:r>
               <a:rPr lang="en-US" dirty="0"/>
-              <a:t>PROC PRINT:  Procedure that provides a description of data set</a:t>
-            </a:r>
-          </a:p>
-          <a:p>
-            <a:pPr eaLnBrk="1" hangingPunct="1"/>
+              <a:t>Open the Editor window.</a:t>
+            </a:r>
+          </a:p>
+          <a:p>
+            <a:pPr marL="514350" indent="-514350">
+              <a:buFont typeface="+mj-lt"/>
+              <a:buAutoNum type="arabicPeriod"/>
+            </a:pPr>
             <a:r>
               <a:rPr lang="en-US" dirty="0"/>
-              <a:t>Default setting:</a:t>
-            </a:r>
-          </a:p>
-          <a:p>
-            <a:pPr lvl="1" eaLnBrk="1" hangingPunct="1"/>
+              <a:t>Write a LIBNAME statement for the </a:t>
+            </a:r>
+            <a:r>
+              <a:rPr lang="en-US" b="1" dirty="0"/>
+              <a:t>classds</a:t>
+            </a:r>
             <a:r>
               <a:rPr lang="en-US" dirty="0"/>
-              <a:t>all observations </a:t>
-            </a:r>
-          </a:p>
-          <a:p>
-            <a:pPr lvl="1" eaLnBrk="1" hangingPunct="1"/>
-            <a:r>
-              <a:rPr lang="en-US" dirty="0"/>
-              <a:t>all variables </a:t>
-            </a:r>
-          </a:p>
-          <a:p>
-            <a:pPr lvl="1" eaLnBrk="1" hangingPunct="1"/>
-            <a:r>
-              <a:rPr lang="en-US" dirty="0"/>
-              <a:t>column for observation numbers</a:t>
-            </a:r>
-          </a:p>
-          <a:p>
-            <a:pPr lvl="1" eaLnBrk="1" hangingPunct="1"/>
-            <a:r>
-              <a:rPr lang="en-US" dirty="0"/>
-              <a:t>variables in the order in which they occur</a:t>
-            </a:r>
-          </a:p>
-        </p:txBody>
-      </p:sp>
-      <p:sp>
-        <p:nvSpPr>
-          <p:cNvPr id="54276" name="Rectangle 4"/>
-          <p:cNvSpPr>
-            <a:spLocks noChangeArrowheads="1"/>
-          </p:cNvSpPr>
-          <p:nvPr/>
-        </p:nvSpPr>
-        <p:spPr bwMode="auto">
-          <a:xfrm>
-            <a:off x="457200" y="3200400"/>
-            <a:ext cx="8229600" cy="3276600"/>
-          </a:xfrm>
-          <a:prstGeom prst="rect">
-            <a:avLst/>
-          </a:prstGeom>
-          <a:noFill/>
-          <a:ln w="9525">
-            <a:noFill/>
-            <a:miter lim="800000"/>
-            <a:headEnd/>
-            <a:tailEnd/>
-          </a:ln>
-        </p:spPr>
-        <p:txBody>
-          <a:bodyPr>
-            <a:prstTxWarp prst="textNoShape">
-              <a:avLst/>
-            </a:prstTxWarp>
-          </a:bodyPr>
-          <a:lstStyle/>
-          <a:p>
-            <a:pPr marL="342900" indent="-342900" algn="l">
-              <a:spcBef>
-                <a:spcPct val="20000"/>
-              </a:spcBef>
-            </a:pPr>
-            <a:endParaRPr lang="en-US" sz="3200" dirty="0"/>
-          </a:p>
-        </p:txBody>
-      </p:sp>
-      <p:sp>
-        <p:nvSpPr>
-          <p:cNvPr id="54277" name="Rectangle 5"/>
-          <p:cNvSpPr>
-            <a:spLocks noChangeArrowheads="1"/>
-          </p:cNvSpPr>
-          <p:nvPr/>
-        </p:nvSpPr>
-        <p:spPr bwMode="auto">
-          <a:xfrm>
-            <a:off x="457200" y="4953000"/>
-            <a:ext cx="8229600" cy="1600200"/>
-          </a:xfrm>
-          <a:prstGeom prst="rect">
-            <a:avLst/>
-          </a:prstGeom>
-          <a:noFill/>
-          <a:ln w="9525">
-            <a:noFill/>
-            <a:miter lim="800000"/>
-            <a:headEnd/>
-            <a:tailEnd/>
-          </a:ln>
-        </p:spPr>
-        <p:txBody>
-          <a:bodyPr>
-            <a:prstTxWarp prst="textNoShape">
-              <a:avLst/>
-            </a:prstTxWarp>
-          </a:bodyPr>
-          <a:lstStyle/>
-          <a:p>
-            <a:pPr marL="342900" indent="-342900" algn="l">
-              <a:spcBef>
-                <a:spcPct val="20000"/>
-              </a:spcBef>
-            </a:pPr>
-            <a:r>
-              <a:rPr lang="en-US" sz="3200" dirty="0">
+              <a:t> data set that is saved in your flash drive.</a:t>
+            </a:r>
+          </a:p>
+          <a:p>
+            <a:pPr marL="514350" indent="-514350">
+              <a:buFont typeface="+mj-lt"/>
+              <a:buAutoNum type="arabicPeriod"/>
+            </a:pPr>
+            <a:endParaRPr lang="en-US" dirty="0"/>
+          </a:p>
+          <a:p>
+            <a:pPr marL="0" indent="0">
+              <a:buNone/>
+            </a:pPr>
+            <a:r>
+              <a:rPr lang="en-US" sz="3000" dirty="0">
                 <a:solidFill>
                   <a:srgbClr val="00B0F0"/>
                 </a:solidFill>
               </a:rPr>
-              <a:t>proc print </a:t>
-            </a:r>
-            <a:r>
-              <a:rPr lang="en-US" sz="3200" dirty="0">
-                <a:solidFill>
-                  <a:srgbClr val="7030A0"/>
-                </a:solidFill>
-              </a:rPr>
-              <a:t>data</a:t>
-            </a:r>
-            <a:r>
-              <a:rPr lang="en-US" sz="3200" dirty="0">
+              <a:t>libname </a:t>
+            </a:r>
+            <a:r>
+              <a:rPr lang="en-US" sz="3000" dirty="0" err="1">
                 <a:solidFill>
                   <a:srgbClr val="00B0F0"/>
                 </a:solidFill>
               </a:rPr>
-              <a:t> = classone.classds;</a:t>
-            </a:r>
-          </a:p>
-          <a:p>
-            <a:pPr marL="342900" indent="-342900" algn="l">
-              <a:spcBef>
-                <a:spcPct val="20000"/>
-              </a:spcBef>
-            </a:pPr>
-            <a:r>
-              <a:rPr lang="en-US" sz="3200" dirty="0">
+              <a:t>libref</a:t>
+            </a:r>
+            <a:r>
+              <a:rPr lang="en-US" sz="3000" dirty="0">
                 <a:solidFill>
                   <a:srgbClr val="00B0F0"/>
                 </a:solidFill>
               </a:rPr>
-              <a:t>run;</a:t>
+              <a:t> '</a:t>
+            </a:r>
+            <a:r>
+              <a:rPr lang="en-US" sz="3000" dirty="0" err="1">
+                <a:solidFill>
+                  <a:srgbClr val="00B0F0"/>
+                </a:solidFill>
+              </a:rPr>
+              <a:t>driveLetter</a:t>
+            </a:r>
+            <a:r>
+              <a:rPr lang="en-US" sz="3000" dirty="0">
+                <a:solidFill>
+                  <a:srgbClr val="00B0F0"/>
+                </a:solidFill>
+              </a:rPr>
+              <a:t>:\path\to\directory';</a:t>
             </a:r>
           </a:p>
         </p:txBody>
@@ -7541,7 +7416,7 @@
     </p:spTree>
     <p:extLst>
       <p:ext uri="{BB962C8B-B14F-4D97-AF65-F5344CB8AC3E}">
-        <p14:creationId xmlns:p14="http://schemas.microsoft.com/office/powerpoint/2010/main" val="3915584818"/>
+        <p14:creationId xmlns:p14="http://schemas.microsoft.com/office/powerpoint/2010/main" val="2991689939"/>
       </p:ext>
     </p:extLst>
   </p:cSld>
@@ -7570,7 +7445,7 @@
       </p:grpSpPr>
       <p:sp>
         <p:nvSpPr>
-          <p:cNvPr id="22530" name="Rectangle 2"/>
+          <p:cNvPr id="54274" name="Rectangle 2"/>
           <p:cNvSpPr>
             <a:spLocks noGrp="1" noChangeArrowheads="1"/>
           </p:cNvSpPr>
@@ -7585,23 +7460,15 @@
           <a:p>
             <a:pPr eaLnBrk="1" hangingPunct="1"/>
             <a:r>
-              <a:rPr lang="en-US" sz="4000" dirty="0"/>
-              <a:t>Proc Print – </a:t>
-            </a:r>
-            <a:r>
-              <a:rPr lang="en-US" sz="4000" dirty="0" err="1"/>
-              <a:t>noobs</a:t>
-            </a:r>
-            <a:r>
-              <a:rPr lang="en-US" sz="4000" dirty="0"/>
-              <a:t>, label options</a:t>
-            </a:r>
-          </a:p>
-        </p:txBody>
-      </p:sp>
-      <p:sp>
-        <p:nvSpPr>
-          <p:cNvPr id="22531" name="Rectangle 3"/>
+              <a:rPr lang="en-US" dirty="0"/>
+              <a:t>More PROC PRINT</a:t>
+            </a:r>
+          </a:p>
+        </p:txBody>
+      </p:sp>
+      <p:sp>
+        <p:nvSpPr>
+          <p:cNvPr id="54275" name="Rectangle 3"/>
           <p:cNvSpPr>
             <a:spLocks noGrp="1" noChangeArrowheads="1"/>
           </p:cNvSpPr>
@@ -7611,40 +7478,62 @@
         </p:nvSpPr>
         <p:spPr>
           <a:xfrm>
-            <a:off x="457200" y="2819400"/>
-            <a:ext cx="8229600" cy="2514600"/>
+            <a:off x="457200" y="1600200"/>
+            <a:ext cx="8229600" cy="3276600"/>
           </a:xfrm>
         </p:spPr>
         <p:txBody>
-          <a:bodyPr/>
+          <a:bodyPr>
+            <a:normAutofit fontScale="92500" lnSpcReduction="10000"/>
+          </a:bodyPr>
           <a:lstStyle/>
           <a:p>
             <a:pPr eaLnBrk="1" hangingPunct="1"/>
             <a:r>
-              <a:rPr lang="en-US" dirty="0" err="1"/>
-              <a:t>Noobs</a:t>
-            </a:r>
-            <a:r>
               <a:rPr lang="en-US" dirty="0"/>
-              <a:t> option – suppresses the observation numbers in the output</a:t>
+              <a:t>PROC PRINT:  Procedure that provides a description of data set</a:t>
             </a:r>
           </a:p>
           <a:p>
             <a:pPr eaLnBrk="1" hangingPunct="1"/>
             <a:r>
               <a:rPr lang="en-US" dirty="0"/>
-              <a:t>Label option – use variable labels as headings</a:t>
-            </a:r>
-          </a:p>
-          <a:p>
-            <a:pPr eaLnBrk="1" hangingPunct="1"/>
-            <a:endParaRPr lang="en-US" dirty="0"/>
-          </a:p>
-        </p:txBody>
-      </p:sp>
-      <p:sp>
-        <p:nvSpPr>
-          <p:cNvPr id="22532" name="Rectangle 4"/>
+              <a:t>Default setting:</a:t>
+            </a:r>
+          </a:p>
+          <a:p>
+            <a:pPr lvl="1" eaLnBrk="1" hangingPunct="1"/>
+            <a:r>
+              <a:rPr lang="en-US" dirty="0"/>
+              <a:t>all observations </a:t>
+            </a:r>
+          </a:p>
+          <a:p>
+            <a:pPr lvl="1" eaLnBrk="1" hangingPunct="1"/>
+            <a:r>
+              <a:rPr lang="en-US" dirty="0"/>
+              <a:t>all variables </a:t>
+            </a:r>
+          </a:p>
+          <a:p>
+            <a:pPr lvl="1" eaLnBrk="1" hangingPunct="1"/>
+            <a:r>
+              <a:rPr lang="en-US" dirty="0"/>
+              <a:t>column for observation numbers</a:t>
+            </a:r>
+          </a:p>
+          <a:p>
+            <a:pPr lvl="1" eaLnBrk="1" hangingPunct="1"/>
+            <a:r>
+              <a:rPr lang="en-US" dirty="0"/>
+              <a:t>variables in the order in which they occur</a:t>
+            </a:r>
+          </a:p>
+        </p:txBody>
+      </p:sp>
+      <p:sp>
+        <p:nvSpPr>
+          <p:cNvPr id="54276" name="Rectangle 4"/>
           <p:cNvSpPr>
             <a:spLocks noChangeArrowheads="1"/>
           </p:cNvSpPr>
@@ -7652,8 +7541,8 @@
         </p:nvSpPr>
         <p:spPr bwMode="auto">
           <a:xfrm>
-            <a:off x="457200" y="1447800"/>
-            <a:ext cx="8229600" cy="1219200"/>
+            <a:off x="457200" y="3200400"/>
+            <a:ext cx="8229600" cy="3276600"/>
           </a:xfrm>
           <a:prstGeom prst="rect">
             <a:avLst/>
@@ -7679,6 +7568,47 @@
                 <a:spcPct val="20000"/>
               </a:spcBef>
             </a:pPr>
+            <a:endParaRPr lang="en-US" sz="3200" dirty="0"/>
+          </a:p>
+        </p:txBody>
+      </p:sp>
+      <p:sp>
+        <p:nvSpPr>
+          <p:cNvPr id="54277" name="Rectangle 5"/>
+          <p:cNvSpPr>
+            <a:spLocks noChangeArrowheads="1"/>
+          </p:cNvSpPr>
+          <p:nvPr/>
+        </p:nvSpPr>
+        <p:spPr bwMode="auto">
+          <a:xfrm>
+            <a:off x="457200" y="4953000"/>
+            <a:ext cx="8229600" cy="1600200"/>
+          </a:xfrm>
+          <a:prstGeom prst="rect">
+            <a:avLst/>
+          </a:prstGeom>
+          <a:noFill/>
+          <a:ln w="9525">
+            <a:noFill/>
+            <a:miter lim="800000"/>
+            <a:headEnd/>
+            <a:tailEnd/>
+          </a:ln>
+        </p:spPr>
+        <p:txBody>
+          <a:bodyPr>
+            <a:prstTxWarp prst="textNoShape">
+              <a:avLst/>
+            </a:prstTxWarp>
+          </a:bodyPr>
+          <a:lstStyle/>
+          <a:p>
+            <a:pPr marL="342900" indent="-342900" algn="l">
+              <a:spcBef>
+                <a:spcPct val="20000"/>
+              </a:spcBef>
+            </a:pPr>
             <a:r>
               <a:rPr lang="en-US" sz="3200" dirty="0">
                 <a:solidFill>
@@ -7701,39 +7631,22 @@
                   <a:srgbClr val="00B0F0"/>
                 </a:solidFill>
               </a:rPr>
-              <a:t> = classone.classds </a:t>
-            </a:r>
-            <a:r>
-              <a:rPr lang="en-US" sz="3200" dirty="0" err="1">
-                <a:solidFill>
-                  <a:srgbClr val="7030A0"/>
-                </a:solidFill>
-              </a:rPr>
-              <a:t>noobs</a:t>
-            </a:r>
+              <a:t> = classone.classds;</a:t>
+            </a:r>
+          </a:p>
+          <a:p>
+            <a:pPr marL="342900" indent="-342900" algn="l">
+              <a:spcBef>
+                <a:spcPct val="20000"/>
+              </a:spcBef>
+            </a:pPr>
             <a:r>
               <a:rPr lang="en-US" sz="3200" dirty="0">
                 <a:solidFill>
                   <a:srgbClr val="00B0F0"/>
                 </a:solidFill>
               </a:rPr>
-              <a:t> </a:t>
-            </a:r>
-            <a:r>
-              <a:rPr lang="en-US" sz="3200" dirty="0">
-                <a:solidFill>
-                  <a:srgbClr val="7030A0"/>
-                </a:solidFill>
-              </a:rPr>
-              <a:t>label</a:t>
-            </a:r>
-            <a:r>
-              <a:rPr lang="en-US" sz="3200" dirty="0">
-                <a:solidFill>
-                  <a:srgbClr val="00B0F0"/>
-                </a:solidFill>
-              </a:rPr>
-              <a:t>;</a:t>
+              <a:t>run;</a:t>
             </a:r>
           </a:p>
         </p:txBody>
@@ -7741,7 +7654,7 @@
     </p:spTree>
     <p:extLst>
       <p:ext uri="{BB962C8B-B14F-4D97-AF65-F5344CB8AC3E}">
-        <p14:creationId xmlns:p14="http://schemas.microsoft.com/office/powerpoint/2010/main" val="1329765270"/>
+        <p14:creationId xmlns:p14="http://schemas.microsoft.com/office/powerpoint/2010/main" val="3915584818"/>
       </p:ext>
     </p:extLst>
   </p:cSld>
@@ -7786,7 +7699,15 @@
             <a:pPr eaLnBrk="1" hangingPunct="1"/>
             <a:r>
               <a:rPr lang="en-US" sz="4000" dirty="0"/>
-              <a:t>Proc Print – var statement</a:t>
+              <a:t>Proc Print – </a:t>
+            </a:r>
+            <a:r>
+              <a:rPr lang="en-US" sz="4000" dirty="0" err="1"/>
+              <a:t>noobs</a:t>
+            </a:r>
+            <a:r>
+              <a:rPr lang="en-US" sz="4000" dirty="0"/>
+              <a:t>, label options</a:t>
             </a:r>
           </a:p>
         </p:txBody>
@@ -7803,7 +7724,7 @@
         </p:nvSpPr>
         <p:spPr>
           <a:xfrm>
-            <a:off x="457200" y="3276600"/>
+            <a:off x="457200" y="2819400"/>
             <a:ext cx="8229600" cy="2514600"/>
           </a:xfrm>
         </p:spPr>
@@ -7813,8 +7734,19 @@
           <a:p>
             <a:pPr eaLnBrk="1" hangingPunct="1"/>
             <a:r>
+              <a:rPr lang="en-US" dirty="0" err="1"/>
+              <a:t>Noobs</a:t>
+            </a:r>
+            <a:r>
               <a:rPr lang="en-US" dirty="0"/>
-              <a:t>Var statement – identifies one or more variables in the report and the order of their appearance</a:t>
+              <a:t> option – suppresses the observation numbers in the output</a:t>
+            </a:r>
+          </a:p>
+          <a:p>
+            <a:pPr eaLnBrk="1" hangingPunct="1"/>
+            <a:r>
+              <a:rPr lang="en-US" dirty="0"/>
+              <a:t>Label option – use variable labels as headings</a:t>
             </a:r>
           </a:p>
           <a:p>
@@ -7877,151 +7809,52 @@
               <a:t>data</a:t>
             </a:r>
             <a:r>
-              <a:rPr lang="en-US" sz="3200" dirty="0"/>
+              <a:rPr lang="en-US" sz="3200" dirty="0">
+                <a:solidFill>
+                  <a:srgbClr val="00B0F0"/>
+                </a:solidFill>
+              </a:rPr>
+              <a:t> = classone.classds </a:t>
+            </a:r>
+            <a:r>
+              <a:rPr lang="en-US" sz="3200" dirty="0" err="1">
+                <a:solidFill>
+                  <a:srgbClr val="7030A0"/>
+                </a:solidFill>
+              </a:rPr>
+              <a:t>noobs</a:t>
+            </a:r>
+            <a:r>
+              <a:rPr lang="en-US" sz="3200" dirty="0">
+                <a:solidFill>
+                  <a:srgbClr val="00B0F0"/>
+                </a:solidFill>
+              </a:rPr>
               <a:t> </a:t>
             </a:r>
             <a:r>
               <a:rPr lang="en-US" sz="3200" dirty="0">
                 <a:solidFill>
+                  <a:srgbClr val="7030A0"/>
+                </a:solidFill>
+              </a:rPr>
+              <a:t>label</a:t>
+            </a:r>
+            <a:r>
+              <a:rPr lang="en-US" sz="3200" dirty="0">
+                <a:solidFill>
                   <a:srgbClr val="00B0F0"/>
                 </a:solidFill>
               </a:rPr>
-              <a:t>= hippo.classds </a:t>
-            </a:r>
-            <a:r>
-              <a:rPr lang="en-US" sz="3200" dirty="0" err="1">
-                <a:solidFill>
-                  <a:srgbClr val="7030A0"/>
-                </a:solidFill>
-              </a:rPr>
-              <a:t>noobs</a:t>
-            </a:r>
-            <a:r>
-              <a:rPr lang="en-US" sz="3200" dirty="0">
-                <a:solidFill>
-                  <a:srgbClr val="3333FF"/>
-                </a:solidFill>
-              </a:rPr>
-              <a:t> </a:t>
-            </a:r>
-            <a:r>
-              <a:rPr lang="en-US" sz="3200" dirty="0">
-                <a:solidFill>
-                  <a:srgbClr val="7030A0"/>
-                </a:solidFill>
-              </a:rPr>
-              <a:t>label</a:t>
-            </a:r>
-            <a:r>
-              <a:rPr lang="en-US" sz="3200" dirty="0">
-                <a:solidFill>
-                  <a:srgbClr val="00B0F0"/>
-                </a:solidFill>
-              </a:rPr>
               <a:t>;</a:t>
             </a:r>
-          </a:p>
-          <a:p>
-            <a:pPr marL="342900" indent="-342900" algn="l">
-              <a:spcBef>
-                <a:spcPct val="20000"/>
-              </a:spcBef>
-            </a:pPr>
-            <a:r>
-              <a:rPr lang="en-US" sz="3200" dirty="0">
-                <a:solidFill>
-                  <a:srgbClr val="000066"/>
-                </a:solidFill>
-              </a:rPr>
-              <a:t>	</a:t>
-            </a:r>
-            <a:r>
-              <a:rPr lang="en-US" sz="3200" dirty="0">
-                <a:solidFill>
-                  <a:srgbClr val="7030A0"/>
-                </a:solidFill>
-              </a:rPr>
-              <a:t>var</a:t>
-            </a:r>
-            <a:r>
-              <a:rPr lang="en-US" sz="3200" dirty="0"/>
-              <a:t> </a:t>
-            </a:r>
-            <a:r>
-              <a:rPr lang="en-US" sz="3200" dirty="0">
-                <a:solidFill>
-                  <a:srgbClr val="00B0F0"/>
-                </a:solidFill>
-              </a:rPr>
-              <a:t>uniqueid </a:t>
-            </a:r>
-            <a:r>
-              <a:rPr lang="en-US" sz="3200" dirty="0" err="1">
-                <a:solidFill>
-                  <a:srgbClr val="00B0F0"/>
-                </a:solidFill>
-              </a:rPr>
-              <a:t>fakedob</a:t>
-            </a:r>
-            <a:r>
-              <a:rPr lang="en-US" sz="3200" dirty="0">
-                <a:solidFill>
-                  <a:srgbClr val="00B0F0"/>
-                </a:solidFill>
-              </a:rPr>
-              <a:t> gender race (etc);</a:t>
-            </a:r>
-          </a:p>
-        </p:txBody>
-      </p:sp>
-      <p:sp>
-        <p:nvSpPr>
-          <p:cNvPr id="5" name="AutoShape 5"/>
-          <p:cNvSpPr>
-            <a:spLocks noChangeArrowheads="1"/>
-          </p:cNvSpPr>
-          <p:nvPr/>
-        </p:nvSpPr>
-        <p:spPr bwMode="auto">
-          <a:xfrm>
-            <a:off x="228600" y="2187554"/>
-            <a:ext cx="609600" cy="381000"/>
-          </a:xfrm>
-          <a:prstGeom prst="rightArrow">
-            <a:avLst>
-              <a:gd name="adj1" fmla="val 50000"/>
-              <a:gd name="adj2" fmla="val 40000"/>
-            </a:avLst>
-          </a:prstGeom>
-          <a:solidFill>
-            <a:srgbClr val="FF0000"/>
-          </a:solidFill>
-          <a:ln w="9525">
-            <a:solidFill>
-              <a:schemeClr val="tx1"/>
-            </a:solidFill>
-            <a:miter lim="800000"/>
-            <a:headEnd/>
-            <a:tailEnd/>
-          </a:ln>
-          <a:effectLst/>
-        </p:spPr>
-        <p:txBody>
-          <a:bodyPr wrap="none" anchor="ctr">
-            <a:prstTxWarp prst="textNoShape">
-              <a:avLst/>
-            </a:prstTxWarp>
-          </a:bodyPr>
-          <a:lstStyle/>
-          <a:p>
-            <a:endParaRPr lang="en-US"/>
           </a:p>
         </p:txBody>
       </p:sp>
     </p:spTree>
     <p:extLst>
       <p:ext uri="{BB962C8B-B14F-4D97-AF65-F5344CB8AC3E}">
-        <p14:creationId xmlns:p14="http://schemas.microsoft.com/office/powerpoint/2010/main" val="597203094"/>
+        <p14:creationId xmlns:p14="http://schemas.microsoft.com/office/powerpoint/2010/main" val="1329765270"/>
       </p:ext>
     </p:extLst>
   </p:cSld>
@@ -8050,7 +7883,7 @@
       </p:grpSpPr>
       <p:sp>
         <p:nvSpPr>
-          <p:cNvPr id="58370" name="Rectangle 2"/>
+          <p:cNvPr id="22530" name="Rectangle 2"/>
           <p:cNvSpPr>
             <a:spLocks noGrp="1" noChangeArrowheads="1"/>
           </p:cNvSpPr>
@@ -8065,15 +7898,15 @@
           <a:p>
             <a:pPr eaLnBrk="1" hangingPunct="1"/>
             <a:r>
-              <a:rPr lang="en-US"/>
-              <a:t>Proc Print – id</a:t>
-            </a:r>
-          </a:p>
-        </p:txBody>
-      </p:sp>
-      <p:sp>
-        <p:nvSpPr>
-          <p:cNvPr id="58371" name="Rectangle 3"/>
+              <a:rPr lang="en-US" sz="4000" dirty="0"/>
+              <a:t>Proc Print – var statement</a:t>
+            </a:r>
+          </a:p>
+        </p:txBody>
+      </p:sp>
+      <p:sp>
+        <p:nvSpPr>
+          <p:cNvPr id="22531" name="Rectangle 3"/>
           <p:cNvSpPr>
             <a:spLocks noGrp="1" noChangeArrowheads="1"/>
           </p:cNvSpPr>
@@ -8083,7 +7916,7 @@
         </p:nvSpPr>
         <p:spPr>
           <a:xfrm>
-            <a:off x="304800" y="3505200"/>
+            <a:off x="457200" y="3276600"/>
             <a:ext cx="8229600" cy="2514600"/>
           </a:xfrm>
         </p:spPr>
@@ -8091,19 +7924,11 @@
           <a:bodyPr/>
           <a:lstStyle/>
           <a:p>
-            <a:pPr marL="0" indent="0" eaLnBrk="1" hangingPunct="1">
-              <a:buNone/>
-            </a:pPr>
+            <a:pPr eaLnBrk="1" hangingPunct="1"/>
             <a:r>
               <a:rPr lang="en-US" dirty="0"/>
-              <a:t>ID statement – specifies one or more variables that are used to identify observations</a:t>
-            </a:r>
-          </a:p>
-          <a:p>
-            <a:pPr marL="0" indent="0" eaLnBrk="1" hangingPunct="1">
-              <a:buNone/>
-            </a:pPr>
-            <a:endParaRPr lang="en-US" dirty="0"/>
+              <a:t>Var statement – identifies one or more variables in the report and the order of their appearance</a:t>
+            </a:r>
           </a:p>
           <a:p>
             <a:pPr eaLnBrk="1" hangingPunct="1"/>
@@ -8113,7 +7938,7 @@
       </p:sp>
       <p:sp>
         <p:nvSpPr>
-          <p:cNvPr id="58372" name="Rectangle 4"/>
+          <p:cNvPr id="22532" name="Rectangle 4"/>
           <p:cNvSpPr>
             <a:spLocks noChangeArrowheads="1"/>
           </p:cNvSpPr>
@@ -8122,7 +7947,7 @@
         <p:spPr bwMode="auto">
           <a:xfrm>
             <a:off x="457200" y="1447800"/>
-            <a:ext cx="8229600" cy="1600200"/>
+            <a:ext cx="8229600" cy="1219200"/>
           </a:xfrm>
           <a:prstGeom prst="rect">
             <a:avLst/>
@@ -8218,7 +8043,7 @@
             <a:r>
               <a:rPr lang="en-US" sz="3200" dirty="0">
                 <a:solidFill>
-                  <a:srgbClr val="3333FF"/>
+                  <a:srgbClr val="000066"/>
                 </a:solidFill>
               </a:rPr>
               <a:t>	</a:t>
@@ -8236,6 +8061,14 @@
               <a:t> </a:t>
             </a:r>
             <a:r>
+              <a:rPr lang="en-US" sz="3200" dirty="0">
+                <a:solidFill>
+                  <a:srgbClr val="00B0F0"/>
+                </a:solidFill>
+              </a:rPr>
+              <a:t>uniqueid </a:t>
+            </a:r>
+            <a:r>
               <a:rPr lang="en-US" sz="3200" dirty="0" err="1">
                 <a:solidFill>
                   <a:srgbClr val="00B0F0"/>
@@ -8252,43 +8085,56 @@
               <a:t> gender race (etc);</a:t>
             </a:r>
           </a:p>
-          <a:p>
-            <a:pPr marL="342900" indent="-342900">
-              <a:spcBef>
-                <a:spcPct val="20000"/>
-              </a:spcBef>
-            </a:pPr>
-            <a:r>
-              <a:rPr lang="en-US" sz="3200" dirty="0"/>
-              <a:t>	</a:t>
-            </a:r>
-            <a:r>
-              <a:rPr lang="en-US" sz="3200" dirty="0">
-                <a:solidFill>
-                  <a:srgbClr val="7030A0"/>
-                </a:solidFill>
-              </a:rPr>
-              <a:t>id</a:t>
-            </a:r>
-            <a:r>
-              <a:rPr lang="en-US" sz="3200" dirty="0"/>
-              <a:t> </a:t>
-            </a:r>
-            <a:r>
-              <a:rPr lang="en-US" sz="3200" dirty="0">
-                <a:solidFill>
-                  <a:srgbClr val="00B0F0"/>
-                </a:solidFill>
-              </a:rPr>
-              <a:t>uniqueid;</a:t>
-            </a:r>
+        </p:txBody>
+      </p:sp>
+      <p:sp>
+        <p:nvSpPr>
+          <p:cNvPr id="5" name="AutoShape 5"/>
+          <p:cNvSpPr>
+            <a:spLocks noChangeArrowheads="1"/>
+          </p:cNvSpPr>
+          <p:nvPr/>
+        </p:nvSpPr>
+        <p:spPr bwMode="auto">
+          <a:xfrm>
+            <a:off x="228600" y="2187554"/>
+            <a:ext cx="609600" cy="381000"/>
+          </a:xfrm>
+          <a:prstGeom prst="rightArrow">
+            <a:avLst>
+              <a:gd name="adj1" fmla="val 50000"/>
+              <a:gd name="adj2" fmla="val 40000"/>
+            </a:avLst>
+          </a:prstGeom>
+          <a:solidFill>
+            <a:srgbClr val="FF0000"/>
+          </a:solidFill>
+          <a:ln w="9525">
+            <a:solidFill>
+              <a:schemeClr val="tx1"/>
+            </a:solidFill>
+            <a:miter lim="800000"/>
+            <a:headEnd/>
+            <a:tailEnd/>
+          </a:ln>
+          <a:effectLst/>
+        </p:spPr>
+        <p:txBody>
+          <a:bodyPr wrap="none" anchor="ctr">
+            <a:prstTxWarp prst="textNoShape">
+              <a:avLst/>
+            </a:prstTxWarp>
+          </a:bodyPr>
+          <a:lstStyle/>
+          <a:p>
+            <a:endParaRPr lang="en-US"/>
           </a:p>
         </p:txBody>
       </p:sp>
     </p:spTree>
     <p:extLst>
       <p:ext uri="{BB962C8B-B14F-4D97-AF65-F5344CB8AC3E}">
-        <p14:creationId xmlns:p14="http://schemas.microsoft.com/office/powerpoint/2010/main" val="2013958205"/>
+        <p14:creationId xmlns:p14="http://schemas.microsoft.com/office/powerpoint/2010/main" val="597203094"/>
       </p:ext>
     </p:extLst>
   </p:cSld>
@@ -8350,14 +8196,25 @@
         <p:spPr/>
         <p:txBody>
           <a:bodyPr>
-            <a:normAutofit fontScale="85000" lnSpcReduction="20000"/>
+            <a:normAutofit fontScale="77500" lnSpcReduction="20000"/>
           </a:bodyPr>
           <a:lstStyle/>
           <a:p>
             <a:r>
               <a:rPr lang="en-US" dirty="0"/>
-              <a:t>Review of last class</a:t>
-            </a:r>
+              <a:t>Review of last </a:t>
+            </a:r>
+            <a:r>
+              <a:rPr lang="en-US" dirty="0" smtClean="0"/>
+              <a:t>class</a:t>
+            </a:r>
+          </a:p>
+          <a:p>
+            <a:r>
+              <a:rPr lang="en-US" dirty="0" smtClean="0"/>
+              <a:t>Windows file location tips</a:t>
+            </a:r>
+            <a:endParaRPr lang="en-US" dirty="0"/>
           </a:p>
           <a:p>
             <a:r>
@@ -8462,9 +8319,9 @@
       </p:grpSpPr>
       <p:sp>
         <p:nvSpPr>
-          <p:cNvPr id="2" name="Title 1"/>
-          <p:cNvSpPr>
-            <a:spLocks noGrp="1"/>
+          <p:cNvPr id="58370" name="Rectangle 2"/>
+          <p:cNvSpPr>
+            <a:spLocks noGrp="1" noChangeArrowheads="1"/>
           </p:cNvSpPr>
           <p:nvPr>
             <p:ph type="title"/>
@@ -8475,33 +8332,93 @@
           <a:bodyPr/>
           <a:lstStyle/>
           <a:p>
+            <a:pPr eaLnBrk="1" hangingPunct="1"/>
+            <a:r>
+              <a:rPr lang="en-US"/>
+              <a:t>Proc Print – id</a:t>
+            </a:r>
+          </a:p>
+        </p:txBody>
+      </p:sp>
+      <p:sp>
+        <p:nvSpPr>
+          <p:cNvPr id="58371" name="Rectangle 3"/>
+          <p:cNvSpPr>
+            <a:spLocks noGrp="1" noChangeArrowheads="1"/>
+          </p:cNvSpPr>
+          <p:nvPr>
+            <p:ph type="body" idx="1"/>
+          </p:nvPr>
+        </p:nvSpPr>
+        <p:spPr>
+          <a:xfrm>
+            <a:off x="304800" y="3505200"/>
+            <a:ext cx="8229600" cy="2514600"/>
+          </a:xfrm>
+        </p:spPr>
+        <p:txBody>
+          <a:bodyPr/>
+          <a:lstStyle/>
+          <a:p>
+            <a:pPr marL="0" indent="0" eaLnBrk="1" hangingPunct="1">
+              <a:buNone/>
+            </a:pPr>
             <a:r>
               <a:rPr lang="en-US" dirty="0"/>
-              <a:t>Proc Print - Observations</a:t>
-            </a:r>
-          </a:p>
-        </p:txBody>
-      </p:sp>
-      <p:sp>
-        <p:nvSpPr>
-          <p:cNvPr id="3" name="Content Placeholder 2"/>
-          <p:cNvSpPr>
-            <a:spLocks noGrp="1"/>
-          </p:cNvSpPr>
-          <p:nvPr>
-            <p:ph idx="1"/>
-          </p:nvPr>
-        </p:nvSpPr>
-        <p:spPr/>
-        <p:txBody>
-          <a:bodyPr/>
-          <a:lstStyle/>
-          <a:p>
-            <a:pPr marL="0" indent="0">
+              <a:t>ID statement – specifies one or more variables that are used to identify observations</a:t>
+            </a:r>
+          </a:p>
+          <a:p>
+            <a:pPr marL="0" indent="0" eaLnBrk="1" hangingPunct="1">
               <a:buNone/>
             </a:pPr>
-            <a:r>
-              <a:rPr lang="en-US" dirty="0">
+            <a:endParaRPr lang="en-US" dirty="0"/>
+          </a:p>
+          <a:p>
+            <a:pPr eaLnBrk="1" hangingPunct="1"/>
+            <a:endParaRPr lang="en-US" dirty="0"/>
+          </a:p>
+        </p:txBody>
+      </p:sp>
+      <p:sp>
+        <p:nvSpPr>
+          <p:cNvPr id="58372" name="Rectangle 4"/>
+          <p:cNvSpPr>
+            <a:spLocks noChangeArrowheads="1"/>
+          </p:cNvSpPr>
+          <p:nvPr/>
+        </p:nvSpPr>
+        <p:spPr bwMode="auto">
+          <a:xfrm>
+            <a:off x="457200" y="1447800"/>
+            <a:ext cx="8229600" cy="1600200"/>
+          </a:xfrm>
+          <a:prstGeom prst="rect">
+            <a:avLst/>
+          </a:prstGeom>
+          <a:noFill/>
+          <a:ln w="9525">
+            <a:noFill/>
+            <a:miter lim="800000"/>
+            <a:headEnd/>
+            <a:tailEnd/>
+          </a:ln>
+        </p:spPr>
+        <p:txBody>
+          <a:bodyPr>
+            <a:prstTxWarp prst="textNoShape">
+              <a:avLst/>
+            </a:prstTxWarp>
+          </a:bodyPr>
+          <a:lstStyle/>
+          <a:p>
+            <a:pPr marL="342900" indent="-342900" algn="l">
+              <a:spcBef>
+                <a:spcPct val="20000"/>
+              </a:spcBef>
+            </a:pPr>
+            <a:r>
+              <a:rPr lang="en-US" sz="3200" dirty="0">
                 <a:solidFill>
                   <a:srgbClr val="00B0F0"/>
                 </a:solidFill>
@@ -8509,7 +8426,7 @@
               <a:t>proc print </a:t>
             </a:r>
             <a:r>
-              <a:rPr lang="en-US" dirty="0">
+              <a:rPr lang="en-US" sz="3200" dirty="0">
                 <a:solidFill>
                   <a:srgbClr val="7030A0"/>
                 </a:solidFill>
@@ -8517,101 +8434,130 @@
               <a:t>data</a:t>
             </a:r>
             <a:r>
-              <a:rPr lang="en-US" dirty="0">
+              <a:rPr lang="en-US" sz="3200" dirty="0"/>
+              <a:t> </a:t>
+            </a:r>
+            <a:r>
+              <a:rPr lang="en-US" sz="3200" dirty="0">
                 <a:solidFill>
                   <a:srgbClr val="00B0F0"/>
                 </a:solidFill>
               </a:rPr>
-              <a:t> = temp (</a:t>
-            </a:r>
-            <a:r>
-              <a:rPr lang="en-US" dirty="0" err="1">
+              <a:t>= hippo.classds </a:t>
+            </a:r>
+            <a:r>
+              <a:rPr lang="en-US" sz="3200" dirty="0" err="1">
                 <a:solidFill>
                   <a:srgbClr val="7030A0"/>
                 </a:solidFill>
               </a:rPr>
-              <a:t>obs</a:t>
-            </a:r>
-            <a:r>
-              <a:rPr lang="en-US" dirty="0">
+              <a:t>noobs</a:t>
+            </a:r>
+            <a:r>
+              <a:rPr lang="en-US" sz="3200" dirty="0">
+                <a:solidFill>
+                  <a:srgbClr val="3333FF"/>
+                </a:solidFill>
+              </a:rPr>
+              <a:t> </a:t>
+            </a:r>
+            <a:r>
+              <a:rPr lang="en-US" sz="3200" dirty="0">
+                <a:solidFill>
+                  <a:srgbClr val="7030A0"/>
+                </a:solidFill>
+              </a:rPr>
+              <a:t>label</a:t>
+            </a:r>
+            <a:r>
+              <a:rPr lang="en-US" sz="3200" dirty="0">
                 <a:solidFill>
                   <a:srgbClr val="00B0F0"/>
                 </a:solidFill>
               </a:rPr>
-              <a:t>=</a:t>
-            </a:r>
-            <a:r>
-              <a:rPr lang="en-US" dirty="0">
+              <a:t>;</a:t>
+            </a:r>
+          </a:p>
+          <a:p>
+            <a:pPr marL="342900" indent="-342900" algn="l">
+              <a:spcBef>
+                <a:spcPct val="20000"/>
+              </a:spcBef>
+            </a:pPr>
+            <a:r>
+              <a:rPr lang="en-US" sz="3200" dirty="0">
+                <a:solidFill>
+                  <a:srgbClr val="3333FF"/>
+                </a:solidFill>
+              </a:rPr>
+              <a:t>	</a:t>
+            </a:r>
+            <a:r>
+              <a:rPr lang="en-US" sz="3200" dirty="0">
                 <a:solidFill>
                   <a:srgbClr val="7030A0"/>
                 </a:solidFill>
               </a:rPr>
-              <a:t>20</a:t>
-            </a:r>
-            <a:r>
-              <a:rPr lang="en-US" dirty="0">
+              <a:t>var</a:t>
+            </a:r>
+            <a:r>
+              <a:rPr lang="en-US" sz="3200" dirty="0"/>
+              <a:t> </a:t>
+            </a:r>
+            <a:r>
+              <a:rPr lang="en-US" sz="3200" dirty="0" err="1">
                 <a:solidFill>
                   <a:srgbClr val="00B0F0"/>
                 </a:solidFill>
               </a:rPr>
-              <a:t>); </a:t>
-            </a:r>
-            <a:r>
-              <a:rPr lang="en-US" dirty="0">
+              <a:t>fakedob</a:t>
+            </a:r>
+            <a:r>
+              <a:rPr lang="en-US" sz="3200" dirty="0">
+                <a:solidFill>
+                  <a:srgbClr val="00B0F0"/>
+                </a:solidFill>
+              </a:rPr>
+              <a:t> gender race (etc);</a:t>
+            </a:r>
+          </a:p>
+          <a:p>
+            <a:pPr marL="342900" indent="-342900">
+              <a:spcBef>
+                <a:spcPct val="20000"/>
+              </a:spcBef>
+            </a:pPr>
+            <a:r>
+              <a:rPr lang="en-US" sz="3200" dirty="0"/>
+              <a:t>	</a:t>
+            </a:r>
+            <a:r>
+              <a:rPr lang="en-US" sz="3200" dirty="0">
                 <a:solidFill>
                   <a:srgbClr val="7030A0"/>
                 </a:solidFill>
               </a:rPr>
-              <a:t>run</a:t>
-            </a:r>
-            <a:r>
-              <a:rPr lang="en-US" dirty="0">
+              <a:t>id</a:t>
+            </a:r>
+            <a:r>
+              <a:rPr lang="en-US" sz="3200" dirty="0"/>
+              <a:t> </a:t>
+            </a:r>
+            <a:r>
+              <a:rPr lang="en-US" sz="3200" dirty="0">
                 <a:solidFill>
                   <a:srgbClr val="00B0F0"/>
                 </a:solidFill>
               </a:rPr>
-              <a:t>; </a:t>
-            </a:r>
-          </a:p>
-          <a:p>
-            <a:pPr marL="0" indent="0">
-              <a:buNone/>
-            </a:pPr>
-            <a:endParaRPr lang="en-US" dirty="0">
-              <a:solidFill>
-                <a:srgbClr val="00B0F0"/>
-              </a:solidFill>
-            </a:endParaRPr>
-          </a:p>
-          <a:p>
-            <a:r>
-              <a:rPr lang="en-US" dirty="0"/>
-              <a:t>Print a limited number of observations</a:t>
-            </a:r>
-          </a:p>
-          <a:p>
-            <a:r>
-              <a:rPr lang="en-US" dirty="0"/>
-              <a:t>Previews dataset </a:t>
-            </a:r>
-          </a:p>
-          <a:p>
-            <a:r>
-              <a:rPr lang="en-US" dirty="0"/>
-              <a:t>Preferred over </a:t>
-            </a:r>
-            <a:r>
-              <a:rPr lang="en-US" dirty="0" err="1"/>
-              <a:t>Table.View</a:t>
-            </a:r>
-            <a:endParaRPr lang="en-US" dirty="0"/>
+              <a:t>uniqueid;</a:t>
+            </a:r>
           </a:p>
         </p:txBody>
       </p:sp>
     </p:spTree>
     <p:extLst>
       <p:ext uri="{BB962C8B-B14F-4D97-AF65-F5344CB8AC3E}">
-        <p14:creationId xmlns:p14="http://schemas.microsoft.com/office/powerpoint/2010/main" val="3672691721"/>
+        <p14:creationId xmlns:p14="http://schemas.microsoft.com/office/powerpoint/2010/main" val="2013958205"/>
       </p:ext>
     </p:extLst>
   </p:cSld>
@@ -8640,9 +8586,9 @@
       </p:grpSpPr>
       <p:sp>
         <p:nvSpPr>
-          <p:cNvPr id="18433" name="Rectangle 2"/>
-          <p:cNvSpPr>
-            <a:spLocks noGrp="1" noChangeArrowheads="1"/>
+          <p:cNvPr id="2" name="Title 1"/>
+          <p:cNvSpPr>
+            <a:spLocks noGrp="1"/>
           </p:cNvSpPr>
           <p:nvPr>
             <p:ph type="title"/>
@@ -8655,42 +8601,44 @@
           <a:p>
             <a:r>
               <a:rPr lang="en-US" dirty="0"/>
-              <a:t>Creating a new Data Set</a:t>
-            </a:r>
-          </a:p>
-        </p:txBody>
-      </p:sp>
-      <p:sp>
-        <p:nvSpPr>
-          <p:cNvPr id="18434" name="Rectangle 3"/>
-          <p:cNvSpPr>
-            <a:spLocks noGrp="1" noChangeArrowheads="1"/>
+              <a:t>Proc Print - Observations</a:t>
+            </a:r>
+          </a:p>
+        </p:txBody>
+      </p:sp>
+      <p:sp>
+        <p:nvSpPr>
+          <p:cNvPr id="3" name="Content Placeholder 2"/>
+          <p:cNvSpPr>
+            <a:spLocks noGrp="1"/>
           </p:cNvSpPr>
           <p:nvPr>
             <p:ph idx="1"/>
           </p:nvPr>
         </p:nvSpPr>
-        <p:spPr>
-          <a:xfrm>
-            <a:off x="457200" y="1600200"/>
-            <a:ext cx="8229600" cy="1676400"/>
-          </a:xfrm>
-        </p:spPr>
+        <p:spPr/>
         <p:txBody>
           <a:bodyPr/>
           <a:lstStyle/>
           <a:p>
-            <a:pPr>
-              <a:buFontTx/>
+            <a:pPr marL="0" indent="0">
               <a:buNone/>
             </a:pPr>
             <a:r>
-              <a:rPr lang="en-US" b="1" dirty="0">
+              <a:rPr lang="en-US" dirty="0">
+                <a:solidFill>
+                  <a:srgbClr val="00B0F0"/>
+                </a:solidFill>
+              </a:rPr>
+              <a:t>proc print </a:t>
+            </a:r>
+            <a:r>
+              <a:rPr lang="en-US" dirty="0">
                 <a:solidFill>
                   <a:srgbClr val="7030A0"/>
                 </a:solidFill>
               </a:rPr>
-              <a:t>DATA</a:t>
+              <a:t>data</a:t>
             </a:r>
             <a:r>
               <a:rPr lang="en-US" dirty="0">
@@ -8698,148 +8646,96 @@
                   <a:srgbClr val="00B0F0"/>
                 </a:solidFill>
               </a:rPr>
-              <a:t> </a:t>
+              <a:t> = temp (</a:t>
             </a:r>
             <a:r>
               <a:rPr lang="en-US" dirty="0" err="1">
                 <a:solidFill>
+                  <a:srgbClr val="7030A0"/>
+                </a:solidFill>
+              </a:rPr>
+              <a:t>obs</a:t>
+            </a:r>
+            <a:r>
+              <a:rPr lang="en-US" dirty="0">
+                <a:solidFill>
                   <a:srgbClr val="00B0F0"/>
                 </a:solidFill>
               </a:rPr>
-              <a:t>newdataset</a:t>
+              <a:t>=</a:t>
             </a:r>
             <a:r>
               <a:rPr lang="en-US" dirty="0">
                 <a:solidFill>
+                  <a:srgbClr val="7030A0"/>
+                </a:solidFill>
+              </a:rPr>
+              <a:t>20</a:t>
+            </a:r>
+            <a:r>
+              <a:rPr lang="en-US" dirty="0">
+                <a:solidFill>
                   <a:srgbClr val="00B0F0"/>
                 </a:solidFill>
               </a:rPr>
-              <a:t>;</a:t>
-            </a:r>
-          </a:p>
-          <a:p>
-            <a:pPr>
-              <a:buFontTx/>
+              <a:t>); </a:t>
+            </a:r>
+            <a:r>
+              <a:rPr lang="en-US" dirty="0">
+                <a:solidFill>
+                  <a:srgbClr val="7030A0"/>
+                </a:solidFill>
+              </a:rPr>
+              <a:t>run</a:t>
+            </a:r>
+            <a:r>
+              <a:rPr lang="en-US" dirty="0">
+                <a:solidFill>
+                  <a:srgbClr val="00B0F0"/>
+                </a:solidFill>
+              </a:rPr>
+              <a:t>; </a:t>
+            </a:r>
+          </a:p>
+          <a:p>
+            <a:pPr marL="0" indent="0">
               <a:buNone/>
             </a:pPr>
-            <a:r>
-              <a:rPr lang="en-US" dirty="0">
-                <a:solidFill>
-                  <a:srgbClr val="00B0F0"/>
-                </a:solidFill>
-              </a:rPr>
-              <a:t>	</a:t>
-            </a:r>
-            <a:r>
-              <a:rPr lang="en-US" dirty="0">
-                <a:solidFill>
-                  <a:srgbClr val="7030A0"/>
-                </a:solidFill>
-              </a:rPr>
-              <a:t>set</a:t>
-            </a:r>
-            <a:r>
-              <a:rPr lang="en-US" dirty="0">
-                <a:solidFill>
-                  <a:srgbClr val="00B0F0"/>
-                </a:solidFill>
-              </a:rPr>
-              <a:t> </a:t>
-            </a:r>
-            <a:r>
-              <a:rPr lang="en-US" dirty="0" err="1">
-                <a:solidFill>
-                  <a:srgbClr val="00B0F0"/>
-                </a:solidFill>
-              </a:rPr>
-              <a:t>libref.originaldataset</a:t>
-            </a:r>
-            <a:r>
-              <a:rPr lang="en-US" dirty="0">
-                <a:solidFill>
-                  <a:srgbClr val="00B0F0"/>
-                </a:solidFill>
-              </a:rPr>
-              <a:t>;</a:t>
-            </a:r>
-          </a:p>
-        </p:txBody>
-      </p:sp>
-      <p:sp>
-        <p:nvSpPr>
-          <p:cNvPr id="18435" name="Rectangle 4"/>
-          <p:cNvSpPr>
-            <a:spLocks noChangeArrowheads="1"/>
-          </p:cNvSpPr>
-          <p:nvPr/>
-        </p:nvSpPr>
-        <p:spPr bwMode="auto">
-          <a:xfrm>
-            <a:off x="457200" y="3657600"/>
-            <a:ext cx="8229600" cy="2514600"/>
-          </a:xfrm>
-          <a:prstGeom prst="rect">
-            <a:avLst/>
-          </a:prstGeom>
-          <a:noFill/>
-          <a:ln w="9525">
-            <a:noFill/>
-            <a:miter lim="800000"/>
-            <a:headEnd/>
-            <a:tailEnd/>
-          </a:ln>
-        </p:spPr>
-        <p:txBody>
-          <a:bodyPr/>
-          <a:lstStyle/>
-          <a:p>
-            <a:pPr marL="342900" indent="-342900">
-              <a:spcBef>
-                <a:spcPct val="20000"/>
-              </a:spcBef>
-              <a:buFontTx/>
-              <a:buChar char="•"/>
-            </a:pPr>
-            <a:r>
-              <a:rPr lang="en-US" sz="3200" dirty="0">
-                <a:latin typeface="Calibri" pitchFamily="34" charset="0"/>
-              </a:rPr>
-              <a:t>The data set named in the DATA statement is the </a:t>
-            </a:r>
-            <a:r>
-              <a:rPr lang="en-US" sz="3200" i="1" dirty="0">
-                <a:latin typeface="Calibri" pitchFamily="34" charset="0"/>
-              </a:rPr>
-              <a:t>new</a:t>
-            </a:r>
-            <a:r>
-              <a:rPr lang="en-US" sz="3200" dirty="0">
-                <a:latin typeface="Calibri" pitchFamily="34" charset="0"/>
-              </a:rPr>
-              <a:t> data set.</a:t>
-            </a:r>
-          </a:p>
-          <a:p>
-            <a:pPr marL="342900" indent="-342900">
-              <a:spcBef>
-                <a:spcPct val="20000"/>
-              </a:spcBef>
-              <a:buFontTx/>
-              <a:buChar char="•"/>
-            </a:pPr>
-            <a:r>
-              <a:rPr lang="en-US" sz="3200" dirty="0">
-                <a:latin typeface="Calibri" pitchFamily="34" charset="0"/>
-              </a:rPr>
-              <a:t> The data set referenced in the SET statement is the basis for the new data set.</a:t>
-            </a:r>
+            <a:endParaRPr lang="en-US" dirty="0">
+              <a:solidFill>
+                <a:srgbClr val="00B0F0"/>
+              </a:solidFill>
+            </a:endParaRPr>
+          </a:p>
+          <a:p>
+            <a:r>
+              <a:rPr lang="en-US" dirty="0"/>
+              <a:t>Print a limited number of observations</a:t>
+            </a:r>
+          </a:p>
+          <a:p>
+            <a:r>
+              <a:rPr lang="en-US" dirty="0"/>
+              <a:t>Previews dataset </a:t>
+            </a:r>
+          </a:p>
+          <a:p>
+            <a:r>
+              <a:rPr lang="en-US" dirty="0"/>
+              <a:t>Preferred over </a:t>
+            </a:r>
+            <a:r>
+              <a:rPr lang="en-US" dirty="0" err="1"/>
+              <a:t>Table.View</a:t>
+            </a:r>
+            <a:endParaRPr lang="en-US" dirty="0"/>
           </a:p>
         </p:txBody>
       </p:sp>
     </p:spTree>
     <p:extLst>
       <p:ext uri="{BB962C8B-B14F-4D97-AF65-F5344CB8AC3E}">
-        <p14:creationId xmlns:p14="http://schemas.microsoft.com/office/powerpoint/2010/main" val="347722641"/>
+        <p14:creationId xmlns:p14="http://schemas.microsoft.com/office/powerpoint/2010/main" val="3672691721"/>
       </p:ext>
     </p:extLst>
   </p:cSld>
@@ -8868,7 +8764,7 @@
       </p:grpSpPr>
       <p:sp>
         <p:nvSpPr>
-          <p:cNvPr id="20481" name="Rectangle 2"/>
+          <p:cNvPr id="18433" name="Rectangle 2"/>
           <p:cNvSpPr>
             <a:spLocks noGrp="1" noChangeArrowheads="1"/>
           </p:cNvSpPr>
@@ -8890,7 +8786,7 @@
       </p:sp>
       <p:sp>
         <p:nvSpPr>
-          <p:cNvPr id="20482" name="Rectangle 3"/>
+          <p:cNvPr id="18434" name="Rectangle 3"/>
           <p:cNvSpPr>
             <a:spLocks noGrp="1" noChangeArrowheads="1"/>
           </p:cNvSpPr>
@@ -8918,7 +8814,7 @@
                   <a:srgbClr val="7030A0"/>
                 </a:solidFill>
               </a:rPr>
-              <a:t>Data</a:t>
+              <a:t>DATA</a:t>
             </a:r>
             <a:r>
               <a:rPr lang="en-US" dirty="0">
@@ -8926,7 +8822,23 @@
                   <a:srgbClr val="00B0F0"/>
                 </a:solidFill>
               </a:rPr>
-              <a:t> myversion;</a:t>
+              <a:t> </a:t>
+            </a:r>
+            <a:r>
+              <a:rPr lang="en-US" dirty="0" err="1">
+                <a:solidFill>
+                  <a:srgbClr val="00B0F0"/>
+                </a:solidFill>
+              </a:rPr>
+              <a:t>newdataset</a:t>
+            </a:r>
+            <a:r>
+              <a:rPr lang="en-US" dirty="0">
+                <a:solidFill>
+                  <a:srgbClr val="00B0F0"/>
+                </a:solidFill>
+              </a:rPr>
+              <a:t>;</a:t>
             </a:r>
           </a:p>
           <a:p>
@@ -8956,14 +8868,30 @@
                   <a:srgbClr val="00B0F0"/>
                 </a:solidFill>
               </a:rPr>
-              <a:t> classone.classds;</a:t>
-            </a:r>
-          </a:p>
-        </p:txBody>
-      </p:sp>
-      <p:sp>
-        <p:nvSpPr>
-          <p:cNvPr id="20483" name="Rectangle 4"/>
+              <a:t> </a:t>
+            </a:r>
+            <a:r>
+              <a:rPr lang="en-US" dirty="0" err="1">
+                <a:solidFill>
+                  <a:srgbClr val="00B0F0"/>
+                </a:solidFill>
+              </a:rPr>
+              <a:t>libref.originaldataset</a:t>
+            </a:r>
+            <a:r>
+              <a:rPr lang="en-US" dirty="0">
+                <a:solidFill>
+                  <a:srgbClr val="00B0F0"/>
+                </a:solidFill>
+              </a:rPr>
+              <a:t>;</a:t>
+            </a:r>
+          </a:p>
+        </p:txBody>
+      </p:sp>
+      <p:sp>
+        <p:nvSpPr>
+          <p:cNvPr id="18435" name="Rectangle 4"/>
           <p:cNvSpPr>
             <a:spLocks noChangeArrowheads="1"/>
           </p:cNvSpPr>
@@ -9000,7 +8928,7 @@
               <a:rPr lang="en-US" sz="3200" dirty="0">
                 <a:latin typeface="Calibri" pitchFamily="34" charset="0"/>
               </a:rPr>
-              <a:t>‘myversion’ is the </a:t>
+              <a:t>The data set named in the DATA statement is the </a:t>
             </a:r>
             <a:r>
               <a:rPr lang="en-US" sz="3200" i="1" dirty="0">
@@ -9012,7 +8940,7 @@
               <a:rPr lang="en-US" sz="3200" dirty="0">
                 <a:latin typeface="Calibri" pitchFamily="34" charset="0"/>
               </a:rPr>
-              <a:t> temporary data set.</a:t>
+              <a:t> data set.</a:t>
             </a:r>
           </a:p>
           <a:p>
@@ -9027,91 +8955,15 @@
               <a:rPr lang="en-US" sz="3200" dirty="0">
                 <a:latin typeface="Calibri" pitchFamily="34" charset="0"/>
               </a:rPr>
-              <a:t>‘Data myversion;’ = ‘data </a:t>
-            </a:r>
-            <a:r>
-              <a:rPr lang="en-US" sz="3200" dirty="0" err="1">
-                <a:latin typeface="Calibri" pitchFamily="34" charset="0"/>
-              </a:rPr>
-              <a:t>work.myversion</a:t>
-            </a:r>
-            <a:r>
-              <a:rPr lang="en-US" sz="3200" dirty="0">
-                <a:latin typeface="Calibri" pitchFamily="34" charset="0"/>
-              </a:rPr>
-              <a:t>’</a:t>
-            </a:r>
-          </a:p>
-          <a:p>
-            <a:pPr marL="342900" indent="-342900">
-              <a:spcBef>
-                <a:spcPct val="20000"/>
-              </a:spcBef>
-              <a:buFontTx/>
-              <a:buChar char="•"/>
-            </a:pPr>
-            <a:r>
-              <a:rPr lang="en-US" sz="3200" dirty="0">
-                <a:latin typeface="Calibri" pitchFamily="34" charset="0"/>
-              </a:rPr>
-              <a:t>‘</a:t>
-            </a:r>
-            <a:r>
-              <a:rPr lang="en-US" sz="3200" dirty="0" err="1">
-                <a:latin typeface="Calibri" pitchFamily="34" charset="0"/>
-              </a:rPr>
-              <a:t>classone</a:t>
-            </a:r>
-            <a:r>
-              <a:rPr lang="en-US" sz="3200" dirty="0">
-                <a:latin typeface="Calibri" pitchFamily="34" charset="0"/>
-              </a:rPr>
-              <a:t>’ is the libref</a:t>
-            </a:r>
-          </a:p>
-          <a:p>
-            <a:pPr marL="342900" indent="-342900">
-              <a:spcBef>
-                <a:spcPct val="20000"/>
-              </a:spcBef>
-              <a:buFontTx/>
-              <a:buChar char="•"/>
-            </a:pPr>
-            <a:r>
-              <a:rPr lang="en-US" sz="3200" dirty="0">
-                <a:latin typeface="Calibri" pitchFamily="34" charset="0"/>
-              </a:rPr>
-              <a:t> ‘</a:t>
-            </a:r>
-            <a:r>
-              <a:rPr lang="en-US" sz="3200" dirty="0" err="1">
-                <a:latin typeface="Calibri" pitchFamily="34" charset="0"/>
-              </a:rPr>
-              <a:t>classds</a:t>
-            </a:r>
-            <a:r>
-              <a:rPr lang="en-US" sz="3200" dirty="0">
-                <a:latin typeface="Calibri" pitchFamily="34" charset="0"/>
-              </a:rPr>
-              <a:t>’ is the original data set.</a:t>
-            </a:r>
-          </a:p>
-          <a:p>
-            <a:pPr>
-              <a:spcBef>
-                <a:spcPct val="20000"/>
-              </a:spcBef>
-            </a:pPr>
-            <a:endParaRPr lang="en-US" sz="3200" dirty="0">
-              <a:latin typeface="Calibri" pitchFamily="34" charset="0"/>
-            </a:endParaRPr>
+              <a:t> The data set referenced in the SET statement is the basis for the new data set.</a:t>
+            </a:r>
           </a:p>
         </p:txBody>
       </p:sp>
     </p:spTree>
     <p:extLst>
       <p:ext uri="{BB962C8B-B14F-4D97-AF65-F5344CB8AC3E}">
-        <p14:creationId xmlns:p14="http://schemas.microsoft.com/office/powerpoint/2010/main" val="1459781830"/>
+        <p14:creationId xmlns:p14="http://schemas.microsoft.com/office/powerpoint/2010/main" val="347722641"/>
       </p:ext>
     </p:extLst>
   </p:cSld>
@@ -9140,7 +8992,7 @@
       </p:grpSpPr>
       <p:sp>
         <p:nvSpPr>
-          <p:cNvPr id="22529" name="Rectangle 2"/>
+          <p:cNvPr id="20481" name="Rectangle 2"/>
           <p:cNvSpPr>
             <a:spLocks noGrp="1" noChangeArrowheads="1"/>
           </p:cNvSpPr>
@@ -9155,14 +9007,14 @@
           <a:p>
             <a:r>
               <a:rPr lang="en-US" dirty="0"/>
-              <a:t>The DROP option</a:t>
-            </a:r>
-          </a:p>
-        </p:txBody>
-      </p:sp>
-      <p:sp>
-        <p:nvSpPr>
-          <p:cNvPr id="22530" name="Rectangle 3"/>
+              <a:t>Creating a new Data Set</a:t>
+            </a:r>
+          </a:p>
+        </p:txBody>
+      </p:sp>
+      <p:sp>
+        <p:nvSpPr>
+          <p:cNvPr id="20482" name="Rectangle 3"/>
           <p:cNvSpPr>
             <a:spLocks noGrp="1" noChangeArrowheads="1"/>
           </p:cNvSpPr>
@@ -9228,46 +9080,14 @@
                   <a:srgbClr val="00B0F0"/>
                 </a:solidFill>
               </a:rPr>
-              <a:t> classone.classds (</a:t>
-            </a:r>
-            <a:r>
-              <a:rPr lang="en-US" dirty="0">
-                <a:solidFill>
-                  <a:srgbClr val="7030A0"/>
-                </a:solidFill>
-              </a:rPr>
-              <a:t>drop</a:t>
-            </a:r>
-            <a:r>
-              <a:rPr lang="en-US" dirty="0">
-                <a:solidFill>
-                  <a:srgbClr val="00B0F0"/>
-                </a:solidFill>
-              </a:rPr>
-              <a:t> = zip uhf </a:t>
-            </a:r>
-            <a:r>
-              <a:rPr lang="en-US" dirty="0" err="1">
-                <a:solidFill>
-                  <a:srgbClr val="00B0F0"/>
-                </a:solidFill>
-              </a:rPr>
-              <a:t>pob</a:t>
-            </a:r>
-            <a:r>
-              <a:rPr lang="en-US" dirty="0">
-                <a:solidFill>
-                  <a:srgbClr val="00B0F0"/>
-                </a:solidFill>
-              </a:rPr>
-              <a:t>);</a:t>
-            </a:r>
-          </a:p>
-        </p:txBody>
-      </p:sp>
-      <p:sp>
-        <p:nvSpPr>
-          <p:cNvPr id="22531" name="Rectangle 4"/>
+              <a:t> classone.classds;</a:t>
+            </a:r>
+          </a:p>
+        </p:txBody>
+      </p:sp>
+      <p:sp>
+        <p:nvSpPr>
+          <p:cNvPr id="20483" name="Rectangle 4"/>
           <p:cNvSpPr>
             <a:spLocks noChangeArrowheads="1"/>
           </p:cNvSpPr>
@@ -9301,18 +9121,121 @@
               <a:buChar char="•"/>
             </a:pPr>
             <a:r>
-              <a:rPr lang="en-US" sz="3200">
-                <a:latin typeface="Calibri" pitchFamily="34" charset="0"/>
-              </a:rPr>
-              <a:t>Drop excludes variables when processing</a:t>
-            </a:r>
+              <a:rPr lang="en-US" sz="3200" dirty="0">
+                <a:latin typeface="Calibri" pitchFamily="34" charset="0"/>
+              </a:rPr>
+              <a:t>‘myversion’ is the </a:t>
+            </a:r>
+            <a:r>
+              <a:rPr lang="en-US" sz="3200" i="1" dirty="0">
+                <a:latin typeface="Calibri" pitchFamily="34" charset="0"/>
+              </a:rPr>
+              <a:t>new</a:t>
+            </a:r>
+            <a:r>
+              <a:rPr lang="en-US" sz="3200" dirty="0">
+                <a:latin typeface="Calibri" pitchFamily="34" charset="0"/>
+              </a:rPr>
+              <a:t> temporary data set.</a:t>
+            </a:r>
+          </a:p>
+          <a:p>
+            <a:pPr marL="342900" indent="-342900">
+              <a:spcBef>
+                <a:spcPct val="20000"/>
+              </a:spcBef>
+              <a:buFontTx/>
+              <a:buChar char="•"/>
+            </a:pPr>
+            <a:r>
+              <a:rPr lang="en-US" sz="3200" dirty="0">
+                <a:latin typeface="Calibri" pitchFamily="34" charset="0"/>
+              </a:rPr>
+              <a:t>‘Data myversion;’ = ‘data </a:t>
+            </a:r>
+            <a:r>
+              <a:rPr lang="en-US" sz="3200" dirty="0" err="1">
+                <a:latin typeface="Calibri" pitchFamily="34" charset="0"/>
+              </a:rPr>
+              <a:t>work.myversion</a:t>
+            </a:r>
+            <a:r>
+              <a:rPr lang="en-US" sz="3200" dirty="0">
+                <a:latin typeface="Calibri" pitchFamily="34" charset="0"/>
+              </a:rPr>
+              <a:t>’</a:t>
+            </a:r>
+          </a:p>
+          <a:p>
+            <a:pPr marL="342900" indent="-342900">
+              <a:spcBef>
+                <a:spcPct val="20000"/>
+              </a:spcBef>
+              <a:buFontTx/>
+              <a:buChar char="•"/>
+            </a:pPr>
+            <a:r>
+              <a:rPr lang="en-US" sz="3200" dirty="0">
+                <a:latin typeface="Calibri" pitchFamily="34" charset="0"/>
+              </a:rPr>
+              <a:t>‘</a:t>
+            </a:r>
+            <a:r>
+              <a:rPr lang="en-US" sz="3200" dirty="0" err="1">
+                <a:latin typeface="Calibri" pitchFamily="34" charset="0"/>
+              </a:rPr>
+              <a:t>classone</a:t>
+            </a:r>
+            <a:r>
+              <a:rPr lang="en-US" sz="3200" dirty="0">
+                <a:latin typeface="Calibri" pitchFamily="34" charset="0"/>
+              </a:rPr>
+              <a:t>’ is the libref</a:t>
+            </a:r>
+          </a:p>
+          <a:p>
+            <a:pPr marL="342900" indent="-342900">
+              <a:spcBef>
+                <a:spcPct val="20000"/>
+              </a:spcBef>
+              <a:buFontTx/>
+              <a:buChar char="•"/>
+            </a:pPr>
+            <a:r>
+              <a:rPr lang="en-US" sz="3200" dirty="0">
+                <a:latin typeface="Calibri" pitchFamily="34" charset="0"/>
+              </a:rPr>
+              <a:t> ‘</a:t>
+            </a:r>
+            <a:r>
+              <a:rPr lang="en-US" sz="3200" dirty="0" err="1">
+                <a:latin typeface="Calibri" pitchFamily="34" charset="0"/>
+              </a:rPr>
+              <a:t>classds</a:t>
+            </a:r>
+            <a:r>
+              <a:rPr lang="en-US" sz="3200" dirty="0">
+                <a:latin typeface="Calibri" pitchFamily="34" charset="0"/>
+              </a:rPr>
+              <a:t>’ is the original data set.</a:t>
+            </a:r>
+          </a:p>
+          <a:p>
+            <a:pPr>
+              <a:spcBef>
+                <a:spcPct val="20000"/>
+              </a:spcBef>
+            </a:pPr>
+            <a:endParaRPr lang="en-US" sz="3200" dirty="0">
+              <a:latin typeface="Calibri" pitchFamily="34" charset="0"/>
+            </a:endParaRPr>
           </a:p>
         </p:txBody>
       </p:sp>
     </p:spTree>
     <p:extLst>
       <p:ext uri="{BB962C8B-B14F-4D97-AF65-F5344CB8AC3E}">
-        <p14:creationId xmlns:p14="http://schemas.microsoft.com/office/powerpoint/2010/main" val="3289431604"/>
+        <p14:creationId xmlns:p14="http://schemas.microsoft.com/office/powerpoint/2010/main" val="1459781830"/>
       </p:ext>
     </p:extLst>
   </p:cSld>
@@ -9341,7 +9264,7 @@
       </p:grpSpPr>
       <p:sp>
         <p:nvSpPr>
-          <p:cNvPr id="24577" name="Rectangle 2"/>
+          <p:cNvPr id="22529" name="Rectangle 2"/>
           <p:cNvSpPr>
             <a:spLocks noGrp="1" noChangeArrowheads="1"/>
           </p:cNvSpPr>
@@ -9356,14 +9279,119 @@
           <a:p>
             <a:r>
               <a:rPr lang="en-US" dirty="0"/>
-              <a:t>The KEEP option</a:t>
-            </a:r>
-          </a:p>
-        </p:txBody>
-      </p:sp>
-      <p:sp>
-        <p:nvSpPr>
-          <p:cNvPr id="24579" name="Rectangle 4"/>
+              <a:t>The DROP option</a:t>
+            </a:r>
+          </a:p>
+        </p:txBody>
+      </p:sp>
+      <p:sp>
+        <p:nvSpPr>
+          <p:cNvPr id="22530" name="Rectangle 3"/>
+          <p:cNvSpPr>
+            <a:spLocks noGrp="1" noChangeArrowheads="1"/>
+          </p:cNvSpPr>
+          <p:nvPr>
+            <p:ph idx="1"/>
+          </p:nvPr>
+        </p:nvSpPr>
+        <p:spPr>
+          <a:xfrm>
+            <a:off x="457200" y="1600200"/>
+            <a:ext cx="8229600" cy="1676400"/>
+          </a:xfrm>
+        </p:spPr>
+        <p:txBody>
+          <a:bodyPr/>
+          <a:lstStyle/>
+          <a:p>
+            <a:pPr>
+              <a:buFontTx/>
+              <a:buNone/>
+            </a:pPr>
+            <a:r>
+              <a:rPr lang="en-US" b="1" dirty="0">
+                <a:solidFill>
+                  <a:srgbClr val="7030A0"/>
+                </a:solidFill>
+              </a:rPr>
+              <a:t>Data</a:t>
+            </a:r>
+            <a:r>
+              <a:rPr lang="en-US" dirty="0">
+                <a:solidFill>
+                  <a:srgbClr val="00B0F0"/>
+                </a:solidFill>
+              </a:rPr>
+              <a:t> myversion;</a:t>
+            </a:r>
+          </a:p>
+          <a:p>
+            <a:pPr>
+              <a:buFontTx/>
+              <a:buNone/>
+            </a:pPr>
+            <a:r>
+              <a:rPr lang="en-US" dirty="0">
+                <a:solidFill>
+                  <a:srgbClr val="00B0F0"/>
+                </a:solidFill>
+              </a:rPr>
+              <a:t>	</a:t>
+            </a:r>
+            <a:r>
+              <a:rPr lang="en-US" dirty="0">
+                <a:solidFill>
+                  <a:srgbClr val="7030A0"/>
+                </a:solidFill>
+              </a:rPr>
+              <a:t>set</a:t>
+            </a:r>
+            <a:r>
+              <a:rPr lang="en-US" dirty="0">
+                <a:solidFill>
+                  <a:srgbClr val="00B0F0"/>
+                </a:solidFill>
+              </a:rPr>
+              <a:t> classone.classds (</a:t>
+            </a:r>
+            <a:r>
+              <a:rPr lang="en-US" dirty="0">
+                <a:solidFill>
+                  <a:srgbClr val="7030A0"/>
+                </a:solidFill>
+              </a:rPr>
+              <a:t>drop</a:t>
+            </a:r>
+            <a:r>
+              <a:rPr lang="en-US" dirty="0">
+                <a:solidFill>
+                  <a:srgbClr val="00B0F0"/>
+                </a:solidFill>
+              </a:rPr>
+              <a:t> = zip uhf </a:t>
+            </a:r>
+            <a:r>
+              <a:rPr lang="en-US" dirty="0" err="1">
+                <a:solidFill>
+                  <a:srgbClr val="00B0F0"/>
+                </a:solidFill>
+              </a:rPr>
+              <a:t>pob</a:t>
+            </a:r>
+            <a:r>
+              <a:rPr lang="en-US" dirty="0">
+                <a:solidFill>
+                  <a:srgbClr val="00B0F0"/>
+                </a:solidFill>
+              </a:rPr>
+              <a:t>);</a:t>
+            </a:r>
+          </a:p>
+        </p:txBody>
+      </p:sp>
+      <p:sp>
+        <p:nvSpPr>
+          <p:cNvPr id="22531" name="Rectangle 4"/>
           <p:cNvSpPr>
             <a:spLocks noChangeArrowheads="1"/>
           </p:cNvSpPr>
@@ -9371,8 +9399,8 @@
         </p:nvSpPr>
         <p:spPr bwMode="auto">
           <a:xfrm>
-            <a:off x="426203" y="3377339"/>
-            <a:ext cx="8229600" cy="1295400"/>
+            <a:off x="457200" y="3657600"/>
+            <a:ext cx="8229600" cy="2514600"/>
           </a:xfrm>
           <a:prstGeom prst="rect">
             <a:avLst/>
@@ -9397,116 +9425,10 @@
               <a:buChar char="•"/>
             </a:pPr>
             <a:r>
-              <a:rPr lang="en-US" sz="3200" dirty="0">
-                <a:latin typeface="Calibri" pitchFamily="34" charset="0"/>
-              </a:rPr>
-              <a:t>Keep includes variables when processing</a:t>
-            </a:r>
-          </a:p>
-        </p:txBody>
-      </p:sp>
-      <p:sp>
-        <p:nvSpPr>
-          <p:cNvPr id="24580" name="Rectangle 5"/>
-          <p:cNvSpPr>
-            <a:spLocks noChangeArrowheads="1"/>
-          </p:cNvSpPr>
-          <p:nvPr/>
-        </p:nvSpPr>
-        <p:spPr bwMode="auto">
-          <a:xfrm>
-            <a:off x="426203" y="1676400"/>
-            <a:ext cx="8229600" cy="1676400"/>
-          </a:xfrm>
-          <a:prstGeom prst="rect">
-            <a:avLst/>
-          </a:prstGeom>
-          <a:noFill/>
-          <a:ln w="9525">
-            <a:noFill/>
-            <a:miter lim="800000"/>
-            <a:headEnd/>
-            <a:tailEnd/>
-          </a:ln>
-        </p:spPr>
-        <p:txBody>
-          <a:bodyPr/>
-          <a:lstStyle/>
-          <a:p>
-            <a:pPr marL="342900" indent="-342900">
-              <a:spcBef>
-                <a:spcPct val="20000"/>
-              </a:spcBef>
-            </a:pPr>
-            <a:r>
-              <a:rPr lang="en-US" sz="3200" b="1" dirty="0">
-                <a:solidFill>
-                  <a:srgbClr val="7030A0"/>
-                </a:solidFill>
-                <a:latin typeface="Calibri" pitchFamily="34" charset="0"/>
-              </a:rPr>
-              <a:t>Data</a:t>
-            </a:r>
-            <a:r>
-              <a:rPr lang="en-US" sz="3200" dirty="0">
-                <a:solidFill>
-                  <a:srgbClr val="00B0F0"/>
-                </a:solidFill>
-                <a:latin typeface="Calibri" pitchFamily="34" charset="0"/>
-              </a:rPr>
-              <a:t> myversion;</a:t>
-            </a:r>
-          </a:p>
-          <a:p>
-            <a:pPr marL="342900" indent="-342900">
-              <a:spcBef>
-                <a:spcPct val="20000"/>
-              </a:spcBef>
-            </a:pPr>
-            <a:r>
-              <a:rPr lang="en-US" sz="3200" dirty="0">
-                <a:solidFill>
-                  <a:srgbClr val="00B0F0"/>
-                </a:solidFill>
-                <a:latin typeface="Calibri" pitchFamily="34" charset="0"/>
-              </a:rPr>
-              <a:t>	</a:t>
-            </a:r>
-            <a:r>
-              <a:rPr lang="en-US" sz="3200" dirty="0">
-                <a:solidFill>
-                  <a:srgbClr val="7030A0"/>
-                </a:solidFill>
-                <a:latin typeface="Calibri" pitchFamily="34" charset="0"/>
-              </a:rPr>
-              <a:t>set</a:t>
-            </a:r>
-            <a:r>
-              <a:rPr lang="en-US" sz="3200" dirty="0">
-                <a:solidFill>
-                  <a:srgbClr val="00B0F0"/>
-                </a:solidFill>
-                <a:latin typeface="Calibri" pitchFamily="34" charset="0"/>
-              </a:rPr>
-              <a:t> classone.classds (</a:t>
-            </a:r>
-            <a:r>
-              <a:rPr lang="en-US" sz="3200" dirty="0">
-                <a:solidFill>
-                  <a:srgbClr val="7030A0"/>
-                </a:solidFill>
-                <a:latin typeface="Calibri" pitchFamily="34" charset="0"/>
-              </a:rPr>
-              <a:t>keep</a:t>
-            </a:r>
-            <a:r>
-              <a:rPr lang="en-US" sz="3200" dirty="0">
-                <a:solidFill>
-                  <a:srgbClr val="00B0F0"/>
-                </a:solidFill>
-                <a:latin typeface="Calibri" pitchFamily="34" charset="0"/>
-              </a:rPr>
-              <a:t> = gender location);</a:t>
+              <a:rPr lang="en-US" sz="3200">
+                <a:latin typeface="Calibri" pitchFamily="34" charset="0"/>
+              </a:rPr>
+              <a:t>Drop excludes variables when processing</a:t>
             </a:r>
           </a:p>
         </p:txBody>
@@ -9514,7 +9436,7 @@
     </p:spTree>
     <p:extLst>
       <p:ext uri="{BB962C8B-B14F-4D97-AF65-F5344CB8AC3E}">
-        <p14:creationId xmlns:p14="http://schemas.microsoft.com/office/powerpoint/2010/main" val="1700486964"/>
+        <p14:creationId xmlns:p14="http://schemas.microsoft.com/office/powerpoint/2010/main" val="3289431604"/>
       </p:ext>
     </p:extLst>
   </p:cSld>
@@ -9543,7 +9465,7 @@
       </p:grpSpPr>
       <p:sp>
         <p:nvSpPr>
-          <p:cNvPr id="32769" name="Rectangle 2"/>
+          <p:cNvPr id="24577" name="Rectangle 2"/>
           <p:cNvSpPr>
             <a:spLocks noGrp="1" noChangeArrowheads="1"/>
           </p:cNvSpPr>
@@ -9558,14 +9480,14 @@
           <a:p>
             <a:r>
               <a:rPr lang="en-US" dirty="0"/>
-              <a:t>Drop/keep cont’d</a:t>
-            </a:r>
-          </a:p>
-        </p:txBody>
-      </p:sp>
-      <p:sp>
-        <p:nvSpPr>
-          <p:cNvPr id="32770" name="Rectangle 6"/>
+              <a:t>The KEEP option</a:t>
+            </a:r>
+          </a:p>
+        </p:txBody>
+      </p:sp>
+      <p:sp>
+        <p:nvSpPr>
+          <p:cNvPr id="24579" name="Rectangle 4"/>
           <p:cNvSpPr>
             <a:spLocks noChangeArrowheads="1"/>
           </p:cNvSpPr>
@@ -9573,8 +9495,8 @@
         </p:nvSpPr>
         <p:spPr bwMode="auto">
           <a:xfrm>
-            <a:off x="457200" y="1219200"/>
-            <a:ext cx="8229600" cy="4251962"/>
+            <a:off x="426203" y="3377339"/>
+            <a:ext cx="8229600" cy="1295400"/>
           </a:xfrm>
           <a:prstGeom prst="rect">
             <a:avLst/>
@@ -9591,419 +9513,34 @@
           <a:bodyPr/>
           <a:lstStyle/>
           <a:p>
-            <a:r>
-              <a:rPr lang="en-US" sz="2200" b="1" dirty="0">
-                <a:solidFill>
-                  <a:srgbClr val="000080"/>
-                </a:solidFill>
-              </a:rPr>
-              <a:t>Data</a:t>
-            </a:r>
-            <a:r>
-              <a:rPr lang="en-US" sz="2200" dirty="0">
-                <a:solidFill>
-                  <a:srgbClr val="000000"/>
-                </a:solidFill>
-              </a:rPr>
-              <a:t> myversion;</a:t>
-            </a:r>
-          </a:p>
-          <a:p>
-            <a:r>
-              <a:rPr lang="en-US" sz="2200" dirty="0">
-                <a:solidFill>
-                  <a:srgbClr val="000000"/>
-                </a:solidFill>
-              </a:rPr>
-              <a:t>	</a:t>
-            </a:r>
-            <a:r>
-              <a:rPr lang="en-US" sz="2200" dirty="0">
-                <a:solidFill>
-                  <a:srgbClr val="7030A0"/>
-                </a:solidFill>
-              </a:rPr>
-              <a:t>set</a:t>
-            </a:r>
-            <a:r>
-              <a:rPr lang="en-US" sz="2200" dirty="0">
-                <a:solidFill>
-                  <a:srgbClr val="000000"/>
-                </a:solidFill>
-              </a:rPr>
-              <a:t> classone.classds;</a:t>
-            </a:r>
-          </a:p>
-          <a:p>
-            <a:endParaRPr lang="en-US" sz="2200" dirty="0">
-              <a:solidFill>
-                <a:srgbClr val="000000"/>
-              </a:solidFill>
-            </a:endParaRPr>
-          </a:p>
-          <a:p>
-            <a:r>
-              <a:rPr lang="en-US" sz="2200" dirty="0">
-                <a:solidFill>
-                  <a:srgbClr val="000000"/>
-                </a:solidFill>
-              </a:rPr>
-              <a:t>	</a:t>
-            </a:r>
-            <a:r>
-              <a:rPr lang="en-US" sz="2200" dirty="0">
-                <a:solidFill>
-                  <a:srgbClr val="7030A0"/>
-                </a:solidFill>
-              </a:rPr>
-              <a:t>if</a:t>
-            </a:r>
-            <a:r>
-              <a:rPr lang="en-US" sz="2200" dirty="0">
-                <a:solidFill>
-                  <a:srgbClr val="000000"/>
-                </a:solidFill>
-              </a:rPr>
-              <a:t> gender = </a:t>
-            </a:r>
-            <a:r>
-              <a:rPr lang="en-US" sz="2200" b="1" dirty="0">
-                <a:solidFill>
-                  <a:srgbClr val="008080"/>
-                </a:solidFill>
-              </a:rPr>
-              <a:t>1</a:t>
-            </a:r>
-            <a:r>
-              <a:rPr lang="en-US" sz="2200" dirty="0">
-                <a:solidFill>
-                  <a:srgbClr val="000000"/>
-                </a:solidFill>
-              </a:rPr>
-              <a:t> </a:t>
-            </a:r>
-            <a:r>
-              <a:rPr lang="en-US" sz="2200" dirty="0">
-                <a:solidFill>
-                  <a:srgbClr val="7030A0"/>
-                </a:solidFill>
-              </a:rPr>
-              <a:t>then</a:t>
-            </a:r>
-            <a:r>
-              <a:rPr lang="en-US" sz="2200" dirty="0">
-                <a:solidFill>
-                  <a:srgbClr val="000000"/>
-                </a:solidFill>
-              </a:rPr>
-              <a:t> gender_MF = </a:t>
-            </a:r>
-            <a:r>
-              <a:rPr lang="en-US" sz="2200" dirty="0">
-                <a:solidFill>
-                  <a:srgbClr val="800080"/>
-                </a:solidFill>
-              </a:rPr>
-              <a:t>"M"</a:t>
-            </a:r>
-            <a:r>
-              <a:rPr lang="en-US" sz="2200" dirty="0">
-                <a:solidFill>
-                  <a:srgbClr val="000000"/>
-                </a:solidFill>
-              </a:rPr>
-              <a:t>;</a:t>
-            </a:r>
-          </a:p>
-          <a:p>
-            <a:r>
-              <a:rPr lang="en-US" sz="2200" dirty="0">
-                <a:solidFill>
-                  <a:srgbClr val="000000"/>
-                </a:solidFill>
-              </a:rPr>
-              <a:t>	</a:t>
-            </a:r>
-            <a:r>
-              <a:rPr lang="en-US" sz="2200" dirty="0">
-                <a:solidFill>
-                  <a:srgbClr val="7030A0"/>
-                </a:solidFill>
-              </a:rPr>
-              <a:t>else if </a:t>
-            </a:r>
-            <a:r>
-              <a:rPr lang="en-US" sz="2200" dirty="0">
-                <a:solidFill>
-                  <a:srgbClr val="000000"/>
-                </a:solidFill>
-              </a:rPr>
-              <a:t>gender = </a:t>
-            </a:r>
-            <a:r>
-              <a:rPr lang="en-US" sz="2200" b="1" dirty="0">
-                <a:solidFill>
-                  <a:srgbClr val="008080"/>
-                </a:solidFill>
-              </a:rPr>
-              <a:t>2</a:t>
-            </a:r>
-            <a:r>
-              <a:rPr lang="en-US" sz="2200" dirty="0">
-                <a:solidFill>
-                  <a:srgbClr val="000000"/>
-                </a:solidFill>
-              </a:rPr>
-              <a:t> </a:t>
-            </a:r>
-            <a:r>
-              <a:rPr lang="en-US" sz="2200" dirty="0">
-                <a:solidFill>
-                  <a:srgbClr val="7030A0"/>
-                </a:solidFill>
-              </a:rPr>
-              <a:t>then</a:t>
-            </a:r>
-            <a:r>
-              <a:rPr lang="en-US" sz="2200" dirty="0">
-                <a:solidFill>
-                  <a:srgbClr val="000000"/>
-                </a:solidFill>
-              </a:rPr>
-              <a:t> gender_MF = </a:t>
-            </a:r>
-            <a:r>
-              <a:rPr lang="en-US" sz="2200" dirty="0">
-                <a:solidFill>
-                  <a:srgbClr val="800080"/>
-                </a:solidFill>
-              </a:rPr>
-              <a:t>"F"</a:t>
-            </a:r>
-            <a:r>
-              <a:rPr lang="en-US" sz="2200" dirty="0">
-                <a:solidFill>
-                  <a:srgbClr val="000000"/>
-                </a:solidFill>
-              </a:rPr>
-              <a:t>;</a:t>
-            </a:r>
-          </a:p>
-          <a:p>
-            <a:r>
-              <a:rPr lang="en-US" sz="2200" dirty="0">
-                <a:solidFill>
-                  <a:srgbClr val="000000"/>
-                </a:solidFill>
-              </a:rPr>
-              <a:t>	</a:t>
-            </a:r>
-            <a:r>
-              <a:rPr lang="en-US" sz="2200" dirty="0">
-                <a:solidFill>
-                  <a:srgbClr val="7030A0"/>
-                </a:solidFill>
-              </a:rPr>
-              <a:t>else if </a:t>
-            </a:r>
-            <a:r>
-              <a:rPr lang="en-US" sz="2200" dirty="0">
-                <a:solidFill>
-                  <a:srgbClr val="000000"/>
-                </a:solidFill>
-              </a:rPr>
-              <a:t>gender = </a:t>
-            </a:r>
-            <a:r>
-              <a:rPr lang="en-US" sz="2200" b="1" dirty="0">
-                <a:solidFill>
-                  <a:srgbClr val="008080"/>
-                </a:solidFill>
-              </a:rPr>
-              <a:t>99</a:t>
-            </a:r>
-            <a:r>
-              <a:rPr lang="en-US" sz="2200" dirty="0">
-                <a:solidFill>
-                  <a:srgbClr val="000000"/>
-                </a:solidFill>
-              </a:rPr>
-              <a:t> </a:t>
-            </a:r>
-            <a:r>
-              <a:rPr lang="en-US" sz="2200" dirty="0">
-                <a:solidFill>
-                  <a:srgbClr val="7030A0"/>
-                </a:solidFill>
-              </a:rPr>
-              <a:t>then</a:t>
-            </a:r>
-            <a:r>
-              <a:rPr lang="en-US" sz="2200" dirty="0">
-                <a:solidFill>
-                  <a:srgbClr val="000000"/>
-                </a:solidFill>
-              </a:rPr>
-              <a:t> gender_MF = </a:t>
-            </a:r>
-            <a:r>
-              <a:rPr lang="en-US" sz="2200" dirty="0">
-                <a:solidFill>
-                  <a:srgbClr val="800080"/>
-                </a:solidFill>
-              </a:rPr>
-              <a:t>"U"</a:t>
-            </a:r>
-            <a:r>
-              <a:rPr lang="en-US" sz="2200" dirty="0">
-                <a:solidFill>
-                  <a:srgbClr val="000000"/>
-                </a:solidFill>
-              </a:rPr>
-              <a:t>;</a:t>
-            </a:r>
-          </a:p>
-          <a:p>
-            <a:endParaRPr lang="en-US" sz="2200" dirty="0">
-              <a:solidFill>
-                <a:srgbClr val="000000"/>
-              </a:solidFill>
-            </a:endParaRPr>
-          </a:p>
-          <a:p>
-            <a:r>
-              <a:rPr lang="en-US" sz="2200" dirty="0">
-                <a:solidFill>
-                  <a:srgbClr val="000000"/>
-                </a:solidFill>
-              </a:rPr>
-              <a:t>	</a:t>
-            </a:r>
-            <a:r>
-              <a:rPr lang="en-US" sz="2200" dirty="0">
-                <a:solidFill>
-                  <a:srgbClr val="7030A0"/>
-                </a:solidFill>
-              </a:rPr>
-              <a:t>drop</a:t>
-            </a:r>
-            <a:r>
-              <a:rPr lang="en-US" sz="2200" dirty="0">
-                <a:solidFill>
-                  <a:srgbClr val="000000"/>
-                </a:solidFill>
-              </a:rPr>
-              <a:t> gender;</a:t>
-            </a:r>
-          </a:p>
-          <a:p>
-            <a:endParaRPr lang="en-US" sz="2200" dirty="0">
-              <a:solidFill>
-                <a:srgbClr val="000000"/>
-              </a:solidFill>
-            </a:endParaRPr>
-          </a:p>
-          <a:p>
-            <a:r>
-              <a:rPr lang="en-US" sz="2200" b="1" dirty="0">
-                <a:solidFill>
-                  <a:srgbClr val="000080"/>
-                </a:solidFill>
-              </a:rPr>
-              <a:t>Proc</a:t>
-            </a:r>
-            <a:r>
-              <a:rPr lang="en-US" sz="2200" dirty="0">
-                <a:solidFill>
-                  <a:srgbClr val="000000"/>
-                </a:solidFill>
-              </a:rPr>
-              <a:t> </a:t>
-            </a:r>
-            <a:r>
-              <a:rPr lang="en-US" sz="2200" b="1" dirty="0">
-                <a:solidFill>
-                  <a:srgbClr val="000080"/>
-                </a:solidFill>
-              </a:rPr>
-              <a:t>print</a:t>
-            </a:r>
-            <a:r>
-              <a:rPr lang="en-US" sz="2200" dirty="0">
-                <a:solidFill>
-                  <a:srgbClr val="000000"/>
-                </a:solidFill>
-              </a:rPr>
-              <a:t> </a:t>
-            </a:r>
-            <a:r>
-              <a:rPr lang="en-US" sz="2200" dirty="0">
-                <a:solidFill>
-                  <a:srgbClr val="0000FF"/>
-                </a:solidFill>
-              </a:rPr>
-              <a:t>data</a:t>
-            </a:r>
-            <a:r>
-              <a:rPr lang="en-US" sz="2200" dirty="0">
-                <a:solidFill>
-                  <a:srgbClr val="000000"/>
-                </a:solidFill>
-              </a:rPr>
-              <a:t> = myversion;</a:t>
-            </a:r>
-          </a:p>
-          <a:p>
-            <a:r>
-              <a:rPr lang="en-US" sz="2200" dirty="0">
-                <a:solidFill>
-                  <a:srgbClr val="0000FF"/>
-                </a:solidFill>
-              </a:rPr>
-              <a:t>var</a:t>
-            </a:r>
-            <a:r>
-              <a:rPr lang="en-US" sz="2200" dirty="0">
-                <a:solidFill>
-                  <a:srgbClr val="000000"/>
-                </a:solidFill>
-              </a:rPr>
-              <a:t> gender_MF;</a:t>
-            </a:r>
-          </a:p>
-          <a:p>
-            <a:r>
-              <a:rPr lang="en-US" sz="2200" b="1" dirty="0">
-                <a:solidFill>
-                  <a:srgbClr val="000080"/>
-                </a:solidFill>
-              </a:rPr>
-              <a:t>Run</a:t>
-            </a:r>
-            <a:r>
-              <a:rPr lang="en-US" sz="2200" dirty="0">
-                <a:solidFill>
-                  <a:srgbClr val="000000"/>
-                </a:solidFill>
-              </a:rPr>
-              <a:t>;</a:t>
-            </a:r>
-            <a:endParaRPr lang="en-US" sz="2200" dirty="0"/>
-          </a:p>
-        </p:txBody>
-      </p:sp>
-      <p:sp>
-        <p:nvSpPr>
-          <p:cNvPr id="32771" name="Text Box 8"/>
-          <p:cNvSpPr txBox="1">
+            <a:pPr marL="342900" indent="-342900">
+              <a:spcBef>
+                <a:spcPct val="20000"/>
+              </a:spcBef>
+              <a:buFontTx/>
+              <a:buChar char="•"/>
+            </a:pPr>
+            <a:r>
+              <a:rPr lang="en-US" sz="3200" dirty="0">
+                <a:latin typeface="Calibri" pitchFamily="34" charset="0"/>
+              </a:rPr>
+              <a:t>Keep includes variables when processing</a:t>
+            </a:r>
+          </a:p>
+        </p:txBody>
+      </p:sp>
+      <p:sp>
+        <p:nvSpPr>
+          <p:cNvPr id="24580" name="Rectangle 5"/>
+          <p:cNvSpPr>
             <a:spLocks noChangeArrowheads="1"/>
           </p:cNvSpPr>
           <p:nvPr/>
         </p:nvSpPr>
         <p:spPr bwMode="auto">
           <a:xfrm>
-            <a:off x="327026" y="5471162"/>
-            <a:ext cx="8001000" cy="707886"/>
+            <a:off x="426203" y="1676400"/>
+            <a:ext cx="8229600" cy="1676400"/>
           </a:xfrm>
           <a:prstGeom prst="rect">
             <a:avLst/>
@@ -10017,35 +9554,83 @@
           </a:ln>
         </p:spPr>
         <p:txBody>
-          <a:bodyPr wrap="square">
-            <a:spAutoFit/>
-          </a:bodyPr>
-          <a:lstStyle/>
-          <a:p>
-            <a:pPr>
+          <a:bodyPr/>
+          <a:lstStyle/>
+          <a:p>
+            <a:pPr marL="342900" indent="-342900">
               <a:spcBef>
-                <a:spcPct val="50000"/>
+                <a:spcPct val="20000"/>
               </a:spcBef>
-              <a:buFontTx/>
-              <a:buChar char="•"/>
-            </a:pPr>
-            <a:r>
-              <a:rPr lang="en-US" sz="2000" dirty="0">
-                <a:latin typeface="Calibri" pitchFamily="34" charset="0"/>
-              </a:rPr>
-              <a:t>Drop/keep </a:t>
-            </a:r>
-            <a:r>
-              <a:rPr lang="en-US" sz="2000" i="1" dirty="0">
-                <a:latin typeface="Calibri" pitchFamily="34" charset="0"/>
-              </a:rPr>
-              <a:t>statements</a:t>
-            </a:r>
-            <a:r>
-              <a:rPr lang="en-US" sz="2000" dirty="0">
-                <a:latin typeface="Calibri" pitchFamily="34" charset="0"/>
-              </a:rPr>
-              <a:t> within the data step indicate all variables to drop or keep (including new variables and variables taken from previous data set)</a:t>
+            </a:pPr>
+            <a:r>
+              <a:rPr lang="en-US" sz="3200" b="1" dirty="0">
+                <a:solidFill>
+                  <a:srgbClr val="7030A0"/>
+                </a:solidFill>
+                <a:latin typeface="Calibri" pitchFamily="34" charset="0"/>
+              </a:rPr>
+              <a:t>Data</a:t>
+            </a:r>
+            <a:r>
+              <a:rPr lang="en-US" sz="3200" dirty="0">
+                <a:solidFill>
+                  <a:srgbClr val="00B0F0"/>
+                </a:solidFill>
+                <a:latin typeface="Calibri" pitchFamily="34" charset="0"/>
+              </a:rPr>
+              <a:t> myversion;</a:t>
+            </a:r>
+          </a:p>
+          <a:p>
+            <a:pPr marL="342900" indent="-342900">
+              <a:spcBef>
+                <a:spcPct val="20000"/>
+              </a:spcBef>
+            </a:pPr>
+            <a:r>
+              <a:rPr lang="en-US" sz="3200" dirty="0">
+                <a:solidFill>
+                  <a:srgbClr val="00B0F0"/>
+                </a:solidFill>
+                <a:latin typeface="Calibri" pitchFamily="34" charset="0"/>
+              </a:rPr>
+              <a:t>	</a:t>
+            </a:r>
+            <a:r>
+              <a:rPr lang="en-US" sz="3200" dirty="0">
+                <a:solidFill>
+                  <a:srgbClr val="7030A0"/>
+                </a:solidFill>
+                <a:latin typeface="Calibri" pitchFamily="34" charset="0"/>
+              </a:rPr>
+              <a:t>set</a:t>
+            </a:r>
+            <a:r>
+              <a:rPr lang="en-US" sz="3200" dirty="0">
+                <a:solidFill>
+                  <a:srgbClr val="00B0F0"/>
+                </a:solidFill>
+                <a:latin typeface="Calibri" pitchFamily="34" charset="0"/>
+              </a:rPr>
+              <a:t> classone.classds (</a:t>
+            </a:r>
+            <a:r>
+              <a:rPr lang="en-US" sz="3200" dirty="0">
+                <a:solidFill>
+                  <a:srgbClr val="7030A0"/>
+                </a:solidFill>
+                <a:latin typeface="Calibri" pitchFamily="34" charset="0"/>
+              </a:rPr>
+              <a:t>keep</a:t>
+            </a:r>
+            <a:r>
+              <a:rPr lang="en-US" sz="3200" dirty="0">
+                <a:solidFill>
+                  <a:srgbClr val="00B0F0"/>
+                </a:solidFill>
+                <a:latin typeface="Calibri" pitchFamily="34" charset="0"/>
+              </a:rPr>
+              <a:t> = gender location);</a:t>
             </a:r>
           </a:p>
         </p:txBody>
@@ -10053,7 +9638,7 @@
     </p:spTree>
     <p:extLst>
       <p:ext uri="{BB962C8B-B14F-4D97-AF65-F5344CB8AC3E}">
-        <p14:creationId xmlns:p14="http://schemas.microsoft.com/office/powerpoint/2010/main" val="3969122564"/>
+        <p14:creationId xmlns:p14="http://schemas.microsoft.com/office/powerpoint/2010/main" val="1700486964"/>
       </p:ext>
     </p:extLst>
   </p:cSld>
@@ -10082,7 +9667,7 @@
       </p:grpSpPr>
       <p:sp>
         <p:nvSpPr>
-          <p:cNvPr id="34817" name="Rectangle 2"/>
+          <p:cNvPr id="32769" name="Rectangle 2"/>
           <p:cNvSpPr>
             <a:spLocks noGrp="1" noChangeArrowheads="1"/>
           </p:cNvSpPr>
@@ -10097,128 +9682,14 @@
           <a:p>
             <a:r>
               <a:rPr lang="en-US" dirty="0"/>
-              <a:t>The WHERE statement</a:t>
-            </a:r>
-          </a:p>
-        </p:txBody>
-      </p:sp>
-      <p:sp>
-        <p:nvSpPr>
-          <p:cNvPr id="34818" name="Rectangle 3"/>
-          <p:cNvSpPr>
-            <a:spLocks noGrp="1" noChangeArrowheads="1"/>
-          </p:cNvSpPr>
-          <p:nvPr>
-            <p:ph idx="1"/>
-          </p:nvPr>
-        </p:nvSpPr>
-        <p:spPr>
-          <a:xfrm>
-            <a:off x="457200" y="1600200"/>
-            <a:ext cx="8229600" cy="1676400"/>
-          </a:xfrm>
-        </p:spPr>
-        <p:txBody>
-          <a:bodyPr/>
-          <a:lstStyle/>
-          <a:p>
-            <a:pPr>
-              <a:lnSpc>
-                <a:spcPct val="90000"/>
-              </a:lnSpc>
-              <a:buFontTx/>
-              <a:buNone/>
-            </a:pPr>
-            <a:r>
-              <a:rPr lang="en-US" sz="2400" b="1" dirty="0">
-                <a:solidFill>
-                  <a:srgbClr val="000066"/>
-                </a:solidFill>
-              </a:rPr>
-              <a:t>Data</a:t>
-            </a:r>
-            <a:r>
-              <a:rPr lang="en-US" sz="2400" dirty="0"/>
-              <a:t> myversion;</a:t>
-            </a:r>
-          </a:p>
-          <a:p>
-            <a:pPr>
-              <a:lnSpc>
-                <a:spcPct val="90000"/>
-              </a:lnSpc>
-              <a:buFontTx/>
-              <a:buNone/>
-            </a:pPr>
-            <a:r>
-              <a:rPr lang="en-US" sz="2400" dirty="0"/>
-              <a:t>	</a:t>
-            </a:r>
-            <a:r>
-              <a:rPr lang="en-US" sz="2400" dirty="0">
-                <a:solidFill>
-                  <a:srgbClr val="3333FF"/>
-                </a:solidFill>
-              </a:rPr>
-              <a:t>set</a:t>
-            </a:r>
-            <a:r>
-              <a:rPr lang="en-US" sz="2400" dirty="0"/>
-              <a:t> classone.classds;</a:t>
-            </a:r>
-          </a:p>
-          <a:p>
-            <a:pPr>
-              <a:lnSpc>
-                <a:spcPct val="90000"/>
-              </a:lnSpc>
-              <a:buFontTx/>
-              <a:buNone/>
-            </a:pPr>
-            <a:endParaRPr lang="en-US" sz="2400" dirty="0"/>
-          </a:p>
-          <a:p>
-            <a:pPr>
-              <a:lnSpc>
-                <a:spcPct val="90000"/>
-              </a:lnSpc>
-              <a:buFontTx/>
-              <a:buNone/>
-            </a:pPr>
-            <a:r>
-              <a:rPr lang="en-US" sz="2400" dirty="0"/>
-              <a:t>	</a:t>
-            </a:r>
-            <a:r>
-              <a:rPr lang="en-US" sz="2400" dirty="0">
-                <a:solidFill>
-                  <a:srgbClr val="3333FF"/>
-                </a:solidFill>
-              </a:rPr>
-              <a:t>where</a:t>
-            </a:r>
-            <a:r>
-              <a:rPr lang="en-US" sz="2400" dirty="0"/>
-              <a:t> gender = </a:t>
-            </a:r>
-            <a:r>
-              <a:rPr lang="en-US" sz="2400" dirty="0">
-                <a:solidFill>
-                  <a:srgbClr val="339966"/>
-                </a:solidFill>
-              </a:rPr>
-              <a:t>1</a:t>
-            </a:r>
-            <a:r>
-              <a:rPr lang="en-US" sz="2400" dirty="0"/>
-              <a:t>;</a:t>
-            </a:r>
-          </a:p>
-        </p:txBody>
-      </p:sp>
-      <p:sp>
-        <p:nvSpPr>
-          <p:cNvPr id="34819" name="Rectangle 4"/>
+              <a:t>Drop/keep cont’d</a:t>
+            </a:r>
+          </a:p>
+        </p:txBody>
+      </p:sp>
+      <p:sp>
+        <p:nvSpPr>
+          <p:cNvPr id="32770" name="Rectangle 6"/>
           <p:cNvSpPr>
             <a:spLocks noChangeArrowheads="1"/>
           </p:cNvSpPr>
@@ -10226,8 +9697,8 @@
         </p:nvSpPr>
         <p:spPr bwMode="auto">
           <a:xfrm>
-            <a:off x="533400" y="3810000"/>
-            <a:ext cx="8229600" cy="2057400"/>
+            <a:off x="457200" y="1219200"/>
+            <a:ext cx="8229600" cy="4251962"/>
           </a:xfrm>
           <a:prstGeom prst="rect">
             <a:avLst/>
@@ -10244,39 +9715,461 @@
           <a:bodyPr/>
           <a:lstStyle/>
           <a:p>
-            <a:pPr marL="342900" indent="-342900">
+            <a:r>
+              <a:rPr lang="en-US" sz="2200" b="1" dirty="0">
+                <a:solidFill>
+                  <a:srgbClr val="000080"/>
+                </a:solidFill>
+              </a:rPr>
+              <a:t>Data</a:t>
+            </a:r>
+            <a:r>
+              <a:rPr lang="en-US" sz="2200" dirty="0">
+                <a:solidFill>
+                  <a:srgbClr val="000000"/>
+                </a:solidFill>
+              </a:rPr>
+              <a:t> myversion;</a:t>
+            </a:r>
+          </a:p>
+          <a:p>
+            <a:r>
+              <a:rPr lang="en-US" sz="2200" dirty="0">
+                <a:solidFill>
+                  <a:srgbClr val="000000"/>
+                </a:solidFill>
+              </a:rPr>
+              <a:t>	</a:t>
+            </a:r>
+            <a:r>
+              <a:rPr lang="en-US" sz="2200" dirty="0">
+                <a:solidFill>
+                  <a:srgbClr val="7030A0"/>
+                </a:solidFill>
+              </a:rPr>
+              <a:t>set</a:t>
+            </a:r>
+            <a:r>
+              <a:rPr lang="en-US" sz="2200" dirty="0">
+                <a:solidFill>
+                  <a:srgbClr val="000000"/>
+                </a:solidFill>
+              </a:rPr>
+              <a:t> classone.classds;</a:t>
+            </a:r>
+          </a:p>
+          <a:p>
+            <a:endParaRPr lang="en-US" sz="2200" dirty="0">
+              <a:solidFill>
+                <a:srgbClr val="000000"/>
+              </a:solidFill>
+            </a:endParaRPr>
+          </a:p>
+          <a:p>
+            <a:r>
+              <a:rPr lang="en-US" sz="2200" dirty="0">
+                <a:solidFill>
+                  <a:srgbClr val="000000"/>
+                </a:solidFill>
+              </a:rPr>
+              <a:t>	</a:t>
+            </a:r>
+            <a:r>
+              <a:rPr lang="en-US" sz="2200" dirty="0">
+                <a:solidFill>
+                  <a:srgbClr val="7030A0"/>
+                </a:solidFill>
+              </a:rPr>
+              <a:t>if</a:t>
+            </a:r>
+            <a:r>
+              <a:rPr lang="en-US" sz="2200" dirty="0">
+                <a:solidFill>
+                  <a:srgbClr val="000000"/>
+                </a:solidFill>
+              </a:rPr>
+              <a:t> gender = </a:t>
+            </a:r>
+            <a:r>
+              <a:rPr lang="en-US" sz="2200" b="1" dirty="0">
+                <a:solidFill>
+                  <a:srgbClr val="008080"/>
+                </a:solidFill>
+              </a:rPr>
+              <a:t>1</a:t>
+            </a:r>
+            <a:r>
+              <a:rPr lang="en-US" sz="2200" dirty="0">
+                <a:solidFill>
+                  <a:srgbClr val="000000"/>
+                </a:solidFill>
+              </a:rPr>
+              <a:t> </a:t>
+            </a:r>
+            <a:r>
+              <a:rPr lang="en-US" sz="2200" dirty="0">
+                <a:solidFill>
+                  <a:srgbClr val="7030A0"/>
+                </a:solidFill>
+              </a:rPr>
+              <a:t>then</a:t>
+            </a:r>
+            <a:r>
+              <a:rPr lang="en-US" sz="2200" dirty="0">
+                <a:solidFill>
+                  <a:srgbClr val="000000"/>
+                </a:solidFill>
+              </a:rPr>
+              <a:t> gender_MF = </a:t>
+            </a:r>
+            <a:r>
+              <a:rPr lang="en-US" sz="2200" dirty="0">
+                <a:solidFill>
+                  <a:srgbClr val="800080"/>
+                </a:solidFill>
+              </a:rPr>
+              <a:t>"M"</a:t>
+            </a:r>
+            <a:r>
+              <a:rPr lang="en-US" sz="2200" dirty="0">
+                <a:solidFill>
+                  <a:srgbClr val="000000"/>
+                </a:solidFill>
+              </a:rPr>
+              <a:t>;</a:t>
+            </a:r>
+          </a:p>
+          <a:p>
+            <a:r>
+              <a:rPr lang="en-US" sz="2200" dirty="0">
+                <a:solidFill>
+                  <a:srgbClr val="000000"/>
+                </a:solidFill>
+              </a:rPr>
+              <a:t>	</a:t>
+            </a:r>
+            <a:r>
+              <a:rPr lang="en-US" sz="2200" dirty="0">
+                <a:solidFill>
+                  <a:srgbClr val="7030A0"/>
+                </a:solidFill>
+              </a:rPr>
+              <a:t>else if </a:t>
+            </a:r>
+            <a:r>
+              <a:rPr lang="en-US" sz="2200" dirty="0">
+                <a:solidFill>
+                  <a:srgbClr val="000000"/>
+                </a:solidFill>
+              </a:rPr>
+              <a:t>gender = </a:t>
+            </a:r>
+            <a:r>
+              <a:rPr lang="en-US" sz="2200" b="1" dirty="0">
+                <a:solidFill>
+                  <a:srgbClr val="008080"/>
+                </a:solidFill>
+              </a:rPr>
+              <a:t>2</a:t>
+            </a:r>
+            <a:r>
+              <a:rPr lang="en-US" sz="2200" dirty="0">
+                <a:solidFill>
+                  <a:srgbClr val="000000"/>
+                </a:solidFill>
+              </a:rPr>
+              <a:t> </a:t>
+            </a:r>
+            <a:r>
+              <a:rPr lang="en-US" sz="2200" dirty="0">
+                <a:solidFill>
+                  <a:srgbClr val="7030A0"/>
+                </a:solidFill>
+              </a:rPr>
+              <a:t>then</a:t>
+            </a:r>
+            <a:r>
+              <a:rPr lang="en-US" sz="2200" dirty="0">
+                <a:solidFill>
+                  <a:srgbClr val="000000"/>
+                </a:solidFill>
+              </a:rPr>
+              <a:t> gender_MF = </a:t>
+            </a:r>
+            <a:r>
+              <a:rPr lang="en-US" sz="2200" dirty="0">
+                <a:solidFill>
+                  <a:srgbClr val="800080"/>
+                </a:solidFill>
+              </a:rPr>
+              <a:t>"F"</a:t>
+            </a:r>
+            <a:r>
+              <a:rPr lang="en-US" sz="2200" dirty="0">
+                <a:solidFill>
+                  <a:srgbClr val="000000"/>
+                </a:solidFill>
+              </a:rPr>
+              <a:t>;</a:t>
+            </a:r>
+          </a:p>
+          <a:p>
+            <a:r>
+              <a:rPr lang="en-US" sz="2200" dirty="0">
+                <a:solidFill>
+                  <a:srgbClr val="000000"/>
+                </a:solidFill>
+              </a:rPr>
+              <a:t>	</a:t>
+            </a:r>
+            <a:r>
+              <a:rPr lang="en-US" sz="2200" dirty="0">
+                <a:solidFill>
+                  <a:srgbClr val="7030A0"/>
+                </a:solidFill>
+              </a:rPr>
+              <a:t>else if </a:t>
+            </a:r>
+            <a:r>
+              <a:rPr lang="en-US" sz="2200" dirty="0">
+                <a:solidFill>
+                  <a:srgbClr val="000000"/>
+                </a:solidFill>
+              </a:rPr>
+              <a:t>gender = </a:t>
+            </a:r>
+            <a:r>
+              <a:rPr lang="en-US" sz="2200" b="1" dirty="0">
+                <a:solidFill>
+                  <a:srgbClr val="008080"/>
+                </a:solidFill>
+              </a:rPr>
+              <a:t>99</a:t>
+            </a:r>
+            <a:r>
+              <a:rPr lang="en-US" sz="2200" dirty="0">
+                <a:solidFill>
+                  <a:srgbClr val="000000"/>
+                </a:solidFill>
+              </a:rPr>
+              <a:t> </a:t>
+            </a:r>
+            <a:r>
+              <a:rPr lang="en-US" sz="2200" dirty="0">
+                <a:solidFill>
+                  <a:srgbClr val="7030A0"/>
+                </a:solidFill>
+              </a:rPr>
+              <a:t>then</a:t>
+            </a:r>
+            <a:r>
+              <a:rPr lang="en-US" sz="2200" dirty="0">
+                <a:solidFill>
+                  <a:srgbClr val="000000"/>
+                </a:solidFill>
+              </a:rPr>
+              <a:t> gender_MF = </a:t>
+            </a:r>
+            <a:r>
+              <a:rPr lang="en-US" sz="2200" dirty="0">
+                <a:solidFill>
+                  <a:srgbClr val="800080"/>
+                </a:solidFill>
+              </a:rPr>
+              <a:t>"U"</a:t>
+            </a:r>
+            <a:r>
+              <a:rPr lang="en-US" sz="2200" dirty="0">
+                <a:solidFill>
+                  <a:srgbClr val="000000"/>
+                </a:solidFill>
+              </a:rPr>
+              <a:t>;</a:t>
+            </a:r>
+          </a:p>
+          <a:p>
+            <a:endParaRPr lang="en-US" sz="2200" dirty="0">
+              <a:solidFill>
+                <a:srgbClr val="000000"/>
+              </a:solidFill>
+            </a:endParaRPr>
+          </a:p>
+          <a:p>
+            <a:r>
+              <a:rPr lang="en-US" sz="2200" dirty="0">
+                <a:solidFill>
+                  <a:srgbClr val="000000"/>
+                </a:solidFill>
+              </a:rPr>
+              <a:t>	</a:t>
+            </a:r>
+            <a:r>
+              <a:rPr lang="en-US" sz="2200" dirty="0">
+                <a:solidFill>
+                  <a:srgbClr val="7030A0"/>
+                </a:solidFill>
+              </a:rPr>
+              <a:t>drop</a:t>
+            </a:r>
+            <a:r>
+              <a:rPr lang="en-US" sz="2200" dirty="0">
+                <a:solidFill>
+                  <a:srgbClr val="000000"/>
+                </a:solidFill>
+              </a:rPr>
+              <a:t> gender;</a:t>
+            </a:r>
+          </a:p>
+          <a:p>
+            <a:endParaRPr lang="en-US" sz="2200" dirty="0">
+              <a:solidFill>
+                <a:srgbClr val="000000"/>
+              </a:solidFill>
+            </a:endParaRPr>
+          </a:p>
+          <a:p>
+            <a:r>
+              <a:rPr lang="en-US" sz="2200" b="1" dirty="0">
+                <a:solidFill>
+                  <a:srgbClr val="000080"/>
+                </a:solidFill>
+              </a:rPr>
+              <a:t>Proc</a:t>
+            </a:r>
+            <a:r>
+              <a:rPr lang="en-US" sz="2200" dirty="0">
+                <a:solidFill>
+                  <a:srgbClr val="000000"/>
+                </a:solidFill>
+              </a:rPr>
+              <a:t> </a:t>
+            </a:r>
+            <a:r>
+              <a:rPr lang="en-US" sz="2200" b="1" dirty="0">
+                <a:solidFill>
+                  <a:srgbClr val="000080"/>
+                </a:solidFill>
+              </a:rPr>
+              <a:t>print</a:t>
+            </a:r>
+            <a:r>
+              <a:rPr lang="en-US" sz="2200" dirty="0">
+                <a:solidFill>
+                  <a:srgbClr val="000000"/>
+                </a:solidFill>
+              </a:rPr>
+              <a:t> </a:t>
+            </a:r>
+            <a:r>
+              <a:rPr lang="en-US" sz="2200" dirty="0">
+                <a:solidFill>
+                  <a:srgbClr val="0000FF"/>
+                </a:solidFill>
+              </a:rPr>
+              <a:t>data</a:t>
+            </a:r>
+            <a:r>
+              <a:rPr lang="en-US" sz="2200" dirty="0">
+                <a:solidFill>
+                  <a:srgbClr val="000000"/>
+                </a:solidFill>
+              </a:rPr>
+              <a:t> = myversion;</a:t>
+            </a:r>
+          </a:p>
+          <a:p>
+            <a:r>
+              <a:rPr lang="en-US" sz="2200" dirty="0">
+                <a:solidFill>
+                  <a:srgbClr val="0000FF"/>
+                </a:solidFill>
+              </a:rPr>
+              <a:t>var</a:t>
+            </a:r>
+            <a:r>
+              <a:rPr lang="en-US" sz="2200" dirty="0">
+                <a:solidFill>
+                  <a:srgbClr val="000000"/>
+                </a:solidFill>
+              </a:rPr>
+              <a:t> gender_MF;</a:t>
+            </a:r>
+          </a:p>
+          <a:p>
+            <a:r>
+              <a:rPr lang="en-US" sz="2200" b="1" dirty="0">
+                <a:solidFill>
+                  <a:srgbClr val="000080"/>
+                </a:solidFill>
+              </a:rPr>
+              <a:t>Run</a:t>
+            </a:r>
+            <a:r>
+              <a:rPr lang="en-US" sz="2200" dirty="0">
+                <a:solidFill>
+                  <a:srgbClr val="000000"/>
+                </a:solidFill>
+              </a:rPr>
+              <a:t>;</a:t>
+            </a:r>
+            <a:endParaRPr lang="en-US" sz="2200" dirty="0"/>
+          </a:p>
+        </p:txBody>
+      </p:sp>
+      <p:sp>
+        <p:nvSpPr>
+          <p:cNvPr id="32771" name="Text Box 8"/>
+          <p:cNvSpPr txBox="1">
+            <a:spLocks noChangeArrowheads="1"/>
+          </p:cNvSpPr>
+          <p:nvPr/>
+        </p:nvSpPr>
+        <p:spPr bwMode="auto">
+          <a:xfrm>
+            <a:off x="327026" y="5471162"/>
+            <a:ext cx="8001000" cy="707886"/>
+          </a:xfrm>
+          <a:prstGeom prst="rect">
+            <a:avLst/>
+          </a:prstGeom>
+          <a:noFill/>
+          <a:ln w="9525">
+            <a:noFill/>
+            <a:miter lim="800000"/>
+            <a:headEnd/>
+            <a:tailEnd/>
+          </a:ln>
+        </p:spPr>
+        <p:txBody>
+          <a:bodyPr wrap="square">
+            <a:spAutoFit/>
+          </a:bodyPr>
+          <a:lstStyle/>
+          <a:p>
+            <a:pPr>
               <a:spcBef>
-                <a:spcPct val="20000"/>
+                <a:spcPct val="50000"/>
               </a:spcBef>
               <a:buFontTx/>
               <a:buChar char="•"/>
             </a:pPr>
             <a:r>
-              <a:rPr lang="en-US" sz="3200" i="1" dirty="0">
-                <a:latin typeface="Calibri" pitchFamily="34" charset="0"/>
-              </a:rPr>
-              <a:t>Where</a:t>
-            </a:r>
-            <a:r>
-              <a:rPr lang="en-US" sz="3200" dirty="0">
-                <a:latin typeface="Calibri" pitchFamily="34" charset="0"/>
-              </a:rPr>
-              <a:t> limits the observations that are read in to the new data set</a:t>
-            </a:r>
-          </a:p>
-          <a:p>
-            <a:pPr marL="342900" indent="-342900">
-              <a:spcBef>
-                <a:spcPct val="20000"/>
-              </a:spcBef>
-              <a:buFontTx/>
-              <a:buChar char="•"/>
-            </a:pPr>
-            <a:r>
-              <a:rPr lang="en-US" sz="3200" dirty="0">
-                <a:latin typeface="Calibri" pitchFamily="34" charset="0"/>
-              </a:rPr>
-              <a:t>Processed before other statements in data step</a:t>
+              <a:rPr lang="en-US" sz="2000" dirty="0">
+                <a:latin typeface="Calibri" pitchFamily="34" charset="0"/>
+              </a:rPr>
+              <a:t>Drop/keep </a:t>
+            </a:r>
+            <a:r>
+              <a:rPr lang="en-US" sz="2000" i="1" dirty="0">
+                <a:latin typeface="Calibri" pitchFamily="34" charset="0"/>
+              </a:rPr>
+              <a:t>statements</a:t>
+            </a:r>
+            <a:r>
+              <a:rPr lang="en-US" sz="2000" dirty="0">
+                <a:latin typeface="Calibri" pitchFamily="34" charset="0"/>
+              </a:rPr>
+              <a:t> within the data step indicate all variables to drop or keep (including new variables and variables taken from previous data set)</a:t>
             </a:r>
           </a:p>
         </p:txBody>
@@ -10284,7 +10177,7 @@
     </p:spTree>
     <p:extLst>
       <p:ext uri="{BB962C8B-B14F-4D97-AF65-F5344CB8AC3E}">
-        <p14:creationId xmlns:p14="http://schemas.microsoft.com/office/powerpoint/2010/main" val="902899706"/>
+        <p14:creationId xmlns:p14="http://schemas.microsoft.com/office/powerpoint/2010/main" val="3969122564"/>
       </p:ext>
     </p:extLst>
   </p:cSld>
@@ -10313,7 +10206,7 @@
       </p:grpSpPr>
       <p:sp>
         <p:nvSpPr>
-          <p:cNvPr id="49153" name="Rectangle 2"/>
+          <p:cNvPr id="34817" name="Rectangle 2"/>
           <p:cNvSpPr>
             <a:spLocks noGrp="1" noChangeArrowheads="1"/>
           </p:cNvSpPr>
@@ -10328,14 +10221,14 @@
           <a:p>
             <a:r>
               <a:rPr lang="en-US" dirty="0"/>
-              <a:t>WHERE statement cont’d</a:t>
-            </a:r>
-          </a:p>
-        </p:txBody>
-      </p:sp>
-      <p:sp>
-        <p:nvSpPr>
-          <p:cNvPr id="49154" name="Rectangle 3"/>
+              <a:t>The WHERE statement</a:t>
+            </a:r>
+          </a:p>
+        </p:txBody>
+      </p:sp>
+      <p:sp>
+        <p:nvSpPr>
+          <p:cNvPr id="34818" name="Rectangle 3"/>
           <p:cNvSpPr>
             <a:spLocks noGrp="1" noChangeArrowheads="1"/>
           </p:cNvSpPr>
@@ -10343,21 +10236,113 @@
             <p:ph idx="1"/>
           </p:nvPr>
         </p:nvSpPr>
-        <p:spPr/>
+        <p:spPr>
+          <a:xfrm>
+            <a:off x="457200" y="1600200"/>
+            <a:ext cx="8229600" cy="1676400"/>
+          </a:xfrm>
+        </p:spPr>
         <p:txBody>
           <a:bodyPr/>
           <a:lstStyle/>
           <a:p>
-            <a:r>
-              <a:rPr lang="en-US" dirty="0"/>
-              <a:t>Where can be used in many procedures, just as it can in the data step</a:t>
-            </a:r>
-          </a:p>
-        </p:txBody>
-      </p:sp>
-      <p:sp>
-        <p:nvSpPr>
-          <p:cNvPr id="49155" name="Rectangle 4"/>
+            <a:pPr>
+              <a:lnSpc>
+                <a:spcPct val="90000"/>
+              </a:lnSpc>
+              <a:buFontTx/>
+              <a:buNone/>
+            </a:pPr>
+            <a:r>
+              <a:rPr lang="en-US" sz="2400" b="1" dirty="0">
+                <a:solidFill>
+                  <a:srgbClr val="000066"/>
+                </a:solidFill>
+              </a:rPr>
+              <a:t>Data</a:t>
+            </a:r>
+            <a:r>
+              <a:rPr lang="en-US" sz="2400" dirty="0"/>
+              <a:t> myversion;</a:t>
+            </a:r>
+          </a:p>
+          <a:p>
+            <a:pPr>
+              <a:lnSpc>
+                <a:spcPct val="90000"/>
+              </a:lnSpc>
+              <a:buFontTx/>
+              <a:buNone/>
+            </a:pPr>
+            <a:r>
+              <a:rPr lang="en-US" sz="2400" dirty="0"/>
+              <a:t>	</a:t>
+            </a:r>
+            <a:r>
+              <a:rPr lang="en-US" sz="2400" dirty="0">
+                <a:solidFill>
+                  <a:srgbClr val="3333FF"/>
+                </a:solidFill>
+              </a:rPr>
+              <a:t>set</a:t>
+            </a:r>
+            <a:r>
+              <a:rPr lang="en-US" sz="2400" dirty="0"/>
+              <a:t> classone.classds;</a:t>
+            </a:r>
+          </a:p>
+          <a:p>
+            <a:pPr>
+              <a:lnSpc>
+                <a:spcPct val="90000"/>
+              </a:lnSpc>
+              <a:buFontTx/>
+              <a:buNone/>
+            </a:pPr>
+            <a:endParaRPr lang="en-US" sz="2400" dirty="0"/>
+          </a:p>
+          <a:p>
+            <a:pPr>
+              <a:lnSpc>
+                <a:spcPct val="90000"/>
+              </a:lnSpc>
+              <a:buFontTx/>
+              <a:buNone/>
+            </a:pPr>
+            <a:r>
+              <a:rPr lang="en-US" sz="2400" dirty="0"/>
+              <a:t>	</a:t>
+            </a:r>
+            <a:r>
+              <a:rPr lang="en-US" sz="2400" dirty="0">
+                <a:solidFill>
+                  <a:srgbClr val="3333FF"/>
+                </a:solidFill>
+              </a:rPr>
+              <a:t>where</a:t>
+            </a:r>
+            <a:r>
+              <a:rPr lang="en-US" sz="2400" dirty="0"/>
+              <a:t> gender = </a:t>
+            </a:r>
+            <a:r>
+              <a:rPr lang="en-US" sz="2400" dirty="0">
+                <a:solidFill>
+                  <a:srgbClr val="339966"/>
+                </a:solidFill>
+              </a:rPr>
+              <a:t>1</a:t>
+            </a:r>
+            <a:r>
+              <a:rPr lang="en-US" sz="2400" dirty="0"/>
+              <a:t>;</a:t>
+            </a:r>
+          </a:p>
+        </p:txBody>
+      </p:sp>
+      <p:sp>
+        <p:nvSpPr>
+          <p:cNvPr id="34819" name="Rectangle 4"/>
           <p:cNvSpPr>
             <a:spLocks noChangeArrowheads="1"/>
           </p:cNvSpPr>
@@ -10365,8 +10350,8 @@
         </p:nvSpPr>
         <p:spPr bwMode="auto">
           <a:xfrm>
-            <a:off x="457200" y="3429000"/>
-            <a:ext cx="8229600" cy="2514600"/>
+            <a:off x="533400" y="3810000"/>
+            <a:ext cx="8229600" cy="2057400"/>
           </a:xfrm>
           <a:prstGeom prst="rect">
             <a:avLst/>
@@ -10387,51 +10372,20 @@
               <a:spcBef>
                 <a:spcPct val="20000"/>
               </a:spcBef>
-            </a:pPr>
+              <a:buFontTx/>
+              <a:buChar char="•"/>
+            </a:pPr>
+            <a:r>
+              <a:rPr lang="en-US" sz="3200" i="1" dirty="0">
+                <a:latin typeface="Calibri" pitchFamily="34" charset="0"/>
+              </a:rPr>
+              <a:t>Where</a:t>
+            </a:r>
             <a:r>
               <a:rPr lang="en-US" sz="3200" dirty="0">
-                <a:solidFill>
-                  <a:srgbClr val="000066"/>
-                </a:solidFill>
-                <a:latin typeface="Calibri" pitchFamily="34" charset="0"/>
-              </a:rPr>
-              <a:t>proc print</a:t>
-            </a:r>
-            <a:r>
-              <a:rPr lang="en-US" sz="3200" dirty="0">
-                <a:latin typeface="Calibri" pitchFamily="34" charset="0"/>
-              </a:rPr>
-              <a:t> </a:t>
-            </a:r>
-            <a:r>
-              <a:rPr lang="en-US" sz="3200" dirty="0">
-                <a:solidFill>
-                  <a:srgbClr val="3333FF"/>
-                </a:solidFill>
-                <a:latin typeface="Calibri" pitchFamily="34" charset="0"/>
-              </a:rPr>
-              <a:t>data</a:t>
-            </a:r>
-            <a:r>
-              <a:rPr lang="en-US" sz="3200" dirty="0">
-                <a:latin typeface="Calibri" pitchFamily="34" charset="0"/>
-              </a:rPr>
-              <a:t> = classone.classds </a:t>
-            </a:r>
-            <a:r>
-              <a:rPr lang="en-US" sz="3200" dirty="0" err="1">
-                <a:solidFill>
-                  <a:srgbClr val="3333FF"/>
-                </a:solidFill>
-                <a:latin typeface="Calibri" pitchFamily="34" charset="0"/>
-              </a:rPr>
-              <a:t>noobs</a:t>
-            </a:r>
-            <a:r>
-              <a:rPr lang="en-US" sz="3200" dirty="0">
-                <a:latin typeface="Calibri" pitchFamily="34" charset="0"/>
-              </a:rPr>
-              <a:t>;</a:t>
+                <a:latin typeface="Calibri" pitchFamily="34" charset="0"/>
+              </a:rPr>
+              <a:t> limits the observations that are read in to the new data set</a:t>
             </a:r>
           </a:p>
           <a:p>
@@ -10439,138 +10393,14 @@
               <a:spcBef>
                 <a:spcPct val="20000"/>
               </a:spcBef>
+              <a:buFontTx/>
+              <a:buChar char="•"/>
             </a:pPr>
             <a:r>
               <a:rPr lang="en-US" sz="3200" dirty="0">
-                <a:solidFill>
-                  <a:srgbClr val="3333FF"/>
-                </a:solidFill>
-                <a:latin typeface="Calibri" pitchFamily="34" charset="0"/>
-              </a:rPr>
-              <a:t>	var</a:t>
-            </a:r>
-            <a:r>
-              <a:rPr lang="en-US" sz="3200" dirty="0">
-                <a:latin typeface="Calibri" pitchFamily="34" charset="0"/>
-              </a:rPr>
-              <a:t> </a:t>
-            </a:r>
-            <a:r>
-              <a:rPr lang="en-US" sz="3200" dirty="0" err="1">
-                <a:latin typeface="Calibri" pitchFamily="34" charset="0"/>
-              </a:rPr>
-              <a:t>fakedob</a:t>
-            </a:r>
-            <a:r>
-              <a:rPr lang="en-US" sz="3200" dirty="0">
-                <a:latin typeface="Calibri" pitchFamily="34" charset="0"/>
-              </a:rPr>
-              <a:t> race borough;</a:t>
-            </a:r>
-          </a:p>
-          <a:p>
-            <a:pPr marL="342900" indent="-342900">
-              <a:spcBef>
-                <a:spcPct val="20000"/>
-              </a:spcBef>
-            </a:pPr>
-            <a:r>
-              <a:rPr lang="en-US" sz="3200" dirty="0">
-                <a:latin typeface="Calibri" pitchFamily="34" charset="0"/>
-              </a:rPr>
-              <a:t>	</a:t>
-            </a:r>
-            <a:r>
-              <a:rPr lang="en-US" sz="3200" dirty="0">
-                <a:solidFill>
-                  <a:srgbClr val="3333FF"/>
-                </a:solidFill>
-                <a:latin typeface="Calibri" pitchFamily="34" charset="0"/>
-              </a:rPr>
-              <a:t>id</a:t>
-            </a:r>
-            <a:r>
-              <a:rPr lang="en-US" sz="3200" dirty="0">
-                <a:latin typeface="Calibri" pitchFamily="34" charset="0"/>
-              </a:rPr>
-              <a:t> uniqueid;</a:t>
-            </a:r>
-          </a:p>
-          <a:p>
-            <a:pPr marL="342900" indent="-342900">
-              <a:spcBef>
-                <a:spcPct val="20000"/>
-              </a:spcBef>
-            </a:pPr>
-            <a:r>
-              <a:rPr lang="en-US" sz="3200" dirty="0">
-                <a:latin typeface="Calibri" pitchFamily="34" charset="0"/>
-              </a:rPr>
-              <a:t>	</a:t>
-            </a:r>
-            <a:r>
-              <a:rPr lang="en-US" sz="3200" dirty="0">
-                <a:solidFill>
-                  <a:srgbClr val="3333FF"/>
-                </a:solidFill>
-                <a:latin typeface="Calibri" pitchFamily="34" charset="0"/>
-              </a:rPr>
-              <a:t>where</a:t>
-            </a:r>
-            <a:r>
-              <a:rPr lang="en-US" sz="3200" dirty="0">
-                <a:latin typeface="Calibri" pitchFamily="34" charset="0"/>
-              </a:rPr>
-              <a:t> gender = 1;</a:t>
-            </a:r>
-          </a:p>
-          <a:p>
-            <a:pPr marL="342900" indent="-342900">
-              <a:spcBef>
-                <a:spcPct val="20000"/>
-              </a:spcBef>
-            </a:pPr>
-            <a:r>
-              <a:rPr lang="en-US" sz="3200" dirty="0">
-                <a:solidFill>
-                  <a:srgbClr val="000066"/>
-                </a:solidFill>
-                <a:latin typeface="Calibri" pitchFamily="34" charset="0"/>
-              </a:rPr>
-              <a:t>run;</a:t>
-            </a:r>
-          </a:p>
-        </p:txBody>
-      </p:sp>
-      <p:sp>
-        <p:nvSpPr>
-          <p:cNvPr id="2" name="TextBox 1"/>
-          <p:cNvSpPr txBox="1"/>
-          <p:nvPr/>
-        </p:nvSpPr>
-        <p:spPr>
-          <a:xfrm>
-            <a:off x="4876799" y="5181600"/>
-            <a:ext cx="4114801" cy="1015663"/>
-          </a:xfrm>
-          <a:prstGeom prst="rect">
-            <a:avLst/>
-          </a:prstGeom>
-          <a:noFill/>
-        </p:spPr>
-        <p:txBody>
-          <a:bodyPr wrap="square" rtlCol="0">
-            <a:spAutoFit/>
-          </a:bodyPr>
-          <a:lstStyle/>
-          <a:p>
-            <a:r>
-              <a:rPr lang="en-US" sz="2000" b="1" dirty="0">
-                <a:solidFill>
-                  <a:srgbClr val="FF0000"/>
-                </a:solidFill>
-              </a:rPr>
-              <a:t>Here we are telling SAS to print certain variables , but only where gender = 1.</a:t>
+                <a:latin typeface="Calibri" pitchFamily="34" charset="0"/>
+              </a:rPr>
+              <a:t>Processed before other statements in data step</a:t>
             </a:r>
           </a:p>
         </p:txBody>
@@ -10578,7 +10408,7 @@
     </p:spTree>
     <p:extLst>
       <p:ext uri="{BB962C8B-B14F-4D97-AF65-F5344CB8AC3E}">
-        <p14:creationId xmlns:p14="http://schemas.microsoft.com/office/powerpoint/2010/main" val="2855448035"/>
+        <p14:creationId xmlns:p14="http://schemas.microsoft.com/office/powerpoint/2010/main" val="902899706"/>
       </p:ext>
     </p:extLst>
   </p:cSld>
@@ -10607,6 +10437,300 @@
       </p:grpSpPr>
       <p:sp>
         <p:nvSpPr>
+          <p:cNvPr id="49153" name="Rectangle 2"/>
+          <p:cNvSpPr>
+            <a:spLocks noGrp="1" noChangeArrowheads="1"/>
+          </p:cNvSpPr>
+          <p:nvPr>
+            <p:ph type="title"/>
+          </p:nvPr>
+        </p:nvSpPr>
+        <p:spPr/>
+        <p:txBody>
+          <a:bodyPr/>
+          <a:lstStyle/>
+          <a:p>
+            <a:r>
+              <a:rPr lang="en-US" dirty="0"/>
+              <a:t>WHERE statement cont’d</a:t>
+            </a:r>
+          </a:p>
+        </p:txBody>
+      </p:sp>
+      <p:sp>
+        <p:nvSpPr>
+          <p:cNvPr id="49154" name="Rectangle 3"/>
+          <p:cNvSpPr>
+            <a:spLocks noGrp="1" noChangeArrowheads="1"/>
+          </p:cNvSpPr>
+          <p:nvPr>
+            <p:ph idx="1"/>
+          </p:nvPr>
+        </p:nvSpPr>
+        <p:spPr/>
+        <p:txBody>
+          <a:bodyPr/>
+          <a:lstStyle/>
+          <a:p>
+            <a:r>
+              <a:rPr lang="en-US" dirty="0"/>
+              <a:t>Where can be used in many procedures, just as it can in the data step</a:t>
+            </a:r>
+          </a:p>
+        </p:txBody>
+      </p:sp>
+      <p:sp>
+        <p:nvSpPr>
+          <p:cNvPr id="49155" name="Rectangle 4"/>
+          <p:cNvSpPr>
+            <a:spLocks noChangeArrowheads="1"/>
+          </p:cNvSpPr>
+          <p:nvPr/>
+        </p:nvSpPr>
+        <p:spPr bwMode="auto">
+          <a:xfrm>
+            <a:off x="457200" y="3429000"/>
+            <a:ext cx="8229600" cy="2514600"/>
+          </a:xfrm>
+          <a:prstGeom prst="rect">
+            <a:avLst/>
+          </a:prstGeom>
+          <a:noFill/>
+          <a:ln w="9525">
+            <a:noFill/>
+            <a:miter lim="800000"/>
+            <a:headEnd/>
+            <a:tailEnd/>
+          </a:ln>
+        </p:spPr>
+        <p:txBody>
+          <a:bodyPr/>
+          <a:lstStyle/>
+          <a:p>
+            <a:pPr marL="342900" indent="-342900">
+              <a:spcBef>
+                <a:spcPct val="20000"/>
+              </a:spcBef>
+            </a:pPr>
+            <a:r>
+              <a:rPr lang="en-US" sz="3200" dirty="0">
+                <a:solidFill>
+                  <a:srgbClr val="000066"/>
+                </a:solidFill>
+                <a:latin typeface="Calibri" pitchFamily="34" charset="0"/>
+              </a:rPr>
+              <a:t>proc print</a:t>
+            </a:r>
+            <a:r>
+              <a:rPr lang="en-US" sz="3200" dirty="0">
+                <a:latin typeface="Calibri" pitchFamily="34" charset="0"/>
+              </a:rPr>
+              <a:t> </a:t>
+            </a:r>
+            <a:r>
+              <a:rPr lang="en-US" sz="3200" dirty="0">
+                <a:solidFill>
+                  <a:srgbClr val="3333FF"/>
+                </a:solidFill>
+                <a:latin typeface="Calibri" pitchFamily="34" charset="0"/>
+              </a:rPr>
+              <a:t>data</a:t>
+            </a:r>
+            <a:r>
+              <a:rPr lang="en-US" sz="3200" dirty="0">
+                <a:latin typeface="Calibri" pitchFamily="34" charset="0"/>
+              </a:rPr>
+              <a:t> = classone.classds </a:t>
+            </a:r>
+            <a:r>
+              <a:rPr lang="en-US" sz="3200" dirty="0" err="1">
+                <a:solidFill>
+                  <a:srgbClr val="3333FF"/>
+                </a:solidFill>
+                <a:latin typeface="Calibri" pitchFamily="34" charset="0"/>
+              </a:rPr>
+              <a:t>noobs</a:t>
+            </a:r>
+            <a:r>
+              <a:rPr lang="en-US" sz="3200" dirty="0">
+                <a:latin typeface="Calibri" pitchFamily="34" charset="0"/>
+              </a:rPr>
+              <a:t>;</a:t>
+            </a:r>
+          </a:p>
+          <a:p>
+            <a:pPr marL="342900" indent="-342900">
+              <a:spcBef>
+                <a:spcPct val="20000"/>
+              </a:spcBef>
+            </a:pPr>
+            <a:r>
+              <a:rPr lang="en-US" sz="3200" dirty="0">
+                <a:solidFill>
+                  <a:srgbClr val="3333FF"/>
+                </a:solidFill>
+                <a:latin typeface="Calibri" pitchFamily="34" charset="0"/>
+              </a:rPr>
+              <a:t>	var</a:t>
+            </a:r>
+            <a:r>
+              <a:rPr lang="en-US" sz="3200" dirty="0">
+                <a:latin typeface="Calibri" pitchFamily="34" charset="0"/>
+              </a:rPr>
+              <a:t> </a:t>
+            </a:r>
+            <a:r>
+              <a:rPr lang="en-US" sz="3200" dirty="0" err="1">
+                <a:latin typeface="Calibri" pitchFamily="34" charset="0"/>
+              </a:rPr>
+              <a:t>fakedob</a:t>
+            </a:r>
+            <a:r>
+              <a:rPr lang="en-US" sz="3200" dirty="0">
+                <a:latin typeface="Calibri" pitchFamily="34" charset="0"/>
+              </a:rPr>
+              <a:t> race borough;</a:t>
+            </a:r>
+          </a:p>
+          <a:p>
+            <a:pPr marL="342900" indent="-342900">
+              <a:spcBef>
+                <a:spcPct val="20000"/>
+              </a:spcBef>
+            </a:pPr>
+            <a:r>
+              <a:rPr lang="en-US" sz="3200" dirty="0">
+                <a:latin typeface="Calibri" pitchFamily="34" charset="0"/>
+              </a:rPr>
+              <a:t>	</a:t>
+            </a:r>
+            <a:r>
+              <a:rPr lang="en-US" sz="3200" dirty="0">
+                <a:solidFill>
+                  <a:srgbClr val="3333FF"/>
+                </a:solidFill>
+                <a:latin typeface="Calibri" pitchFamily="34" charset="0"/>
+              </a:rPr>
+              <a:t>id</a:t>
+            </a:r>
+            <a:r>
+              <a:rPr lang="en-US" sz="3200" dirty="0">
+                <a:latin typeface="Calibri" pitchFamily="34" charset="0"/>
+              </a:rPr>
+              <a:t> uniqueid;</a:t>
+            </a:r>
+          </a:p>
+          <a:p>
+            <a:pPr marL="342900" indent="-342900">
+              <a:spcBef>
+                <a:spcPct val="20000"/>
+              </a:spcBef>
+            </a:pPr>
+            <a:r>
+              <a:rPr lang="en-US" sz="3200" dirty="0">
+                <a:latin typeface="Calibri" pitchFamily="34" charset="0"/>
+              </a:rPr>
+              <a:t>	</a:t>
+            </a:r>
+            <a:r>
+              <a:rPr lang="en-US" sz="3200" dirty="0">
+                <a:solidFill>
+                  <a:srgbClr val="3333FF"/>
+                </a:solidFill>
+                <a:latin typeface="Calibri" pitchFamily="34" charset="0"/>
+              </a:rPr>
+              <a:t>where</a:t>
+            </a:r>
+            <a:r>
+              <a:rPr lang="en-US" sz="3200" dirty="0">
+                <a:latin typeface="Calibri" pitchFamily="34" charset="0"/>
+              </a:rPr>
+              <a:t> gender = 1;</a:t>
+            </a:r>
+          </a:p>
+          <a:p>
+            <a:pPr marL="342900" indent="-342900">
+              <a:spcBef>
+                <a:spcPct val="20000"/>
+              </a:spcBef>
+            </a:pPr>
+            <a:r>
+              <a:rPr lang="en-US" sz="3200" dirty="0">
+                <a:solidFill>
+                  <a:srgbClr val="000066"/>
+                </a:solidFill>
+                <a:latin typeface="Calibri" pitchFamily="34" charset="0"/>
+              </a:rPr>
+              <a:t>run;</a:t>
+            </a:r>
+          </a:p>
+        </p:txBody>
+      </p:sp>
+      <p:sp>
+        <p:nvSpPr>
+          <p:cNvPr id="2" name="TextBox 1"/>
+          <p:cNvSpPr txBox="1"/>
+          <p:nvPr/>
+        </p:nvSpPr>
+        <p:spPr>
+          <a:xfrm>
+            <a:off x="4876799" y="5181600"/>
+            <a:ext cx="4114801" cy="1015663"/>
+          </a:xfrm>
+          <a:prstGeom prst="rect">
+            <a:avLst/>
+          </a:prstGeom>
+          <a:noFill/>
+        </p:spPr>
+        <p:txBody>
+          <a:bodyPr wrap="square" rtlCol="0">
+            <a:spAutoFit/>
+          </a:bodyPr>
+          <a:lstStyle/>
+          <a:p>
+            <a:r>
+              <a:rPr lang="en-US" sz="2000" b="1" dirty="0">
+                <a:solidFill>
+                  <a:srgbClr val="FF0000"/>
+                </a:solidFill>
+              </a:rPr>
+              <a:t>Here we are telling SAS to print certain variables , but only where gender = 1.</a:t>
+            </a:r>
+          </a:p>
+        </p:txBody>
+      </p:sp>
+    </p:spTree>
+    <p:extLst>
+      <p:ext uri="{BB962C8B-B14F-4D97-AF65-F5344CB8AC3E}">
+        <p14:creationId xmlns:p14="http://schemas.microsoft.com/office/powerpoint/2010/main" val="2855448035"/>
+      </p:ext>
+    </p:extLst>
+  </p:cSld>
+  <p:clrMapOvr>
+    <a:masterClrMapping/>
+  </p:clrMapOvr>
+</p:sld>
+</file>
+
+<file path=ppt/slides/slide29.xml><?xml version="1.0" encoding="utf-8"?>
+<p:sld xmlns:a="http://schemas.openxmlformats.org/drawingml/2006/main" xmlns:r="http://schemas.openxmlformats.org/officeDocument/2006/relationships" xmlns:p="http://schemas.openxmlformats.org/presentationml/2006/main">
+  <p:cSld>
+    <p:spTree>
+      <p:nvGrpSpPr>
+        <p:cNvPr id="1" name=""/>
+        <p:cNvGrpSpPr/>
+        <p:nvPr/>
+      </p:nvGrpSpPr>
+      <p:grpSpPr>
+        <a:xfrm>
+          <a:off x="0" y="0"/>
+          <a:ext cx="0" cy="0"/>
+          <a:chOff x="0" y="0"/>
+          <a:chExt cx="0" cy="0"/>
+        </a:xfrm>
+      </p:grpSpPr>
+      <p:sp>
+        <p:nvSpPr>
           <p:cNvPr id="38913" name="Rectangle 2"/>
           <p:cNvSpPr>
             <a:spLocks noGrp="1" noChangeArrowheads="1"/>
@@ -10797,7 +10921,116 @@
 </p:sld>
 </file>
 
-<file path=ppt/slides/slide29.xml><?xml version="1.0" encoding="utf-8"?>
+<file path=ppt/slides/slide3.xml><?xml version="1.0" encoding="utf-8"?>
+<p:sld xmlns:a="http://schemas.openxmlformats.org/drawingml/2006/main" xmlns:r="http://schemas.openxmlformats.org/officeDocument/2006/relationships" xmlns:p="http://schemas.openxmlformats.org/presentationml/2006/main">
+  <p:cSld>
+    <p:spTree>
+      <p:nvGrpSpPr>
+        <p:cNvPr id="1" name=""/>
+        <p:cNvGrpSpPr/>
+        <p:nvPr/>
+      </p:nvGrpSpPr>
+      <p:grpSpPr>
+        <a:xfrm>
+          <a:off x="0" y="0"/>
+          <a:ext cx="0" cy="0"/>
+          <a:chOff x="0" y="0"/>
+          <a:chExt cx="0" cy="0"/>
+        </a:xfrm>
+      </p:grpSpPr>
+      <p:sp>
+        <p:nvSpPr>
+          <p:cNvPr id="2" name="Title 1"/>
+          <p:cNvSpPr>
+            <a:spLocks noGrp="1"/>
+          </p:cNvSpPr>
+          <p:nvPr>
+            <p:ph type="title"/>
+          </p:nvPr>
+        </p:nvSpPr>
+        <p:spPr/>
+        <p:txBody>
+          <a:bodyPr/>
+          <a:lstStyle/>
+          <a:p>
+            <a:r>
+              <a:rPr lang="en-US" dirty="0"/>
+              <a:t>Review: SAS programs</a:t>
+            </a:r>
+          </a:p>
+        </p:txBody>
+      </p:sp>
+      <p:sp>
+        <p:nvSpPr>
+          <p:cNvPr id="3" name="Content Placeholder 2"/>
+          <p:cNvSpPr>
+            <a:spLocks noGrp="1"/>
+          </p:cNvSpPr>
+          <p:nvPr>
+            <p:ph idx="1"/>
+          </p:nvPr>
+        </p:nvSpPr>
+        <p:spPr/>
+        <p:txBody>
+          <a:bodyPr/>
+          <a:lstStyle/>
+          <a:p>
+            <a:r>
+              <a:rPr lang="en-US" dirty="0"/>
+              <a:t>SAS programs are sequences of statements, executed in order.</a:t>
+            </a:r>
+          </a:p>
+          <a:p>
+            <a:r>
+              <a:rPr lang="en-US" dirty="0"/>
+              <a:t>2 basic components:</a:t>
+            </a:r>
+          </a:p>
+          <a:p>
+            <a:pPr marL="914400" lvl="1" indent="-514350">
+              <a:buFont typeface="+mj-lt"/>
+              <a:buAutoNum type="arabicPeriod"/>
+            </a:pPr>
+            <a:r>
+              <a:rPr lang="en-US" dirty="0"/>
+              <a:t>Data step</a:t>
+            </a:r>
+          </a:p>
+          <a:p>
+            <a:pPr marL="914400" lvl="1" indent="-514350">
+              <a:buFont typeface="+mj-lt"/>
+              <a:buAutoNum type="arabicPeriod"/>
+            </a:pPr>
+            <a:r>
+              <a:rPr lang="en-US" dirty="0"/>
+              <a:t>Proc step</a:t>
+            </a:r>
+          </a:p>
+          <a:p>
+            <a:pPr marL="400050" lvl="1" indent="0">
+              <a:buNone/>
+            </a:pPr>
+            <a:endParaRPr lang="en-US" dirty="0"/>
+          </a:p>
+          <a:p>
+            <a:endParaRPr lang="en-US" dirty="0"/>
+          </a:p>
+        </p:txBody>
+      </p:sp>
+    </p:spTree>
+    <p:extLst>
+      <p:ext uri="{BB962C8B-B14F-4D97-AF65-F5344CB8AC3E}">
+        <p14:creationId xmlns:p14="http://schemas.microsoft.com/office/powerpoint/2010/main" val="2491329238"/>
+      </p:ext>
+    </p:extLst>
+  </p:cSld>
+  <p:clrMapOvr>
+    <a:masterClrMapping/>
+  </p:clrMapOvr>
+</p:sld>
+</file>
+
+<file path=ppt/slides/slide30.xml><?xml version="1.0" encoding="utf-8"?>
 <p:sld xmlns:a="http://schemas.openxmlformats.org/drawingml/2006/main" xmlns:r="http://schemas.openxmlformats.org/officeDocument/2006/relationships" xmlns:p="http://schemas.openxmlformats.org/presentationml/2006/main">
   <p:cSld>
     <p:spTree>
@@ -11243,384 +11476,6 @@
 </p:sld>
 </file>
 
-<file path=ppt/slides/slide3.xml><?xml version="1.0" encoding="utf-8"?>
-<p:sld xmlns:a="http://schemas.openxmlformats.org/drawingml/2006/main" xmlns:r="http://schemas.openxmlformats.org/officeDocument/2006/relationships" xmlns:p="http://schemas.openxmlformats.org/presentationml/2006/main">
-  <p:cSld>
-    <p:spTree>
-      <p:nvGrpSpPr>
-        <p:cNvPr id="1" name=""/>
-        <p:cNvGrpSpPr/>
-        <p:nvPr/>
-      </p:nvGrpSpPr>
-      <p:grpSpPr>
-        <a:xfrm>
-          <a:off x="0" y="0"/>
-          <a:ext cx="0" cy="0"/>
-          <a:chOff x="0" y="0"/>
-          <a:chExt cx="0" cy="0"/>
-        </a:xfrm>
-      </p:grpSpPr>
-      <p:sp>
-        <p:nvSpPr>
-          <p:cNvPr id="2" name="Title 1"/>
-          <p:cNvSpPr>
-            <a:spLocks noGrp="1"/>
-          </p:cNvSpPr>
-          <p:nvPr>
-            <p:ph type="title"/>
-          </p:nvPr>
-        </p:nvSpPr>
-        <p:spPr/>
-        <p:txBody>
-          <a:bodyPr/>
-          <a:lstStyle/>
-          <a:p>
-            <a:r>
-              <a:rPr lang="en-US" dirty="0"/>
-              <a:t>Review: SAS programs</a:t>
-            </a:r>
-          </a:p>
-        </p:txBody>
-      </p:sp>
-      <p:sp>
-        <p:nvSpPr>
-          <p:cNvPr id="3" name="Content Placeholder 2"/>
-          <p:cNvSpPr>
-            <a:spLocks noGrp="1"/>
-          </p:cNvSpPr>
-          <p:nvPr>
-            <p:ph idx="1"/>
-          </p:nvPr>
-        </p:nvSpPr>
-        <p:spPr/>
-        <p:txBody>
-          <a:bodyPr/>
-          <a:lstStyle/>
-          <a:p>
-            <a:r>
-              <a:rPr lang="en-US" dirty="0"/>
-              <a:t>SAS programs are sequences of statements, executed in order.</a:t>
-            </a:r>
-          </a:p>
-          <a:p>
-            <a:r>
-              <a:rPr lang="en-US" dirty="0"/>
-              <a:t>2 basic components:</a:t>
-            </a:r>
-          </a:p>
-          <a:p>
-            <a:pPr marL="914400" lvl="1" indent="-514350">
-              <a:buFont typeface="+mj-lt"/>
-              <a:buAutoNum type="arabicPeriod"/>
-            </a:pPr>
-            <a:r>
-              <a:rPr lang="en-US" dirty="0"/>
-              <a:t>Data step</a:t>
-            </a:r>
-          </a:p>
-          <a:p>
-            <a:pPr marL="914400" lvl="1" indent="-514350">
-              <a:buFont typeface="+mj-lt"/>
-              <a:buAutoNum type="arabicPeriod"/>
-            </a:pPr>
-            <a:r>
-              <a:rPr lang="en-US" dirty="0"/>
-              <a:t>Proc step</a:t>
-            </a:r>
-          </a:p>
-          <a:p>
-            <a:pPr marL="400050" lvl="1" indent="0">
-              <a:buNone/>
-            </a:pPr>
-            <a:endParaRPr lang="en-US" dirty="0"/>
-          </a:p>
-          <a:p>
-            <a:endParaRPr lang="en-US" dirty="0"/>
-          </a:p>
-        </p:txBody>
-      </p:sp>
-    </p:spTree>
-    <p:extLst>
-      <p:ext uri="{BB962C8B-B14F-4D97-AF65-F5344CB8AC3E}">
-        <p14:creationId xmlns:p14="http://schemas.microsoft.com/office/powerpoint/2010/main" val="2491329238"/>
-      </p:ext>
-    </p:extLst>
-  </p:cSld>
-  <p:clrMapOvr>
-    <a:masterClrMapping/>
-  </p:clrMapOvr>
-</p:sld>
-</file>
-
-<file path=ppt/slides/slide30.xml><?xml version="1.0" encoding="utf-8"?>
-<p:sld xmlns:a="http://schemas.openxmlformats.org/drawingml/2006/main" xmlns:r="http://schemas.openxmlformats.org/officeDocument/2006/relationships" xmlns:p="http://schemas.openxmlformats.org/presentationml/2006/main">
-  <p:cSld>
-    <p:spTree>
-      <p:nvGrpSpPr>
-        <p:cNvPr id="1" name=""/>
-        <p:cNvGrpSpPr/>
-        <p:nvPr/>
-      </p:nvGrpSpPr>
-      <p:grpSpPr>
-        <a:xfrm>
-          <a:off x="0" y="0"/>
-          <a:ext cx="0" cy="0"/>
-          <a:chOff x="0" y="0"/>
-          <a:chExt cx="0" cy="0"/>
-        </a:xfrm>
-      </p:grpSpPr>
-      <p:sp>
-        <p:nvSpPr>
-          <p:cNvPr id="51201" name="Rectangle 2"/>
-          <p:cNvSpPr>
-            <a:spLocks noGrp="1" noChangeArrowheads="1"/>
-          </p:cNvSpPr>
-          <p:nvPr>
-            <p:ph type="title"/>
-          </p:nvPr>
-        </p:nvSpPr>
-        <p:spPr/>
-        <p:txBody>
-          <a:bodyPr/>
-          <a:lstStyle/>
-          <a:p>
-            <a:r>
-              <a:rPr lang="en-US" dirty="0"/>
-              <a:t>Creating new variables</a:t>
-            </a:r>
-          </a:p>
-        </p:txBody>
-      </p:sp>
-      <p:sp>
-        <p:nvSpPr>
-          <p:cNvPr id="51202" name="Rectangle 4"/>
-          <p:cNvSpPr>
-            <a:spLocks noChangeArrowheads="1"/>
-          </p:cNvSpPr>
-          <p:nvPr/>
-        </p:nvSpPr>
-        <p:spPr bwMode="auto">
-          <a:xfrm>
-            <a:off x="533400" y="1447800"/>
-            <a:ext cx="8229600" cy="5257800"/>
-          </a:xfrm>
-          <a:prstGeom prst="rect">
-            <a:avLst/>
-          </a:prstGeom>
-          <a:noFill/>
-          <a:ln w="9525">
-            <a:noFill/>
-            <a:miter lim="800000"/>
-            <a:headEnd/>
-            <a:tailEnd/>
-          </a:ln>
-        </p:spPr>
-        <p:txBody>
-          <a:bodyPr/>
-          <a:lstStyle/>
-          <a:p>
-            <a:pPr marL="342900" indent="-342900">
-              <a:spcBef>
-                <a:spcPct val="20000"/>
-              </a:spcBef>
-              <a:buFontTx/>
-              <a:buChar char="•"/>
-            </a:pPr>
-            <a:r>
-              <a:rPr lang="en-US" sz="3200" dirty="0">
-                <a:latin typeface="Calibri" pitchFamily="34" charset="0"/>
-              </a:rPr>
-              <a:t>New variable name:</a:t>
-            </a:r>
-          </a:p>
-          <a:p>
-            <a:pPr marL="800100" lvl="1" indent="-342900">
-              <a:spcBef>
-                <a:spcPct val="20000"/>
-              </a:spcBef>
-              <a:buFontTx/>
-              <a:buChar char="•"/>
-            </a:pPr>
-            <a:r>
-              <a:rPr lang="en-US" sz="3200" dirty="0">
-                <a:latin typeface="Calibri" pitchFamily="34" charset="0"/>
-              </a:rPr>
-              <a:t>Can be up to 32 characters</a:t>
-            </a:r>
-          </a:p>
-          <a:p>
-            <a:pPr marL="800100" lvl="1" indent="-342900">
-              <a:spcBef>
-                <a:spcPct val="20000"/>
-              </a:spcBef>
-              <a:buFontTx/>
-              <a:buChar char="•"/>
-            </a:pPr>
-            <a:r>
-              <a:rPr lang="en-US" sz="3200" dirty="0">
-                <a:latin typeface="Calibri" pitchFamily="34" charset="0"/>
-              </a:rPr>
-              <a:t>Begin with letter or underscore</a:t>
-            </a:r>
-          </a:p>
-          <a:p>
-            <a:pPr marL="800100" lvl="1" indent="-342900">
-              <a:spcBef>
-                <a:spcPct val="20000"/>
-              </a:spcBef>
-              <a:buFontTx/>
-              <a:buChar char="•"/>
-            </a:pPr>
-            <a:r>
-              <a:rPr lang="en-US" sz="3200" dirty="0">
-                <a:latin typeface="Calibri" pitchFamily="34" charset="0"/>
-              </a:rPr>
-              <a:t>Can use lower, upper or mixed case</a:t>
-            </a:r>
-          </a:p>
-          <a:p>
-            <a:pPr marL="342900" indent="-342900">
-              <a:spcBef>
-                <a:spcPct val="20000"/>
-              </a:spcBef>
-              <a:buFontTx/>
-              <a:buChar char="•"/>
-            </a:pPr>
-            <a:r>
-              <a:rPr lang="en-US" sz="3200" dirty="0">
-                <a:latin typeface="Calibri" pitchFamily="34" charset="0"/>
-              </a:rPr>
-              <a:t>Value determines variable type</a:t>
-            </a:r>
-          </a:p>
-          <a:p>
-            <a:pPr marL="742950" lvl="1" indent="-285750">
-              <a:spcBef>
-                <a:spcPct val="20000"/>
-              </a:spcBef>
-              <a:buFontTx/>
-              <a:buChar char="–"/>
-            </a:pPr>
-            <a:r>
-              <a:rPr lang="en-US" sz="2800" dirty="0">
-                <a:latin typeface="Calibri" pitchFamily="34" charset="0"/>
-              </a:rPr>
-              <a:t>Character:  </a:t>
-            </a:r>
-            <a:r>
-              <a:rPr lang="en-US" sz="2800" dirty="0" err="1">
-                <a:latin typeface="Calibri" pitchFamily="34" charset="0"/>
-              </a:rPr>
-              <a:t>Newvariable</a:t>
-            </a:r>
-            <a:r>
-              <a:rPr lang="en-US" sz="2800" dirty="0">
-                <a:latin typeface="Calibri" pitchFamily="34" charset="0"/>
-              </a:rPr>
-              <a:t> = </a:t>
-            </a:r>
-            <a:r>
-              <a:rPr lang="en-US" sz="2800" dirty="0">
-                <a:solidFill>
-                  <a:srgbClr val="993366"/>
-                </a:solidFill>
-                <a:latin typeface="Calibri" pitchFamily="34" charset="0"/>
-              </a:rPr>
-              <a:t>‘text’</a:t>
-            </a:r>
-          </a:p>
-          <a:p>
-            <a:pPr marL="742950" lvl="1" indent="-285750">
-              <a:spcBef>
-                <a:spcPct val="20000"/>
-              </a:spcBef>
-              <a:buFontTx/>
-              <a:buChar char="–"/>
-            </a:pPr>
-            <a:r>
-              <a:rPr lang="en-US" sz="2800" dirty="0">
-                <a:latin typeface="Calibri" pitchFamily="34" charset="0"/>
-              </a:rPr>
-              <a:t>Numeric:     </a:t>
-            </a:r>
-            <a:r>
-              <a:rPr lang="en-US" sz="2800" dirty="0" err="1">
-                <a:latin typeface="Calibri" pitchFamily="34" charset="0"/>
-              </a:rPr>
-              <a:t>Newvariable</a:t>
-            </a:r>
-            <a:r>
-              <a:rPr lang="en-US" sz="2800" dirty="0">
-                <a:latin typeface="Calibri" pitchFamily="34" charset="0"/>
-              </a:rPr>
-              <a:t> = </a:t>
-            </a:r>
-            <a:r>
-              <a:rPr lang="en-US" sz="2800" dirty="0">
-                <a:solidFill>
-                  <a:srgbClr val="339966"/>
-                </a:solidFill>
-                <a:latin typeface="Calibri" pitchFamily="34" charset="0"/>
-              </a:rPr>
-              <a:t>325</a:t>
-            </a:r>
-          </a:p>
-          <a:p>
-            <a:pPr marL="800100" lvl="1" indent="-342900">
-              <a:spcBef>
-                <a:spcPct val="20000"/>
-              </a:spcBef>
-              <a:buFontTx/>
-              <a:buChar char="•"/>
-            </a:pPr>
-            <a:endParaRPr lang="en-US" sz="3200" dirty="0">
-              <a:latin typeface="Calibri" pitchFamily="34" charset="0"/>
-            </a:endParaRPr>
-          </a:p>
-        </p:txBody>
-      </p:sp>
-      <p:sp>
-        <p:nvSpPr>
-          <p:cNvPr id="4" name="TextBox 3"/>
-          <p:cNvSpPr txBox="1"/>
-          <p:nvPr/>
-        </p:nvSpPr>
-        <p:spPr>
-          <a:xfrm>
-            <a:off x="6934200" y="6368534"/>
-            <a:ext cx="1414490" cy="276999"/>
-          </a:xfrm>
-          <a:prstGeom prst="rect">
-            <a:avLst/>
-          </a:prstGeom>
-          <a:noFill/>
-        </p:spPr>
-        <p:txBody>
-          <a:bodyPr wrap="none" rtlCol="0">
-            <a:spAutoFit/>
-          </a:bodyPr>
-          <a:lstStyle/>
-          <a:p>
-            <a:r>
-              <a:rPr lang="en-US" sz="1200" i="1" dirty="0"/>
-              <a:t>Source: M R Pfeiffer</a:t>
-            </a:r>
-          </a:p>
-        </p:txBody>
-      </p:sp>
-    </p:spTree>
-    <p:extLst>
-      <p:ext uri="{BB962C8B-B14F-4D97-AF65-F5344CB8AC3E}">
-        <p14:creationId xmlns:p14="http://schemas.microsoft.com/office/powerpoint/2010/main" val="3913389657"/>
-      </p:ext>
-    </p:extLst>
-  </p:cSld>
-  <p:clrMapOvr>
-    <a:masterClrMapping/>
-  </p:clrMapOvr>
-</p:sld>
-</file>
-
 <file path=ppt/slides/slide31.xml><?xml version="1.0" encoding="utf-8"?>
 <p:sld xmlns:a="http://schemas.openxmlformats.org/drawingml/2006/main" xmlns:r="http://schemas.openxmlformats.org/officeDocument/2006/relationships" xmlns:p="http://schemas.openxmlformats.org/presentationml/2006/main">
   <p:cSld>
@@ -11640,7 +11495,7 @@
       </p:grpSpPr>
       <p:sp>
         <p:nvSpPr>
-          <p:cNvPr id="55297" name="Rectangle 2"/>
+          <p:cNvPr id="51201" name="Rectangle 2"/>
           <p:cNvSpPr>
             <a:spLocks noGrp="1" noChangeArrowheads="1"/>
           </p:cNvSpPr>
@@ -11650,350 +11505,19 @@
         </p:nvSpPr>
         <p:spPr/>
         <p:txBody>
-          <a:bodyPr>
-            <a:normAutofit/>
-          </a:bodyPr>
+          <a:bodyPr/>
           <a:lstStyle/>
           <a:p>
             <a:r>
               <a:rPr lang="en-US" dirty="0"/>
-              <a:t>IF/THEN statements</a:t>
-            </a:r>
-          </a:p>
-        </p:txBody>
-      </p:sp>
-      <p:sp>
-        <p:nvSpPr>
-          <p:cNvPr id="55298" name="Rectangle 3"/>
-          <p:cNvSpPr>
-            <a:spLocks noGrp="1" noChangeArrowheads="1"/>
-          </p:cNvSpPr>
-          <p:nvPr>
-            <p:ph idx="1"/>
-          </p:nvPr>
-        </p:nvSpPr>
-        <p:spPr>
-          <a:xfrm>
-            <a:off x="533400" y="3048000"/>
-            <a:ext cx="8229600" cy="3320534"/>
-          </a:xfrm>
-        </p:spPr>
-        <p:txBody>
-          <a:bodyPr>
-            <a:normAutofit fontScale="92500" lnSpcReduction="10000"/>
-          </a:bodyPr>
-          <a:lstStyle/>
-          <a:p>
-            <a:pPr>
-              <a:lnSpc>
-                <a:spcPct val="90000"/>
-              </a:lnSpc>
-              <a:buFontTx/>
-              <a:buNone/>
-            </a:pPr>
-            <a:r>
-              <a:rPr lang="en-US" sz="2400" b="1" dirty="0">
-                <a:solidFill>
-                  <a:srgbClr val="000066"/>
-                </a:solidFill>
-              </a:rPr>
-              <a:t>Data</a:t>
-            </a:r>
-            <a:r>
-              <a:rPr lang="en-US" sz="2400" dirty="0"/>
-              <a:t> myversion;</a:t>
-            </a:r>
-          </a:p>
-          <a:p>
-            <a:pPr>
-              <a:lnSpc>
-                <a:spcPct val="90000"/>
-              </a:lnSpc>
-              <a:buFontTx/>
-              <a:buNone/>
-            </a:pPr>
-            <a:r>
-              <a:rPr lang="en-US" sz="2400" dirty="0"/>
-              <a:t>	</a:t>
-            </a:r>
-            <a:r>
-              <a:rPr lang="en-US" sz="2400" dirty="0">
-                <a:solidFill>
-                  <a:srgbClr val="3333FF"/>
-                </a:solidFill>
-              </a:rPr>
-              <a:t>set </a:t>
-            </a:r>
-            <a:r>
-              <a:rPr lang="en-US" sz="2400" dirty="0"/>
-              <a:t>classone.classds;</a:t>
-            </a:r>
-          </a:p>
-          <a:p>
-            <a:pPr>
-              <a:lnSpc>
-                <a:spcPct val="90000"/>
-              </a:lnSpc>
-              <a:buFontTx/>
-              <a:buNone/>
-            </a:pPr>
-            <a:endParaRPr lang="en-US" sz="2400" dirty="0"/>
-          </a:p>
-          <a:p>
-            <a:pPr>
-              <a:lnSpc>
-                <a:spcPct val="90000"/>
-              </a:lnSpc>
-              <a:buFontTx/>
-              <a:buNone/>
-            </a:pPr>
-            <a:r>
-              <a:rPr lang="en-US" sz="2400" dirty="0"/>
-              <a:t>	</a:t>
-            </a:r>
-            <a:r>
-              <a:rPr lang="en-US" sz="2400" dirty="0">
-                <a:solidFill>
-                  <a:srgbClr val="3333FF"/>
-                </a:solidFill>
-              </a:rPr>
-              <a:t>if</a:t>
-            </a:r>
-            <a:r>
-              <a:rPr lang="en-US" sz="2400" dirty="0"/>
-              <a:t> location = </a:t>
-            </a:r>
-            <a:r>
-              <a:rPr lang="en-US" sz="2400" dirty="0">
-                <a:solidFill>
-                  <a:srgbClr val="339966"/>
-                </a:solidFill>
-              </a:rPr>
-              <a:t>1</a:t>
-            </a:r>
-            <a:r>
-              <a:rPr lang="en-US" sz="2400" dirty="0"/>
-              <a:t> </a:t>
-            </a:r>
-            <a:r>
-              <a:rPr lang="en-US" sz="2400" dirty="0">
-                <a:solidFill>
-                  <a:srgbClr val="3333FF"/>
-                </a:solidFill>
-              </a:rPr>
-              <a:t>then</a:t>
-            </a:r>
-            <a:r>
-              <a:rPr lang="en-US" sz="2400" dirty="0"/>
-              <a:t> </a:t>
-            </a:r>
-            <a:r>
-              <a:rPr lang="en-US" sz="2400" dirty="0" err="1"/>
-              <a:t>location_group</a:t>
-            </a:r>
-            <a:r>
-              <a:rPr lang="en-US" sz="2400" dirty="0"/>
-              <a:t> =  </a:t>
-            </a:r>
-            <a:r>
-              <a:rPr lang="en-US" sz="2400" dirty="0">
-                <a:solidFill>
-                  <a:srgbClr val="993366"/>
-                </a:solidFill>
-              </a:rPr>
-              <a:t>‘within NYC’</a:t>
-            </a:r>
-            <a:r>
-              <a:rPr lang="en-US" sz="2400" dirty="0"/>
-              <a:t>;</a:t>
-            </a:r>
-          </a:p>
-          <a:p>
-            <a:pPr>
-              <a:lnSpc>
-                <a:spcPct val="90000"/>
-              </a:lnSpc>
-              <a:buNone/>
-            </a:pPr>
-            <a:r>
-              <a:rPr lang="en-US" sz="2400" b="1" dirty="0">
-                <a:solidFill>
-                  <a:srgbClr val="000080"/>
-                </a:solidFill>
-                <a:latin typeface="Calibri" pitchFamily="34" charset="0"/>
-              </a:rPr>
-              <a:t>run</a:t>
-            </a:r>
-            <a:r>
-              <a:rPr lang="en-US" sz="2400" dirty="0">
-                <a:solidFill>
-                  <a:srgbClr val="000000"/>
-                </a:solidFill>
-                <a:latin typeface="Calibri" pitchFamily="34" charset="0"/>
-              </a:rPr>
-              <a:t>;</a:t>
-            </a:r>
-          </a:p>
-          <a:p>
-            <a:pPr>
-              <a:lnSpc>
-                <a:spcPct val="90000"/>
-              </a:lnSpc>
-              <a:buNone/>
-            </a:pPr>
-            <a:endParaRPr lang="en-US" sz="2400" dirty="0">
-              <a:solidFill>
-                <a:srgbClr val="000000"/>
-              </a:solidFill>
-              <a:latin typeface="Calibri" pitchFamily="34" charset="0"/>
-            </a:endParaRPr>
-          </a:p>
-          <a:p>
-            <a:pPr marL="0" indent="0">
-              <a:buNone/>
-            </a:pPr>
-            <a:r>
-              <a:rPr lang="en-US" sz="2400" b="1" dirty="0">
-                <a:solidFill>
-                  <a:srgbClr val="000080"/>
-                </a:solidFill>
-                <a:latin typeface="Calibri" pitchFamily="34" charset="0"/>
-              </a:rPr>
-              <a:t>proc</a:t>
-            </a:r>
-            <a:r>
-              <a:rPr lang="en-US" sz="2400" dirty="0">
-                <a:solidFill>
-                  <a:srgbClr val="000000"/>
-                </a:solidFill>
-                <a:latin typeface="Calibri" pitchFamily="34" charset="0"/>
-              </a:rPr>
-              <a:t> </a:t>
-            </a:r>
-            <a:r>
-              <a:rPr lang="en-US" sz="2400" b="1" dirty="0">
-                <a:solidFill>
-                  <a:srgbClr val="000080"/>
-                </a:solidFill>
-                <a:latin typeface="Calibri" pitchFamily="34" charset="0"/>
-              </a:rPr>
-              <a:t>print</a:t>
-            </a:r>
-            <a:r>
-              <a:rPr lang="en-US" sz="2400" dirty="0">
-                <a:solidFill>
-                  <a:srgbClr val="000000"/>
-                </a:solidFill>
-                <a:latin typeface="Calibri" pitchFamily="34" charset="0"/>
-              </a:rPr>
-              <a:t> </a:t>
-            </a:r>
-            <a:r>
-              <a:rPr lang="en-US" sz="2400" dirty="0">
-                <a:solidFill>
-                  <a:srgbClr val="0000FF"/>
-                </a:solidFill>
-                <a:latin typeface="Calibri" pitchFamily="34" charset="0"/>
-              </a:rPr>
-              <a:t>data</a:t>
-            </a:r>
-            <a:r>
-              <a:rPr lang="en-US" sz="2400" dirty="0">
-                <a:solidFill>
-                  <a:srgbClr val="000000"/>
-                </a:solidFill>
-                <a:latin typeface="Calibri" pitchFamily="34" charset="0"/>
-              </a:rPr>
-              <a:t> = myversion;</a:t>
-            </a:r>
-          </a:p>
-          <a:p>
-            <a:pPr marL="0" indent="0">
-              <a:buNone/>
-            </a:pPr>
-            <a:r>
-              <a:rPr lang="en-US" sz="2400" dirty="0">
-                <a:solidFill>
-                  <a:srgbClr val="000000"/>
-                </a:solidFill>
-                <a:latin typeface="Calibri" pitchFamily="34" charset="0"/>
-              </a:rPr>
-              <a:t>       </a:t>
-            </a:r>
-            <a:r>
-              <a:rPr lang="en-US" sz="2400" dirty="0">
-                <a:solidFill>
-                  <a:srgbClr val="0000FF"/>
-                </a:solidFill>
-                <a:latin typeface="Calibri" pitchFamily="34" charset="0"/>
-              </a:rPr>
-              <a:t>var </a:t>
-            </a:r>
-            <a:r>
-              <a:rPr lang="en-US" sz="2400" dirty="0">
-                <a:solidFill>
-                  <a:srgbClr val="000000"/>
-                </a:solidFill>
-                <a:latin typeface="Calibri" pitchFamily="34" charset="0"/>
-              </a:rPr>
-              <a:t> location  </a:t>
-            </a:r>
-            <a:r>
-              <a:rPr lang="en-US" sz="2400" dirty="0" err="1">
-                <a:solidFill>
-                  <a:srgbClr val="000000"/>
-                </a:solidFill>
-                <a:latin typeface="Calibri" pitchFamily="34" charset="0"/>
-              </a:rPr>
-              <a:t>location_group</a:t>
-            </a:r>
-            <a:r>
-              <a:rPr lang="en-US" sz="2400" dirty="0">
-                <a:solidFill>
-                  <a:srgbClr val="000000"/>
-                </a:solidFill>
-                <a:latin typeface="Calibri" pitchFamily="34" charset="0"/>
-              </a:rPr>
-              <a:t>;</a:t>
-            </a:r>
-          </a:p>
-          <a:p>
-            <a:pPr marL="0" indent="0">
-              <a:buNone/>
-            </a:pPr>
-            <a:r>
-              <a:rPr lang="en-US" sz="2400" b="1" dirty="0">
-                <a:solidFill>
-                  <a:srgbClr val="000080"/>
-                </a:solidFill>
-                <a:latin typeface="Calibri" pitchFamily="34" charset="0"/>
-              </a:rPr>
-              <a:t>run</a:t>
-            </a:r>
-            <a:r>
-              <a:rPr lang="en-US" sz="2400" dirty="0">
-                <a:solidFill>
-                  <a:srgbClr val="000000"/>
-                </a:solidFill>
-                <a:latin typeface="Calibri" pitchFamily="34" charset="0"/>
-              </a:rPr>
-              <a:t>;</a:t>
-            </a:r>
-          </a:p>
-          <a:p>
-            <a:pPr>
-              <a:lnSpc>
-                <a:spcPct val="90000"/>
-              </a:lnSpc>
-              <a:buNone/>
-            </a:pPr>
-            <a:endParaRPr lang="en-US" sz="2400" dirty="0"/>
-          </a:p>
-        </p:txBody>
-      </p:sp>
-      <p:sp>
-        <p:nvSpPr>
-          <p:cNvPr id="55299" name="Rectangle 4"/>
+              <a:t>Creating new variables</a:t>
+            </a:r>
+          </a:p>
+        </p:txBody>
+      </p:sp>
+      <p:sp>
+        <p:nvSpPr>
+          <p:cNvPr id="51202" name="Rectangle 4"/>
           <p:cNvSpPr>
             <a:spLocks noChangeArrowheads="1"/>
           </p:cNvSpPr>
@@ -12001,8 +11525,8 @@
         </p:nvSpPr>
         <p:spPr bwMode="auto">
           <a:xfrm>
-            <a:off x="533400" y="1752600"/>
-            <a:ext cx="8229600" cy="1295400"/>
+            <a:off x="533400" y="1447800"/>
+            <a:ext cx="8229600" cy="5257800"/>
           </a:xfrm>
           <a:prstGeom prst="rect">
             <a:avLst/>
@@ -12030,7 +11554,52 @@
               <a:rPr lang="en-US" sz="3200" dirty="0">
                 <a:latin typeface="Calibri" pitchFamily="34" charset="0"/>
               </a:rPr>
-              <a:t>Executing statements conditionally using If-then logic</a:t>
+              <a:t>New variable name:</a:t>
+            </a:r>
+          </a:p>
+          <a:p>
+            <a:pPr marL="800100" lvl="1" indent="-342900">
+              <a:spcBef>
+                <a:spcPct val="20000"/>
+              </a:spcBef>
+              <a:buFontTx/>
+              <a:buChar char="•"/>
+            </a:pPr>
+            <a:r>
+              <a:rPr lang="en-US" sz="3200" dirty="0">
+                <a:latin typeface="Calibri" pitchFamily="34" charset="0"/>
+              </a:rPr>
+              <a:t>Can be up to 32 characters</a:t>
+            </a:r>
+          </a:p>
+          <a:p>
+            <a:pPr marL="800100" lvl="1" indent="-342900">
+              <a:spcBef>
+                <a:spcPct val="20000"/>
+              </a:spcBef>
+              <a:buFontTx/>
+              <a:buChar char="•"/>
+            </a:pPr>
+            <a:r>
+              <a:rPr lang="en-US" sz="3200" dirty="0">
+                <a:latin typeface="Calibri" pitchFamily="34" charset="0"/>
+              </a:rPr>
+              <a:t>Begin with letter or underscore</a:t>
+            </a:r>
+          </a:p>
+          <a:p>
+            <a:pPr marL="800100" lvl="1" indent="-342900">
+              <a:spcBef>
+                <a:spcPct val="20000"/>
+              </a:spcBef>
+              <a:buFontTx/>
+              <a:buChar char="•"/>
+            </a:pPr>
+            <a:r>
+              <a:rPr lang="en-US" sz="3200" dirty="0">
+                <a:latin typeface="Calibri" pitchFamily="34" charset="0"/>
+              </a:rPr>
+              <a:t>Can use lower, upper or mixed case</a:t>
             </a:r>
           </a:p>
           <a:p>
@@ -12038,20 +11607,106 @@
               <a:spcBef>
                 <a:spcPct val="20000"/>
               </a:spcBef>
+              <a:buFontTx/>
+              <a:buChar char="•"/>
             </a:pPr>
             <a:r>
               <a:rPr lang="en-US" sz="3200" dirty="0">
                 <a:latin typeface="Calibri" pitchFamily="34" charset="0"/>
               </a:rPr>
-              <a:t>	</a:t>
-            </a:r>
+              <a:t>Value determines variable type</a:t>
+            </a:r>
+          </a:p>
+          <a:p>
+            <a:pPr marL="742950" lvl="1" indent="-285750">
+              <a:spcBef>
+                <a:spcPct val="20000"/>
+              </a:spcBef>
+              <a:buFontTx/>
+              <a:buChar char="–"/>
+            </a:pPr>
+            <a:r>
+              <a:rPr lang="en-US" sz="2800" dirty="0">
+                <a:latin typeface="Calibri" pitchFamily="34" charset="0"/>
+              </a:rPr>
+              <a:t>Character:  </a:t>
+            </a:r>
+            <a:r>
+              <a:rPr lang="en-US" sz="2800" dirty="0" err="1">
+                <a:latin typeface="Calibri" pitchFamily="34" charset="0"/>
+              </a:rPr>
+              <a:t>Newvariable</a:t>
+            </a:r>
+            <a:r>
+              <a:rPr lang="en-US" sz="2800" dirty="0">
+                <a:latin typeface="Calibri" pitchFamily="34" charset="0"/>
+              </a:rPr>
+              <a:t> = </a:t>
+            </a:r>
+            <a:r>
+              <a:rPr lang="en-US" sz="2800" dirty="0">
+                <a:solidFill>
+                  <a:srgbClr val="993366"/>
+                </a:solidFill>
+                <a:latin typeface="Calibri" pitchFamily="34" charset="0"/>
+              </a:rPr>
+              <a:t>‘text’</a:t>
+            </a:r>
+          </a:p>
+          <a:p>
+            <a:pPr marL="742950" lvl="1" indent="-285750">
+              <a:spcBef>
+                <a:spcPct val="20000"/>
+              </a:spcBef>
+              <a:buFontTx/>
+              <a:buChar char="–"/>
+            </a:pPr>
+            <a:r>
+              <a:rPr lang="en-US" sz="2800" dirty="0">
+                <a:latin typeface="Calibri" pitchFamily="34" charset="0"/>
+              </a:rPr>
+              <a:t>Numeric:     </a:t>
+            </a:r>
+            <a:r>
+              <a:rPr lang="en-US" sz="2800" dirty="0" err="1">
+                <a:latin typeface="Calibri" pitchFamily="34" charset="0"/>
+              </a:rPr>
+              <a:t>Newvariable</a:t>
+            </a:r>
+            <a:r>
+              <a:rPr lang="en-US" sz="2800" dirty="0">
+                <a:latin typeface="Calibri" pitchFamily="34" charset="0"/>
+              </a:rPr>
+              <a:t> = </a:t>
+            </a:r>
+            <a:r>
+              <a:rPr lang="en-US" sz="2800" dirty="0">
+                <a:solidFill>
+                  <a:srgbClr val="339966"/>
+                </a:solidFill>
+                <a:latin typeface="Calibri" pitchFamily="34" charset="0"/>
+              </a:rPr>
+              <a:t>325</a:t>
+            </a:r>
+          </a:p>
+          <a:p>
+            <a:pPr marL="800100" lvl="1" indent="-342900">
+              <a:spcBef>
+                <a:spcPct val="20000"/>
+              </a:spcBef>
+              <a:buFontTx/>
+              <a:buChar char="•"/>
+            </a:pPr>
+            <a:endParaRPr lang="en-US" sz="3200" dirty="0">
+              <a:latin typeface="Calibri" pitchFamily="34" charset="0"/>
+            </a:endParaRPr>
           </a:p>
         </p:txBody>
       </p:sp>
     </p:spTree>
     <p:extLst>
       <p:ext uri="{BB962C8B-B14F-4D97-AF65-F5344CB8AC3E}">
-        <p14:creationId xmlns:p14="http://schemas.microsoft.com/office/powerpoint/2010/main" val="2352686003"/>
+        <p14:creationId xmlns:p14="http://schemas.microsoft.com/office/powerpoint/2010/main" val="3913389657"/>
       </p:ext>
     </p:extLst>
   </p:cSld>
@@ -12080,7 +11735,7 @@
       </p:grpSpPr>
       <p:sp>
         <p:nvSpPr>
-          <p:cNvPr id="57345" name="Rectangle 2"/>
+          <p:cNvPr id="55297" name="Rectangle 2"/>
           <p:cNvSpPr>
             <a:spLocks noGrp="1" noChangeArrowheads="1"/>
           </p:cNvSpPr>
@@ -12090,19 +11745,21 @@
         </p:nvSpPr>
         <p:spPr/>
         <p:txBody>
-          <a:bodyPr/>
+          <a:bodyPr>
+            <a:normAutofit/>
+          </a:bodyPr>
           <a:lstStyle/>
           <a:p>
             <a:r>
               <a:rPr lang="en-US" dirty="0"/>
-              <a:t>IF/THEN/ELSE statements</a:t>
-            </a:r>
-          </a:p>
-        </p:txBody>
-      </p:sp>
-      <p:sp>
-        <p:nvSpPr>
-          <p:cNvPr id="57346" name="Rectangle 3"/>
+              <a:t>IF/THEN statements</a:t>
+            </a:r>
+          </a:p>
+        </p:txBody>
+      </p:sp>
+      <p:sp>
+        <p:nvSpPr>
+          <p:cNvPr id="55298" name="Rectangle 3"/>
           <p:cNvSpPr>
             <a:spLocks noGrp="1" noChangeArrowheads="1"/>
           </p:cNvSpPr>
@@ -12112,19 +11769,19 @@
         </p:nvSpPr>
         <p:spPr>
           <a:xfrm>
-            <a:off x="457200" y="1524000"/>
-            <a:ext cx="8229600" cy="3581400"/>
+            <a:off x="533400" y="3048000"/>
+            <a:ext cx="8229600" cy="3320534"/>
           </a:xfrm>
         </p:spPr>
         <p:txBody>
           <a:bodyPr>
-            <a:normAutofit lnSpcReduction="10000"/>
+            <a:normAutofit fontScale="92500" lnSpcReduction="10000"/>
           </a:bodyPr>
           <a:lstStyle/>
           <a:p>
             <a:pPr>
               <a:lnSpc>
-                <a:spcPct val="80000"/>
+                <a:spcPct val="90000"/>
               </a:lnSpc>
               <a:buFontTx/>
               <a:buNone/>
@@ -12139,13 +11796,13 @@
             </a:r>
             <a:r>
               <a:rPr lang="en-US" sz="2400" dirty="0"/>
-              <a:t> myversion2;</a:t>
+              <a:t> myversion;</a:t>
             </a:r>
           </a:p>
           <a:p>
             <a:pPr>
               <a:lnSpc>
-                <a:spcPct val="80000"/>
+                <a:spcPct val="90000"/>
               </a:lnSpc>
               <a:buFontTx/>
               <a:buNone/>
@@ -12160,17 +11817,17 @@
                   <a:srgbClr val="3333FF"/>
                 </a:solidFill>
               </a:rPr>
-              <a:t>set</a:t>
+              <a:t>set </a:t>
             </a:r>
             <a:r>
               <a:rPr lang="en-US" sz="2400" dirty="0"/>
-              <a:t> myversion;</a:t>
+              <a:t>classone.classds;</a:t>
             </a:r>
           </a:p>
           <a:p>
             <a:pPr>
               <a:lnSpc>
-                <a:spcPct val="80000"/>
+                <a:spcPct val="90000"/>
               </a:lnSpc>
               <a:buFontTx/>
               <a:buNone/>
@@ -12180,7 +11837,7 @@
           <a:p>
             <a:pPr>
               <a:lnSpc>
-                <a:spcPct val="80000"/>
+                <a:spcPct val="90000"/>
               </a:lnSpc>
               <a:buFontTx/>
               <a:buNone/>
@@ -12231,7 +11888,7 @@
             </a:r>
             <a:r>
               <a:rPr lang="en-US" sz="2400" dirty="0"/>
-              <a:t> = </a:t>
+              <a:t> =  </a:t>
             </a:r>
             <a:r>
               <a:rPr lang="en-US" sz="2400" dirty="0">
@@ -12249,78 +11906,33 @@
           <a:p>
             <a:pPr>
               <a:lnSpc>
-                <a:spcPct val="80000"/>
+                <a:spcPct val="90000"/>
               </a:lnSpc>
-              <a:buFontTx/>
               <a:buNone/>
             </a:pPr>
             <a:r>
-              <a:rPr lang="en-US" sz="2400" dirty="0"/>
-              <a:t>	</a:t>
+              <a:rPr lang="en-US" sz="2400" b="1" dirty="0">
+                <a:solidFill>
+                  <a:srgbClr val="000080"/>
+                </a:solidFill>
+                <a:latin typeface="Calibri" pitchFamily="34" charset="0"/>
+              </a:rPr>
+              <a:t>run</a:t>
             </a:r>
             <a:r>
               <a:rPr lang="en-US" sz="2400" dirty="0">
                 <a:solidFill>
-                  <a:srgbClr val="3333FF"/>
-                </a:solidFill>
-              </a:rPr>
-              <a:t>else</a:t>
-            </a:r>
-            <a:r>
-              <a:rPr lang="en-US" sz="2400" dirty="0"/>
-              <a:t> </a:t>
-            </a:r>
-            <a:r>
-              <a:rPr lang="en-US" sz="2400" dirty="0" err="1"/>
-              <a:t>location_group</a:t>
-            </a:r>
-            <a:r>
-              <a:rPr lang="en-US" sz="2400" dirty="0"/>
-              <a:t> = </a:t>
-            </a:r>
-            <a:r>
-              <a:rPr lang="en-US" sz="2400" dirty="0">
-                <a:solidFill>
-                  <a:srgbClr val="993366"/>
-                </a:solidFill>
-              </a:rPr>
-              <a:t>‘else’</a:t>
-            </a:r>
-            <a:r>
-              <a:rPr lang="en-US" sz="2400" dirty="0"/>
+                  <a:srgbClr val="000000"/>
+                </a:solidFill>
+                <a:latin typeface="Calibri" pitchFamily="34" charset="0"/>
+              </a:rPr>
               <a:t>;</a:t>
             </a:r>
           </a:p>
           <a:p>
             <a:pPr>
               <a:lnSpc>
-                <a:spcPct val="80000"/>
-              </a:lnSpc>
-              <a:buNone/>
-            </a:pPr>
-            <a:r>
-              <a:rPr lang="en-US" sz="2400" b="1" dirty="0">
-                <a:solidFill>
-                  <a:srgbClr val="000080"/>
-                </a:solidFill>
-                <a:latin typeface="Calibri" pitchFamily="34" charset="0"/>
-              </a:rPr>
-              <a:t>run</a:t>
-            </a:r>
-            <a:r>
-              <a:rPr lang="en-US" sz="2400" dirty="0">
-                <a:solidFill>
-                  <a:srgbClr val="000000"/>
-                </a:solidFill>
-                <a:latin typeface="Calibri" pitchFamily="34" charset="0"/>
-              </a:rPr>
-              <a:t>;</a:t>
-            </a:r>
-          </a:p>
-          <a:p>
-            <a:pPr>
-              <a:lnSpc>
-                <a:spcPct val="80000"/>
+                <a:spcPct val="90000"/>
               </a:lnSpc>
               <a:buNone/>
             </a:pPr>
@@ -12387,7 +11999,7 @@
                 </a:solidFill>
                 <a:latin typeface="Calibri" pitchFamily="34" charset="0"/>
               </a:rPr>
-              <a:t> = myversion2;</a:t>
+              <a:t> = myversion;</a:t>
             </a:r>
           </a:p>
           <a:p>
@@ -12410,7 +12022,7 @@
                 </a:solidFill>
                 <a:latin typeface="Calibri" pitchFamily="34" charset="0"/>
               </a:rPr>
-              <a:t>var</a:t>
+              <a:t>var </a:t>
             </a:r>
             <a:r>
               <a:rPr lang="en-US" sz="2400" dirty="0">
@@ -12419,7 +12031,7 @@
                 </a:solidFill>
                 <a:latin typeface="Calibri" pitchFamily="34" charset="0"/>
               </a:rPr>
-              <a:t> </a:t>
+              <a:t> location  </a:t>
             </a:r>
             <a:r>
               <a:rPr lang="en-US" sz="2400" dirty="0" err="1">
@@ -12466,81 +12078,67 @@
           <a:p>
             <a:pPr>
               <a:lnSpc>
-                <a:spcPct val="80000"/>
+                <a:spcPct val="90000"/>
               </a:lnSpc>
               <a:buNone/>
             </a:pPr>
-            <a:endParaRPr lang="en-US" sz="2400" dirty="0">
-              <a:latin typeface="Calibri" pitchFamily="34" charset="0"/>
-            </a:endParaRPr>
-          </a:p>
-          <a:p>
-            <a:pPr>
-              <a:lnSpc>
-                <a:spcPct val="80000"/>
-              </a:lnSpc>
-              <a:buFontTx/>
-              <a:buNone/>
-            </a:pPr>
             <a:endParaRPr lang="en-US" sz="2400" dirty="0"/>
           </a:p>
-          <a:p>
-            <a:pPr>
-              <a:lnSpc>
-                <a:spcPct val="80000"/>
-              </a:lnSpc>
-              <a:buFontTx/>
-              <a:buNone/>
-            </a:pPr>
-            <a:endParaRPr lang="en-US" sz="2400" dirty="0"/>
-          </a:p>
-          <a:p>
-            <a:pPr>
-              <a:lnSpc>
-                <a:spcPct val="80000"/>
-              </a:lnSpc>
-              <a:buFontTx/>
-              <a:buNone/>
-            </a:pPr>
-            <a:endParaRPr lang="en-US" sz="2400" dirty="0"/>
-          </a:p>
-          <a:p>
-            <a:pPr>
-              <a:lnSpc>
-                <a:spcPct val="80000"/>
-              </a:lnSpc>
-              <a:buFontTx/>
-              <a:buNone/>
-            </a:pPr>
-            <a:endParaRPr lang="en-US" sz="2400" dirty="0"/>
-          </a:p>
-        </p:txBody>
-      </p:sp>
-      <p:sp>
-        <p:nvSpPr>
-          <p:cNvPr id="4" name="TextBox 3"/>
-          <p:cNvSpPr txBox="1"/>
+        </p:txBody>
+      </p:sp>
+      <p:sp>
+        <p:nvSpPr>
+          <p:cNvPr id="55299" name="Rectangle 4"/>
+          <p:cNvSpPr>
+            <a:spLocks noChangeArrowheads="1"/>
+          </p:cNvSpPr>
           <p:nvPr/>
         </p:nvSpPr>
-        <p:spPr>
+        <p:spPr bwMode="auto">
           <a:xfrm>
-            <a:off x="6934200" y="6368534"/>
-            <a:ext cx="1414490" cy="276999"/>
+            <a:off x="533400" y="1752600"/>
+            <a:ext cx="8229600" cy="1295400"/>
           </a:xfrm>
           <a:prstGeom prst="rect">
             <a:avLst/>
           </a:prstGeom>
           <a:noFill/>
+          <a:ln w="9525">
+            <a:noFill/>
+            <a:miter lim="800000"/>
+            <a:headEnd/>
+            <a:tailEnd/>
+          </a:ln>
         </p:spPr>
         <p:txBody>
-          <a:bodyPr wrap="none" rtlCol="0">
-            <a:spAutoFit/>
-          </a:bodyPr>
-          <a:lstStyle/>
-          <a:p>
-            <a:r>
-              <a:rPr lang="en-US" sz="1200" i="1" dirty="0"/>
-              <a:t>Source: M R Pfeiffer</a:t>
+          <a:bodyPr/>
+          <a:lstStyle/>
+          <a:p>
+            <a:pPr marL="342900" indent="-342900">
+              <a:spcBef>
+                <a:spcPct val="20000"/>
+              </a:spcBef>
+              <a:buFontTx/>
+              <a:buChar char="•"/>
+            </a:pPr>
+            <a:r>
+              <a:rPr lang="en-US" sz="3200" dirty="0">
+                <a:latin typeface="Calibri" pitchFamily="34" charset="0"/>
+              </a:rPr>
+              <a:t>Executing statements conditionally using If-then logic</a:t>
+            </a:r>
+          </a:p>
+          <a:p>
+            <a:pPr marL="342900" indent="-342900">
+              <a:spcBef>
+                <a:spcPct val="20000"/>
+              </a:spcBef>
+            </a:pPr>
+            <a:r>
+              <a:rPr lang="en-US" sz="3200" dirty="0">
+                <a:latin typeface="Calibri" pitchFamily="34" charset="0"/>
+              </a:rPr>
+              <a:t>	</a:t>
             </a:r>
           </a:p>
         </p:txBody>
@@ -12548,7 +12146,7 @@
     </p:spTree>
     <p:extLst>
       <p:ext uri="{BB962C8B-B14F-4D97-AF65-F5344CB8AC3E}">
-        <p14:creationId xmlns:p14="http://schemas.microsoft.com/office/powerpoint/2010/main" val="469426674"/>
+        <p14:creationId xmlns:p14="http://schemas.microsoft.com/office/powerpoint/2010/main" val="2352686003"/>
       </p:ext>
     </p:extLst>
   </p:cSld>
@@ -12577,6 +12175,474 @@
       </p:grpSpPr>
       <p:sp>
         <p:nvSpPr>
+          <p:cNvPr id="57345" name="Rectangle 2"/>
+          <p:cNvSpPr>
+            <a:spLocks noGrp="1" noChangeArrowheads="1"/>
+          </p:cNvSpPr>
+          <p:nvPr>
+            <p:ph type="title"/>
+          </p:nvPr>
+        </p:nvSpPr>
+        <p:spPr/>
+        <p:txBody>
+          <a:bodyPr/>
+          <a:lstStyle/>
+          <a:p>
+            <a:r>
+              <a:rPr lang="en-US" dirty="0"/>
+              <a:t>IF/THEN/ELSE statements</a:t>
+            </a:r>
+          </a:p>
+        </p:txBody>
+      </p:sp>
+      <p:sp>
+        <p:nvSpPr>
+          <p:cNvPr id="57346" name="Rectangle 3"/>
+          <p:cNvSpPr>
+            <a:spLocks noGrp="1" noChangeArrowheads="1"/>
+          </p:cNvSpPr>
+          <p:nvPr>
+            <p:ph idx="1"/>
+          </p:nvPr>
+        </p:nvSpPr>
+        <p:spPr>
+          <a:xfrm>
+            <a:off x="457200" y="1524000"/>
+            <a:ext cx="8229600" cy="3581400"/>
+          </a:xfrm>
+        </p:spPr>
+        <p:txBody>
+          <a:bodyPr>
+            <a:normAutofit lnSpcReduction="10000"/>
+          </a:bodyPr>
+          <a:lstStyle/>
+          <a:p>
+            <a:pPr>
+              <a:lnSpc>
+                <a:spcPct val="80000"/>
+              </a:lnSpc>
+              <a:buFontTx/>
+              <a:buNone/>
+            </a:pPr>
+            <a:r>
+              <a:rPr lang="en-US" sz="2400" b="1" dirty="0">
+                <a:solidFill>
+                  <a:srgbClr val="000066"/>
+                </a:solidFill>
+              </a:rPr>
+              <a:t>Data</a:t>
+            </a:r>
+            <a:r>
+              <a:rPr lang="en-US" sz="2400" dirty="0"/>
+              <a:t> myversion2;</a:t>
+            </a:r>
+          </a:p>
+          <a:p>
+            <a:pPr>
+              <a:lnSpc>
+                <a:spcPct val="80000"/>
+              </a:lnSpc>
+              <a:buFontTx/>
+              <a:buNone/>
+            </a:pPr>
+            <a:r>
+              <a:rPr lang="en-US" sz="2400" dirty="0"/>
+              <a:t>	</a:t>
+            </a:r>
+            <a:r>
+              <a:rPr lang="en-US" sz="2400" dirty="0">
+                <a:solidFill>
+                  <a:srgbClr val="3333FF"/>
+                </a:solidFill>
+              </a:rPr>
+              <a:t>set</a:t>
+            </a:r>
+            <a:r>
+              <a:rPr lang="en-US" sz="2400" dirty="0"/>
+              <a:t> myversion;</a:t>
+            </a:r>
+          </a:p>
+          <a:p>
+            <a:pPr>
+              <a:lnSpc>
+                <a:spcPct val="80000"/>
+              </a:lnSpc>
+              <a:buFontTx/>
+              <a:buNone/>
+            </a:pPr>
+            <a:endParaRPr lang="en-US" sz="2400" dirty="0"/>
+          </a:p>
+          <a:p>
+            <a:pPr>
+              <a:lnSpc>
+                <a:spcPct val="80000"/>
+              </a:lnSpc>
+              <a:buFontTx/>
+              <a:buNone/>
+            </a:pPr>
+            <a:r>
+              <a:rPr lang="en-US" sz="2400" dirty="0"/>
+              <a:t>	</a:t>
+            </a:r>
+            <a:r>
+              <a:rPr lang="en-US" sz="2400" dirty="0">
+                <a:solidFill>
+                  <a:srgbClr val="3333FF"/>
+                </a:solidFill>
+              </a:rPr>
+              <a:t>if</a:t>
+            </a:r>
+            <a:r>
+              <a:rPr lang="en-US" sz="2400" dirty="0"/>
+              <a:t> location = </a:t>
+            </a:r>
+            <a:r>
+              <a:rPr lang="en-US" sz="2400" dirty="0">
+                <a:solidFill>
+                  <a:srgbClr val="339966"/>
+                </a:solidFill>
+              </a:rPr>
+              <a:t>1</a:t>
+            </a:r>
+            <a:r>
+              <a:rPr lang="en-US" sz="2400" dirty="0"/>
+              <a:t> </a:t>
+            </a:r>
+            <a:r>
+              <a:rPr lang="en-US" sz="2400" dirty="0">
+                <a:solidFill>
+                  <a:srgbClr val="3333FF"/>
+                </a:solidFill>
+              </a:rPr>
+              <a:t>then</a:t>
+            </a:r>
+            <a:r>
+              <a:rPr lang="en-US" sz="2400" dirty="0"/>
+              <a:t> </a:t>
+            </a:r>
+            <a:r>
+              <a:rPr lang="en-US" sz="2400" dirty="0" err="1"/>
+              <a:t>location_group</a:t>
+            </a:r>
+            <a:r>
+              <a:rPr lang="en-US" sz="2400" dirty="0"/>
+              <a:t> = </a:t>
+            </a:r>
+            <a:r>
+              <a:rPr lang="en-US" sz="2400" dirty="0">
+                <a:solidFill>
+                  <a:srgbClr val="993366"/>
+                </a:solidFill>
+              </a:rPr>
+              <a:t>‘within NYC’</a:t>
+            </a:r>
+            <a:r>
+              <a:rPr lang="en-US" sz="2400" dirty="0"/>
+              <a:t>;</a:t>
+            </a:r>
+          </a:p>
+          <a:p>
+            <a:pPr>
+              <a:lnSpc>
+                <a:spcPct val="80000"/>
+              </a:lnSpc>
+              <a:buFontTx/>
+              <a:buNone/>
+            </a:pPr>
+            <a:r>
+              <a:rPr lang="en-US" sz="2400" dirty="0"/>
+              <a:t>	</a:t>
+            </a:r>
+            <a:r>
+              <a:rPr lang="en-US" sz="2400" dirty="0">
+                <a:solidFill>
+                  <a:srgbClr val="3333FF"/>
+                </a:solidFill>
+              </a:rPr>
+              <a:t>else</a:t>
+            </a:r>
+            <a:r>
+              <a:rPr lang="en-US" sz="2400" dirty="0"/>
+              <a:t> </a:t>
+            </a:r>
+            <a:r>
+              <a:rPr lang="en-US" sz="2400" dirty="0" err="1"/>
+              <a:t>location_group</a:t>
+            </a:r>
+            <a:r>
+              <a:rPr lang="en-US" sz="2400" dirty="0"/>
+              <a:t> = </a:t>
+            </a:r>
+            <a:r>
+              <a:rPr lang="en-US" sz="2400" dirty="0">
+                <a:solidFill>
+                  <a:srgbClr val="993366"/>
+                </a:solidFill>
+              </a:rPr>
+              <a:t>‘else’</a:t>
+            </a:r>
+            <a:r>
+              <a:rPr lang="en-US" sz="2400" dirty="0"/>
+              <a:t>;</a:t>
+            </a:r>
+          </a:p>
+          <a:p>
+            <a:pPr>
+              <a:lnSpc>
+                <a:spcPct val="80000"/>
+              </a:lnSpc>
+              <a:buNone/>
+            </a:pPr>
+            <a:r>
+              <a:rPr lang="en-US" sz="2400" b="1" dirty="0">
+                <a:solidFill>
+                  <a:srgbClr val="000080"/>
+                </a:solidFill>
+                <a:latin typeface="Calibri" pitchFamily="34" charset="0"/>
+              </a:rPr>
+              <a:t>run</a:t>
+            </a:r>
+            <a:r>
+              <a:rPr lang="en-US" sz="2400" dirty="0">
+                <a:solidFill>
+                  <a:srgbClr val="000000"/>
+                </a:solidFill>
+                <a:latin typeface="Calibri" pitchFamily="34" charset="0"/>
+              </a:rPr>
+              <a:t>;</a:t>
+            </a:r>
+          </a:p>
+          <a:p>
+            <a:pPr>
+              <a:lnSpc>
+                <a:spcPct val="80000"/>
+              </a:lnSpc>
+              <a:buNone/>
+            </a:pPr>
+            <a:endParaRPr lang="en-US" sz="2400" dirty="0">
+              <a:solidFill>
+                <a:srgbClr val="000000"/>
+              </a:solidFill>
+              <a:latin typeface="Calibri" pitchFamily="34" charset="0"/>
+            </a:endParaRPr>
+          </a:p>
+          <a:p>
+            <a:pPr marL="0" indent="0">
+              <a:buNone/>
+            </a:pPr>
+            <a:r>
+              <a:rPr lang="en-US" sz="2400" b="1" dirty="0">
+                <a:solidFill>
+                  <a:srgbClr val="000080"/>
+                </a:solidFill>
+                <a:latin typeface="Calibri" pitchFamily="34" charset="0"/>
+              </a:rPr>
+              <a:t>proc</a:t>
+            </a:r>
+            <a:r>
+              <a:rPr lang="en-US" sz="2400" dirty="0">
+                <a:solidFill>
+                  <a:srgbClr val="000000"/>
+                </a:solidFill>
+                <a:latin typeface="Calibri" pitchFamily="34" charset="0"/>
+              </a:rPr>
+              <a:t> </a:t>
+            </a:r>
+            <a:r>
+              <a:rPr lang="en-US" sz="2400" b="1" dirty="0">
+                <a:solidFill>
+                  <a:srgbClr val="000080"/>
+                </a:solidFill>
+                <a:latin typeface="Calibri" pitchFamily="34" charset="0"/>
+              </a:rPr>
+              <a:t>print</a:t>
+            </a:r>
+            <a:r>
+              <a:rPr lang="en-US" sz="2400" dirty="0">
+                <a:solidFill>
+                  <a:srgbClr val="000000"/>
+                </a:solidFill>
+                <a:latin typeface="Calibri" pitchFamily="34" charset="0"/>
+              </a:rPr>
+              <a:t> </a:t>
+            </a:r>
+            <a:r>
+              <a:rPr lang="en-US" sz="2400" dirty="0">
+                <a:solidFill>
+                  <a:srgbClr val="0000FF"/>
+                </a:solidFill>
+                <a:latin typeface="Calibri" pitchFamily="34" charset="0"/>
+              </a:rPr>
+              <a:t>data</a:t>
+            </a:r>
+            <a:r>
+              <a:rPr lang="en-US" sz="2400" dirty="0">
+                <a:solidFill>
+                  <a:srgbClr val="000000"/>
+                </a:solidFill>
+                <a:latin typeface="Calibri" pitchFamily="34" charset="0"/>
+              </a:rPr>
+              <a:t> = myversion2;</a:t>
+            </a:r>
+          </a:p>
+          <a:p>
+            <a:pPr marL="0" indent="0">
+              <a:buNone/>
+            </a:pPr>
+            <a:r>
+              <a:rPr lang="en-US" sz="2400" dirty="0">
+                <a:solidFill>
+                  <a:srgbClr val="000000"/>
+                </a:solidFill>
+                <a:latin typeface="Calibri" pitchFamily="34" charset="0"/>
+              </a:rPr>
+              <a:t>       </a:t>
+            </a:r>
+            <a:r>
+              <a:rPr lang="en-US" sz="2400" dirty="0">
+                <a:solidFill>
+                  <a:srgbClr val="0000FF"/>
+                </a:solidFill>
+                <a:latin typeface="Calibri" pitchFamily="34" charset="0"/>
+              </a:rPr>
+              <a:t>var</a:t>
+            </a:r>
+            <a:r>
+              <a:rPr lang="en-US" sz="2400" dirty="0">
+                <a:solidFill>
+                  <a:srgbClr val="000000"/>
+                </a:solidFill>
+                <a:latin typeface="Calibri" pitchFamily="34" charset="0"/>
+              </a:rPr>
+              <a:t> </a:t>
+            </a:r>
+            <a:r>
+              <a:rPr lang="en-US" sz="2400" dirty="0" err="1">
+                <a:solidFill>
+                  <a:srgbClr val="000000"/>
+                </a:solidFill>
+                <a:latin typeface="Calibri" pitchFamily="34" charset="0"/>
+              </a:rPr>
+              <a:t>location_group</a:t>
+            </a:r>
+            <a:r>
+              <a:rPr lang="en-US" sz="2400" dirty="0">
+                <a:solidFill>
+                  <a:srgbClr val="000000"/>
+                </a:solidFill>
+                <a:latin typeface="Calibri" pitchFamily="34" charset="0"/>
+              </a:rPr>
+              <a:t>;</a:t>
+            </a:r>
+          </a:p>
+          <a:p>
+            <a:pPr marL="0" indent="0">
+              <a:buNone/>
+            </a:pPr>
+            <a:r>
+              <a:rPr lang="en-US" sz="2400" b="1" dirty="0">
+                <a:solidFill>
+                  <a:srgbClr val="000080"/>
+                </a:solidFill>
+                <a:latin typeface="Calibri" pitchFamily="34" charset="0"/>
+              </a:rPr>
+              <a:t>run</a:t>
+            </a:r>
+            <a:r>
+              <a:rPr lang="en-US" sz="2400" dirty="0">
+                <a:solidFill>
+                  <a:srgbClr val="000000"/>
+                </a:solidFill>
+                <a:latin typeface="Calibri" pitchFamily="34" charset="0"/>
+              </a:rPr>
+              <a:t>;</a:t>
+            </a:r>
+          </a:p>
+          <a:p>
+            <a:pPr>
+              <a:lnSpc>
+                <a:spcPct val="80000"/>
+              </a:lnSpc>
+              <a:buNone/>
+            </a:pPr>
+            <a:endParaRPr lang="en-US" sz="2400" dirty="0">
+              <a:latin typeface="Calibri" pitchFamily="34" charset="0"/>
+            </a:endParaRPr>
+          </a:p>
+          <a:p>
+            <a:pPr>
+              <a:lnSpc>
+                <a:spcPct val="80000"/>
+              </a:lnSpc>
+              <a:buFontTx/>
+              <a:buNone/>
+            </a:pPr>
+            <a:endParaRPr lang="en-US" sz="2400" dirty="0"/>
+          </a:p>
+          <a:p>
+            <a:pPr>
+              <a:lnSpc>
+                <a:spcPct val="80000"/>
+              </a:lnSpc>
+              <a:buFontTx/>
+              <a:buNone/>
+            </a:pPr>
+            <a:endParaRPr lang="en-US" sz="2400" dirty="0"/>
+          </a:p>
+          <a:p>
+            <a:pPr>
+              <a:lnSpc>
+                <a:spcPct val="80000"/>
+              </a:lnSpc>
+              <a:buFontTx/>
+              <a:buNone/>
+            </a:pPr>
+            <a:endParaRPr lang="en-US" sz="2400" dirty="0"/>
+          </a:p>
+          <a:p>
+            <a:pPr>
+              <a:lnSpc>
+                <a:spcPct val="80000"/>
+              </a:lnSpc>
+              <a:buFontTx/>
+              <a:buNone/>
+            </a:pPr>
+            <a:endParaRPr lang="en-US" sz="2400" dirty="0"/>
+          </a:p>
+        </p:txBody>
+      </p:sp>
+    </p:spTree>
+    <p:extLst>
+      <p:ext uri="{BB962C8B-B14F-4D97-AF65-F5344CB8AC3E}">
+        <p14:creationId xmlns:p14="http://schemas.microsoft.com/office/powerpoint/2010/main" val="469426674"/>
+      </p:ext>
+    </p:extLst>
+  </p:cSld>
+  <p:clrMapOvr>
+    <a:masterClrMapping/>
+  </p:clrMapOvr>
+</p:sld>
+</file>
+
+<file path=ppt/slides/slide34.xml><?xml version="1.0" encoding="utf-8"?>
+<p:sld xmlns:a="http://schemas.openxmlformats.org/drawingml/2006/main" xmlns:r="http://schemas.openxmlformats.org/officeDocument/2006/relationships" xmlns:p="http://schemas.openxmlformats.org/presentationml/2006/main">
+  <p:cSld>
+    <p:spTree>
+      <p:nvGrpSpPr>
+        <p:cNvPr id="1" name=""/>
+        <p:cNvGrpSpPr/>
+        <p:nvPr/>
+      </p:nvGrpSpPr>
+      <p:grpSpPr>
+        <a:xfrm>
+          <a:off x="0" y="0"/>
+          <a:ext cx="0" cy="0"/>
+          <a:chOff x="0" y="0"/>
+          <a:chExt cx="0" cy="0"/>
+        </a:xfrm>
+      </p:grpSpPr>
+      <p:sp>
+        <p:nvSpPr>
           <p:cNvPr id="59393" name="Rectangle 2"/>
           <p:cNvSpPr>
             <a:spLocks noGrp="1" noChangeArrowheads="1"/>
@@ -13388,35 +13454,6 @@
             <a:endParaRPr lang="en-US" sz="2200" dirty="0">
               <a:latin typeface="Calibri" pitchFamily="34" charset="0"/>
             </a:endParaRPr>
-          </a:p>
-        </p:txBody>
-      </p:sp>
-      <p:sp>
-        <p:nvSpPr>
-          <p:cNvPr id="4" name="TextBox 3"/>
-          <p:cNvSpPr txBox="1"/>
-          <p:nvPr/>
-        </p:nvSpPr>
-        <p:spPr>
-          <a:xfrm>
-            <a:off x="6934200" y="6368534"/>
-            <a:ext cx="1414490" cy="276999"/>
-          </a:xfrm>
-          <a:prstGeom prst="rect">
-            <a:avLst/>
-          </a:prstGeom>
-          <a:noFill/>
-        </p:spPr>
-        <p:txBody>
-          <a:bodyPr wrap="none" rtlCol="0">
-            <a:spAutoFit/>
-          </a:bodyPr>
-          <a:lstStyle/>
-          <a:p>
-            <a:r>
-              <a:rPr lang="en-US" sz="1200" i="1" dirty="0"/>
-              <a:t>Source: M R Pfeiffer</a:t>
-            </a:r>
           </a:p>
         </p:txBody>
       </p:sp>
@@ -13466,6 +13503,191 @@
           <a:lstStyle/>
           <a:p>
             <a:r>
+              <a:rPr lang="en-US" dirty="0" smtClean="0"/>
+              <a:t>Finding your files </a:t>
+            </a:r>
+            <a:endParaRPr lang="en-US" dirty="0"/>
+          </a:p>
+        </p:txBody>
+      </p:sp>
+      <p:sp>
+        <p:nvSpPr>
+          <p:cNvPr id="3" name="Content Placeholder 2"/>
+          <p:cNvSpPr>
+            <a:spLocks noGrp="1"/>
+          </p:cNvSpPr>
+          <p:nvPr>
+            <p:ph idx="1"/>
+          </p:nvPr>
+        </p:nvSpPr>
+        <p:spPr/>
+        <p:txBody>
+          <a:bodyPr/>
+          <a:lstStyle/>
+          <a:p>
+            <a:r>
+              <a:rPr lang="en-US" dirty="0" smtClean="0"/>
+              <a:t>[</a:t>
+            </a:r>
+            <a:r>
+              <a:rPr lang="en-US" b="1" dirty="0" smtClean="0">
+                <a:solidFill>
+                  <a:srgbClr val="002060"/>
+                </a:solidFill>
+              </a:rPr>
+              <a:t>Right Click</a:t>
+            </a:r>
+            <a:r>
+              <a:rPr lang="en-US" dirty="0" smtClean="0"/>
+              <a:t>] on file &gt; “</a:t>
+            </a:r>
+            <a:r>
+              <a:rPr lang="en-US" i="1" dirty="0" smtClean="0"/>
+              <a:t>Properties</a:t>
+            </a:r>
+            <a:r>
+              <a:rPr lang="en-US" dirty="0" smtClean="0"/>
+              <a:t>” : Location</a:t>
+            </a:r>
+          </a:p>
+          <a:p>
+            <a:r>
+              <a:rPr lang="en-US" dirty="0" smtClean="0"/>
+              <a:t>Browse to folder &gt; click on </a:t>
+            </a:r>
+            <a:r>
+              <a:rPr lang="en-US" dirty="0" smtClean="0">
+                <a:solidFill>
+                  <a:srgbClr val="00B050"/>
+                </a:solidFill>
+              </a:rPr>
+              <a:t>Windows Explorer</a:t>
+            </a:r>
+            <a:r>
+              <a:rPr lang="en-US" dirty="0" smtClean="0"/>
+              <a:t> Address bar</a:t>
+            </a:r>
+          </a:p>
+          <a:p>
+            <a:r>
+              <a:rPr lang="en-US" dirty="0" smtClean="0"/>
+              <a:t>[</a:t>
+            </a:r>
+            <a:r>
+              <a:rPr lang="en-US" b="1" dirty="0" smtClean="0">
+                <a:solidFill>
+                  <a:srgbClr val="002060"/>
+                </a:solidFill>
+              </a:rPr>
+              <a:t>Shift</a:t>
+            </a:r>
+            <a:r>
+              <a:rPr lang="en-US" dirty="0" smtClean="0"/>
+              <a:t>] + [</a:t>
+            </a:r>
+            <a:r>
+              <a:rPr lang="en-US" b="1" dirty="0" smtClean="0">
+                <a:solidFill>
+                  <a:srgbClr val="002060"/>
+                </a:solidFill>
+              </a:rPr>
+              <a:t>Right Click</a:t>
+            </a:r>
+            <a:r>
+              <a:rPr lang="en-US" dirty="0" smtClean="0"/>
+              <a:t>] &gt; “Copy as path”</a:t>
+            </a:r>
+            <a:endParaRPr lang="en-US" dirty="0"/>
+          </a:p>
+        </p:txBody>
+      </p:sp>
+      <p:pic>
+        <p:nvPicPr>
+          <p:cNvPr id="1026" name="Picture 2" descr="C:\Users\Hunter\AppData\Local\Microsoft\Windows\Temporary Internet Files\Content.IE5\J75SFBEI\1279643371[1].png"/>
+          <p:cNvPicPr>
+            <a:picLocks noChangeAspect="1" noChangeArrowheads="1"/>
+          </p:cNvPicPr>
+          <p:nvPr/>
+        </p:nvPicPr>
+        <p:blipFill>
+          <a:blip r:embed="rId2" cstate="print">
+            <a:extLst>
+              <a:ext uri="{28A0092B-C50C-407E-A947-70E740481C1C}">
+                <a14:useLocalDpi xmlns:a14="http://schemas.microsoft.com/office/drawing/2010/main" val="0"/>
+              </a:ext>
+            </a:extLst>
+          </a:blip>
+          <a:srcRect/>
+          <a:stretch>
+            <a:fillRect/>
+          </a:stretch>
+        </p:blipFill>
+        <p:spPr bwMode="auto">
+          <a:xfrm>
+            <a:off x="7142479" y="5029200"/>
+            <a:ext cx="1629599" cy="1267692"/>
+          </a:xfrm>
+          <a:prstGeom prst="rect">
+            <a:avLst/>
+          </a:prstGeom>
+          <a:noFill/>
+          <a:extLst>
+            <a:ext uri="{909E8E84-426E-40DD-AFC4-6F175D3DCCD1}">
+              <a14:hiddenFill xmlns:a14="http://schemas.microsoft.com/office/drawing/2010/main">
+                <a:solidFill>
+                  <a:srgbClr val="FFFFFF"/>
+                </a:solidFill>
+              </a14:hiddenFill>
+            </a:ext>
+          </a:extLst>
+        </p:spPr>
+      </p:pic>
+    </p:spTree>
+    <p:extLst>
+      <p:ext uri="{BB962C8B-B14F-4D97-AF65-F5344CB8AC3E}">
+        <p14:creationId xmlns:p14="http://schemas.microsoft.com/office/powerpoint/2010/main" val="4152533872"/>
+      </p:ext>
+    </p:extLst>
+  </p:cSld>
+  <p:clrMapOvr>
+    <a:masterClrMapping/>
+  </p:clrMapOvr>
+</p:sld>
+</file>
+
+<file path=ppt/slides/slide5.xml><?xml version="1.0" encoding="utf-8"?>
+<p:sld xmlns:a="http://schemas.openxmlformats.org/drawingml/2006/main" xmlns:r="http://schemas.openxmlformats.org/officeDocument/2006/relationships" xmlns:p="http://schemas.openxmlformats.org/presentationml/2006/main">
+  <p:cSld>
+    <p:spTree>
+      <p:nvGrpSpPr>
+        <p:cNvPr id="1" name=""/>
+        <p:cNvGrpSpPr/>
+        <p:nvPr/>
+      </p:nvGrpSpPr>
+      <p:grpSpPr>
+        <a:xfrm>
+          <a:off x="0" y="0"/>
+          <a:ext cx="0" cy="0"/>
+          <a:chOff x="0" y="0"/>
+          <a:chExt cx="0" cy="0"/>
+        </a:xfrm>
+      </p:grpSpPr>
+      <p:sp>
+        <p:nvSpPr>
+          <p:cNvPr id="2" name="Title 1"/>
+          <p:cNvSpPr>
+            <a:spLocks noGrp="1"/>
+          </p:cNvSpPr>
+          <p:nvPr>
+            <p:ph type="title"/>
+          </p:nvPr>
+        </p:nvSpPr>
+        <p:spPr/>
+        <p:txBody>
+          <a:bodyPr/>
+          <a:lstStyle/>
+          <a:p>
+            <a:r>
               <a:rPr lang="en-US" dirty="0"/>
               <a:t>Review:  SAS data sets</a:t>
             </a:r>
@@ -13569,35 +13791,35 @@
                 <a:gridCol w="960120">
                   <a:extLst>
                     <a:ext uri="{9D8B030D-6E8A-4147-A177-3AD203B41FA5}">
-                      <a16:colId xmlns:a16="http://schemas.microsoft.com/office/drawing/2014/main" val="20000"/>
+                      <a16:colId xmlns:a16="http://schemas.microsoft.com/office/drawing/2014/main" xmlns="" val="20000"/>
                     </a:ext>
                   </a:extLst>
                 </a:gridCol>
                 <a:gridCol w="960120">
                   <a:extLst>
                     <a:ext uri="{9D8B030D-6E8A-4147-A177-3AD203B41FA5}">
-                      <a16:colId xmlns:a16="http://schemas.microsoft.com/office/drawing/2014/main" val="20001"/>
+                      <a16:colId xmlns:a16="http://schemas.microsoft.com/office/drawing/2014/main" xmlns="" val="20001"/>
                     </a:ext>
                   </a:extLst>
                 </a:gridCol>
                 <a:gridCol w="960120">
                   <a:extLst>
                     <a:ext uri="{9D8B030D-6E8A-4147-A177-3AD203B41FA5}">
-                      <a16:colId xmlns:a16="http://schemas.microsoft.com/office/drawing/2014/main" val="20002"/>
+                      <a16:colId xmlns:a16="http://schemas.microsoft.com/office/drawing/2014/main" xmlns="" val="20002"/>
                     </a:ext>
                   </a:extLst>
                 </a:gridCol>
                 <a:gridCol w="960120">
                   <a:extLst>
                     <a:ext uri="{9D8B030D-6E8A-4147-A177-3AD203B41FA5}">
-                      <a16:colId xmlns:a16="http://schemas.microsoft.com/office/drawing/2014/main" val="20003"/>
+                      <a16:colId xmlns:a16="http://schemas.microsoft.com/office/drawing/2014/main" xmlns="" val="20003"/>
                     </a:ext>
                   </a:extLst>
                 </a:gridCol>
                 <a:gridCol w="960120">
                   <a:extLst>
                     <a:ext uri="{9D8B030D-6E8A-4147-A177-3AD203B41FA5}">
-                      <a16:colId xmlns:a16="http://schemas.microsoft.com/office/drawing/2014/main" val="20004"/>
+                      <a16:colId xmlns:a16="http://schemas.microsoft.com/office/drawing/2014/main" xmlns="" val="20004"/>
                     </a:ext>
                   </a:extLst>
                 </a:gridCol>
@@ -13805,7 +14027,7 @@
                 </a:tc>
                 <a:extLst>
                   <a:ext uri="{0D108BD9-81ED-4DB2-BD59-A6C34878D82A}">
-                    <a16:rowId xmlns:a16="http://schemas.microsoft.com/office/drawing/2014/main" val="10000"/>
+                    <a16:rowId xmlns:a16="http://schemas.microsoft.com/office/drawing/2014/main" xmlns="" val="10000"/>
                   </a:ext>
                 </a:extLst>
               </a:tr>
@@ -13959,7 +14181,7 @@
                 </a:tc>
                 <a:extLst>
                   <a:ext uri="{0D108BD9-81ED-4DB2-BD59-A6C34878D82A}">
-                    <a16:rowId xmlns:a16="http://schemas.microsoft.com/office/drawing/2014/main" val="10001"/>
+                    <a16:rowId xmlns:a16="http://schemas.microsoft.com/office/drawing/2014/main" xmlns="" val="10001"/>
                   </a:ext>
                 </a:extLst>
               </a:tr>
@@ -14074,7 +14296,7 @@
                 </a:tc>
                 <a:extLst>
                   <a:ext uri="{0D108BD9-81ED-4DB2-BD59-A6C34878D82A}">
-                    <a16:rowId xmlns:a16="http://schemas.microsoft.com/office/drawing/2014/main" val="10002"/>
+                    <a16:rowId xmlns:a16="http://schemas.microsoft.com/office/drawing/2014/main" xmlns="" val="10002"/>
                   </a:ext>
                 </a:extLst>
               </a:tr>
@@ -14189,7 +14411,7 @@
                 </a:tc>
                 <a:extLst>
                   <a:ext uri="{0D108BD9-81ED-4DB2-BD59-A6C34878D82A}">
-                    <a16:rowId xmlns:a16="http://schemas.microsoft.com/office/drawing/2014/main" val="10003"/>
+                    <a16:rowId xmlns:a16="http://schemas.microsoft.com/office/drawing/2014/main" xmlns="" val="10003"/>
                   </a:ext>
                 </a:extLst>
               </a:tr>
@@ -14304,7 +14526,7 @@
                 </a:tc>
                 <a:extLst>
                   <a:ext uri="{0D108BD9-81ED-4DB2-BD59-A6C34878D82A}">
-                    <a16:rowId xmlns:a16="http://schemas.microsoft.com/office/drawing/2014/main" val="10004"/>
+                    <a16:rowId xmlns:a16="http://schemas.microsoft.com/office/drawing/2014/main" xmlns="" val="10004"/>
                   </a:ext>
                 </a:extLst>
               </a:tr>
@@ -14419,7 +14641,7 @@
                 </a:tc>
                 <a:extLst>
                   <a:ext uri="{0D108BD9-81ED-4DB2-BD59-A6C34878D82A}">
-                    <a16:rowId xmlns:a16="http://schemas.microsoft.com/office/drawing/2014/main" val="10005"/>
+                    <a16:rowId xmlns:a16="http://schemas.microsoft.com/office/drawing/2014/main" xmlns="" val="10005"/>
                   </a:ext>
                 </a:extLst>
               </a:tr>
@@ -14531,7 +14753,7 @@
                 </a:tc>
                 <a:extLst>
                   <a:ext uri="{0D108BD9-81ED-4DB2-BD59-A6C34878D82A}">
-                    <a16:rowId xmlns:a16="http://schemas.microsoft.com/office/drawing/2014/main" val="10006"/>
+                    <a16:rowId xmlns:a16="http://schemas.microsoft.com/office/drawing/2014/main" xmlns="" val="10006"/>
                   </a:ext>
                 </a:extLst>
               </a:tr>
@@ -14609,138 +14831,6 @@
     <p:extLst>
       <p:ext uri="{BB962C8B-B14F-4D97-AF65-F5344CB8AC3E}">
         <p14:creationId xmlns:p14="http://schemas.microsoft.com/office/powerpoint/2010/main" val="629460172"/>
-      </p:ext>
-    </p:extLst>
-  </p:cSld>
-  <p:clrMapOvr>
-    <a:masterClrMapping/>
-  </p:clrMapOvr>
-</p:sld>
-</file>
-
-<file path=ppt/slides/slide5.xml><?xml version="1.0" encoding="utf-8"?>
-<p:sld xmlns:a="http://schemas.openxmlformats.org/drawingml/2006/main" xmlns:r="http://schemas.openxmlformats.org/officeDocument/2006/relationships" xmlns:p="http://schemas.openxmlformats.org/presentationml/2006/main">
-  <p:cSld>
-    <p:spTree>
-      <p:nvGrpSpPr>
-        <p:cNvPr id="1" name=""/>
-        <p:cNvGrpSpPr/>
-        <p:nvPr/>
-      </p:nvGrpSpPr>
-      <p:grpSpPr>
-        <a:xfrm>
-          <a:off x="0" y="0"/>
-          <a:ext cx="0" cy="0"/>
-          <a:chOff x="0" y="0"/>
-          <a:chExt cx="0" cy="0"/>
-        </a:xfrm>
-      </p:grpSpPr>
-      <p:sp>
-        <p:nvSpPr>
-          <p:cNvPr id="2" name="Title 1"/>
-          <p:cNvSpPr>
-            <a:spLocks noGrp="1"/>
-          </p:cNvSpPr>
-          <p:nvPr>
-            <p:ph type="title"/>
-          </p:nvPr>
-        </p:nvSpPr>
-        <p:spPr/>
-        <p:txBody>
-          <a:bodyPr>
-            <a:normAutofit fontScale="90000"/>
-          </a:bodyPr>
-          <a:lstStyle/>
-          <a:p>
-            <a:r>
-              <a:rPr lang="en-US" dirty="0"/>
-              <a:t>Review:  SAS windowing environment</a:t>
-            </a:r>
-          </a:p>
-        </p:txBody>
-      </p:sp>
-      <p:sp>
-        <p:nvSpPr>
-          <p:cNvPr id="3" name="Content Placeholder 2"/>
-          <p:cNvSpPr>
-            <a:spLocks noGrp="1"/>
-          </p:cNvSpPr>
-          <p:nvPr>
-            <p:ph idx="1"/>
-          </p:nvPr>
-        </p:nvSpPr>
-        <p:spPr/>
-        <p:txBody>
-          <a:bodyPr/>
-          <a:lstStyle/>
-          <a:p>
-            <a:r>
-              <a:rPr lang="en-US" dirty="0"/>
-              <a:t>SAS windows:</a:t>
-            </a:r>
-          </a:p>
-          <a:p>
-            <a:pPr marL="514350" indent="-514350">
-              <a:buFont typeface="+mj-lt"/>
-              <a:buAutoNum type="arabicPeriod"/>
-            </a:pPr>
-            <a:r>
-              <a:rPr lang="en-US" dirty="0"/>
-              <a:t>Results </a:t>
-            </a:r>
-          </a:p>
-          <a:p>
-            <a:pPr marL="514350" indent="-514350">
-              <a:buFont typeface="+mj-lt"/>
-              <a:buAutoNum type="arabicPeriod"/>
-            </a:pPr>
-            <a:r>
-              <a:rPr lang="en-US" dirty="0"/>
-              <a:t>Explorer</a:t>
-            </a:r>
-          </a:p>
-          <a:p>
-            <a:pPr marL="514350" indent="-514350">
-              <a:buFont typeface="+mj-lt"/>
-              <a:buAutoNum type="arabicPeriod"/>
-            </a:pPr>
-            <a:r>
-              <a:rPr lang="en-US" dirty="0"/>
-              <a:t>Editor</a:t>
-            </a:r>
-          </a:p>
-          <a:p>
-            <a:pPr marL="514350" indent="-514350">
-              <a:buFont typeface="+mj-lt"/>
-              <a:buAutoNum type="arabicPeriod"/>
-            </a:pPr>
-            <a:r>
-              <a:rPr lang="en-US" dirty="0"/>
-              <a:t>Log </a:t>
-            </a:r>
-          </a:p>
-          <a:p>
-            <a:pPr marL="514350" indent="-514350">
-              <a:buFont typeface="+mj-lt"/>
-              <a:buAutoNum type="arabicPeriod"/>
-            </a:pPr>
-            <a:r>
-              <a:rPr lang="en-US" dirty="0"/>
-              <a:t>Output</a:t>
-            </a:r>
-          </a:p>
-          <a:p>
-            <a:pPr marL="0" indent="0">
-              <a:buNone/>
-            </a:pPr>
-            <a:endParaRPr lang="en-US" dirty="0"/>
-          </a:p>
-        </p:txBody>
-      </p:sp>
-    </p:spTree>
-    <p:extLst>
-      <p:ext uri="{BB962C8B-B14F-4D97-AF65-F5344CB8AC3E}">
-        <p14:creationId xmlns:p14="http://schemas.microsoft.com/office/powerpoint/2010/main" val="3967875885"/>
       </p:ext>
     </p:extLst>
   </p:cSld>
@@ -14779,34 +14869,136 @@
         </p:nvSpPr>
         <p:spPr/>
         <p:txBody>
+          <a:bodyPr>
+            <a:normAutofit fontScale="90000"/>
+          </a:bodyPr>
+          <a:lstStyle/>
+          <a:p>
+            <a:r>
+              <a:rPr lang="en-US" dirty="0"/>
+              <a:t>Review:  SAS windowing environment</a:t>
+            </a:r>
+          </a:p>
+        </p:txBody>
+      </p:sp>
+      <p:sp>
+        <p:nvSpPr>
+          <p:cNvPr id="3" name="Content Placeholder 2"/>
+          <p:cNvSpPr>
+            <a:spLocks noGrp="1"/>
+          </p:cNvSpPr>
+          <p:nvPr>
+            <p:ph idx="1"/>
+          </p:nvPr>
+        </p:nvSpPr>
+        <p:spPr/>
+        <p:txBody>
           <a:bodyPr/>
           <a:lstStyle/>
           <a:p>
             <a:r>
               <a:rPr lang="en-US" dirty="0"/>
-              <a:t>Review:  proc contents</a:t>
-            </a:r>
-          </a:p>
-        </p:txBody>
-      </p:sp>
-      <p:sp>
-        <p:nvSpPr>
-          <p:cNvPr id="3" name="Content Placeholder 2"/>
-          <p:cNvSpPr>
-            <a:spLocks noGrp="1"/>
-          </p:cNvSpPr>
-          <p:nvPr>
-            <p:ph idx="1"/>
-          </p:nvPr>
-        </p:nvSpPr>
-        <p:spPr/>
-        <p:txBody>
-          <a:bodyPr/>
-          <a:lstStyle/>
-          <a:p>
+              <a:t>SAS windows:</a:t>
+            </a:r>
+          </a:p>
+          <a:p>
+            <a:pPr marL="514350" indent="-514350">
+              <a:buFont typeface="+mj-lt"/>
+              <a:buAutoNum type="arabicPeriod"/>
+            </a:pPr>
             <a:r>
               <a:rPr lang="en-US" dirty="0"/>
-              <a:t>Proc Contents is a simple procedure for getting a description of a data set.</a:t>
+              <a:t>Results – </a:t>
+            </a:r>
+            <a:r>
+              <a:rPr lang="en-US" dirty="0">
+                <a:solidFill>
+                  <a:schemeClr val="accent6">
+                    <a:lumMod val="75000"/>
+                  </a:schemeClr>
+                </a:solidFill>
+              </a:rPr>
+              <a:t>Tree of all your results</a:t>
+            </a:r>
+          </a:p>
+          <a:p>
+            <a:pPr marL="514350" indent="-514350">
+              <a:buFont typeface="+mj-lt"/>
+              <a:buAutoNum type="arabicPeriod"/>
+            </a:pPr>
+            <a:r>
+              <a:rPr lang="en-US" dirty="0"/>
+              <a:t>Explorer – </a:t>
+            </a:r>
+            <a:r>
+              <a:rPr lang="en-US" dirty="0">
+                <a:solidFill>
+                  <a:schemeClr val="accent6">
+                    <a:lumMod val="75000"/>
+                  </a:schemeClr>
+                </a:solidFill>
+              </a:rPr>
+              <a:t>File navigation window</a:t>
+            </a:r>
+          </a:p>
+          <a:p>
+            <a:pPr marL="514350" indent="-514350">
+              <a:buFont typeface="+mj-lt"/>
+              <a:buAutoNum type="arabicPeriod"/>
+            </a:pPr>
+            <a:r>
+              <a:rPr lang="en-US" dirty="0"/>
+              <a:t>Editor – </a:t>
+            </a:r>
+            <a:r>
+              <a:rPr lang="en-US" dirty="0">
+                <a:solidFill>
+                  <a:schemeClr val="accent6">
+                    <a:lumMod val="75000"/>
+                  </a:schemeClr>
+                </a:solidFill>
+              </a:rPr>
+              <a:t>Write program here</a:t>
+            </a:r>
+          </a:p>
+          <a:p>
+            <a:pPr marL="514350" indent="-514350">
+              <a:buFont typeface="+mj-lt"/>
+              <a:buAutoNum type="arabicPeriod"/>
+            </a:pPr>
+            <a:r>
+              <a:rPr lang="en-US" dirty="0"/>
+              <a:t>Log – </a:t>
+            </a:r>
+            <a:r>
+              <a:rPr lang="en-US" dirty="0">
+                <a:solidFill>
+                  <a:schemeClr val="accent6">
+                    <a:lumMod val="75000"/>
+                  </a:schemeClr>
+                </a:solidFill>
+              </a:rPr>
+              <a:t>Check for errors here</a:t>
+            </a:r>
+          </a:p>
+          <a:p>
+            <a:pPr marL="514350" indent="-514350">
+              <a:buFont typeface="+mj-lt"/>
+              <a:buAutoNum type="arabicPeriod"/>
+            </a:pPr>
+            <a:r>
+              <a:rPr lang="en-US" dirty="0"/>
+              <a:t>Output – </a:t>
+            </a:r>
+            <a:r>
+              <a:rPr lang="en-US" dirty="0">
+                <a:solidFill>
+                  <a:schemeClr val="accent6">
+                    <a:lumMod val="75000"/>
+                  </a:schemeClr>
+                </a:solidFill>
+              </a:rPr>
+              <a:t>Check for results here</a:t>
             </a:r>
           </a:p>
           <a:p>
@@ -14814,91 +15006,13 @@
               <a:buNone/>
             </a:pPr>
             <a:endParaRPr lang="en-US" dirty="0"/>
-          </a:p>
-          <a:p>
-            <a:pPr marL="0" indent="0">
-              <a:buNone/>
-            </a:pPr>
-            <a:r>
-              <a:rPr lang="en-US" dirty="0"/>
-              <a:t>	</a:t>
-            </a:r>
-            <a:r>
-              <a:rPr lang="en-US" dirty="0">
-                <a:solidFill>
-                  <a:srgbClr val="00B0F0"/>
-                </a:solidFill>
-              </a:rPr>
-              <a:t>PROC CONTENTS </a:t>
-            </a:r>
-            <a:r>
-              <a:rPr lang="en-US" dirty="0">
-                <a:solidFill>
-                  <a:srgbClr val="7030A0"/>
-                </a:solidFill>
-              </a:rPr>
-              <a:t>DATA </a:t>
-            </a:r>
-            <a:r>
-              <a:rPr lang="en-US" dirty="0">
-                <a:solidFill>
-                  <a:srgbClr val="00B0F0"/>
-                </a:solidFill>
-              </a:rPr>
-              <a:t>=  </a:t>
-            </a:r>
-            <a:r>
-              <a:rPr lang="en-US" i="1" dirty="0">
-                <a:solidFill>
-                  <a:srgbClr val="00B0F0"/>
-                </a:solidFill>
-              </a:rPr>
-              <a:t>data</a:t>
-            </a:r>
-            <a:r>
-              <a:rPr lang="en-US" dirty="0">
-                <a:solidFill>
-                  <a:srgbClr val="00B0F0"/>
-                </a:solidFill>
-              </a:rPr>
-              <a:t>;</a:t>
-            </a:r>
-          </a:p>
-          <a:p>
-            <a:pPr marL="0" indent="0">
-              <a:buNone/>
-            </a:pPr>
-            <a:r>
-              <a:rPr lang="en-US" dirty="0">
-                <a:solidFill>
-                  <a:srgbClr val="00B0F0"/>
-                </a:solidFill>
-              </a:rPr>
-              <a:t>	</a:t>
-            </a:r>
-            <a:r>
-              <a:rPr lang="en-US" dirty="0">
-                <a:solidFill>
-                  <a:srgbClr val="7030A0"/>
-                </a:solidFill>
-              </a:rPr>
-              <a:t>Run</a:t>
-            </a:r>
-            <a:r>
-              <a:rPr lang="en-US" dirty="0">
-                <a:solidFill>
-                  <a:srgbClr val="00B0F0"/>
-                </a:solidFill>
-              </a:rPr>
-              <a:t>;</a:t>
-            </a:r>
           </a:p>
         </p:txBody>
       </p:sp>
     </p:spTree>
     <p:extLst>
       <p:ext uri="{BB962C8B-B14F-4D97-AF65-F5344CB8AC3E}">
-        <p14:creationId xmlns:p14="http://schemas.microsoft.com/office/powerpoint/2010/main" val="3842431906"/>
+        <p14:creationId xmlns:p14="http://schemas.microsoft.com/office/powerpoint/2010/main" val="3967875885"/>
       </p:ext>
     </p:extLst>
   </p:cSld>
@@ -14942,7 +15056,7 @@
           <a:p>
             <a:r>
               <a:rPr lang="en-US" dirty="0"/>
-              <a:t>Review:  SAS libraries</a:t>
+              <a:t>Review:  proc contents</a:t>
             </a:r>
           </a:p>
         </p:txBody>
@@ -14964,13 +15078,7 @@
           <a:p>
             <a:r>
               <a:rPr lang="en-US" dirty="0"/>
-              <a:t>Libraries are where data sets are stored.</a:t>
-            </a:r>
-          </a:p>
-          <a:p>
-            <a:r>
-              <a:rPr lang="en-US" dirty="0"/>
-              <a:t>Before you can use a dataset, you need to tell SAS what library it’s in.  (More on this later.)</a:t>
+              <a:t>Proc Contents is a simple procedure for getting a description of a data set.</a:t>
             </a:r>
           </a:p>
           <a:p>
@@ -14978,13 +15086,96 @@
               <a:buNone/>
             </a:pPr>
             <a:endParaRPr lang="en-US" dirty="0"/>
+          </a:p>
+          <a:p>
+            <a:pPr marL="0" indent="0">
+              <a:buNone/>
+            </a:pPr>
+            <a:r>
+              <a:rPr lang="en-US" dirty="0"/>
+              <a:t>	</a:t>
+            </a:r>
+            <a:r>
+              <a:rPr lang="en-US" dirty="0">
+                <a:solidFill>
+                  <a:srgbClr val="00B0F0"/>
+                </a:solidFill>
+              </a:rPr>
+              <a:t>PROC CONTENTS </a:t>
+            </a:r>
+            <a:r>
+              <a:rPr lang="en-US" dirty="0">
+                <a:solidFill>
+                  <a:srgbClr val="7030A0"/>
+                </a:solidFill>
+              </a:rPr>
+              <a:t>DATA </a:t>
+            </a:r>
+            <a:r>
+              <a:rPr lang="en-US" dirty="0">
+                <a:solidFill>
+                  <a:srgbClr val="00B0F0"/>
+                </a:solidFill>
+              </a:rPr>
+              <a:t>=  </a:t>
+            </a:r>
+            <a:r>
+              <a:rPr lang="en-US" i="1" dirty="0" err="1" smtClean="0">
+                <a:solidFill>
+                  <a:srgbClr val="00B0F0"/>
+                </a:solidFill>
+              </a:rPr>
+              <a:t>datasetname</a:t>
+            </a:r>
+            <a:r>
+              <a:rPr lang="en-US" dirty="0" smtClean="0">
+                <a:solidFill>
+                  <a:srgbClr val="00B0F0"/>
+                </a:solidFill>
+              </a:rPr>
+              <a:t>;</a:t>
+            </a:r>
+            <a:endParaRPr lang="en-US" dirty="0">
+              <a:solidFill>
+                <a:srgbClr val="00B0F0"/>
+              </a:solidFill>
+            </a:endParaRPr>
+          </a:p>
+          <a:p>
+            <a:pPr marL="0" indent="0">
+              <a:buNone/>
+            </a:pPr>
+            <a:r>
+              <a:rPr lang="en-US" dirty="0">
+                <a:solidFill>
+                  <a:srgbClr val="00B0F0"/>
+                </a:solidFill>
+              </a:rPr>
+              <a:t>	</a:t>
+            </a:r>
+            <a:r>
+              <a:rPr lang="en-US" dirty="0">
+                <a:solidFill>
+                  <a:srgbClr val="7030A0"/>
+                </a:solidFill>
+              </a:rPr>
+              <a:t>Run</a:t>
+            </a:r>
+            <a:r>
+              <a:rPr lang="en-US" dirty="0">
+                <a:solidFill>
+                  <a:srgbClr val="00B0F0"/>
+                </a:solidFill>
+              </a:rPr>
+              <a:t>;</a:t>
+            </a:r>
           </a:p>
         </p:txBody>
       </p:sp>
     </p:spTree>
     <p:extLst>
       <p:ext uri="{BB962C8B-B14F-4D97-AF65-F5344CB8AC3E}">
-        <p14:creationId xmlns:p14="http://schemas.microsoft.com/office/powerpoint/2010/main" val="1567949683"/>
+        <p14:creationId xmlns:p14="http://schemas.microsoft.com/office/powerpoint/2010/main" val="3842431906"/>
       </p:ext>
     </p:extLst>
   </p:cSld>
@@ -15023,14 +15214,12 @@
         </p:nvSpPr>
         <p:spPr/>
         <p:txBody>
-          <a:bodyPr>
-            <a:normAutofit fontScale="90000"/>
-          </a:bodyPr>
+          <a:bodyPr/>
           <a:lstStyle/>
           <a:p>
             <a:r>
               <a:rPr lang="en-US" dirty="0"/>
-              <a:t>Temporary vs. Permanent Data Sets</a:t>
+              <a:t>Review:  SAS libraries</a:t>
             </a:r>
           </a:p>
         </p:txBody>
@@ -15047,73 +15236,32 @@
         </p:nvSpPr>
         <p:spPr/>
         <p:txBody>
-          <a:bodyPr>
-            <a:normAutofit/>
-          </a:bodyPr>
+          <a:bodyPr/>
           <a:lstStyle/>
           <a:p>
             <a:r>
               <a:rPr lang="en-US" dirty="0"/>
-              <a:t>All SAS data sets inherently have a two-level name. </a:t>
+              <a:t>Libraries are where data sets are stored.</a:t>
+            </a:r>
+          </a:p>
+          <a:p>
+            <a:r>
+              <a:rPr lang="en-US" dirty="0"/>
+              <a:t>Before you can use a dataset, you need to tell SAS what library it’s in.  (More on this later.)</a:t>
             </a:r>
           </a:p>
           <a:p>
             <a:pPr marL="0" indent="0">
               <a:buNone/>
             </a:pPr>
-            <a:r>
-              <a:rPr lang="en-US" b="1" dirty="0"/>
-              <a:t>Example:   </a:t>
-            </a:r>
-            <a:r>
-              <a:rPr lang="en-US" b="1" dirty="0" err="1">
-                <a:solidFill>
-                  <a:srgbClr val="00B0F0"/>
-                </a:solidFill>
-              </a:rPr>
-              <a:t>work.carsales</a:t>
-            </a:r>
-            <a:endParaRPr lang="en-US" b="1" dirty="0">
-              <a:solidFill>
-                <a:srgbClr val="00B0F0"/>
-              </a:solidFill>
-            </a:endParaRPr>
-          </a:p>
-          <a:p>
-            <a:r>
-              <a:rPr lang="en-US" dirty="0"/>
-              <a:t>First level of a SAS data set name is called a libref (library reference) ; in this example, </a:t>
-            </a:r>
-            <a:r>
-              <a:rPr lang="en-US" b="1" dirty="0"/>
-              <a:t>work</a:t>
-            </a:r>
-          </a:p>
-          <a:p>
-            <a:r>
-              <a:rPr lang="en-US" dirty="0"/>
-              <a:t>The second level is a data set in a library; in this example, </a:t>
-            </a:r>
-            <a:r>
-              <a:rPr lang="en-US" b="1" dirty="0" err="1">
-                <a:solidFill>
-                  <a:srgbClr val="00B0F0"/>
-                </a:solidFill>
-              </a:rPr>
-              <a:t>carsales</a:t>
-            </a:r>
-            <a:endParaRPr lang="en-US" b="1" dirty="0">
-              <a:solidFill>
-                <a:srgbClr val="00B0F0"/>
-              </a:solidFill>
-            </a:endParaRPr>
+            <a:endParaRPr lang="en-US" dirty="0"/>
           </a:p>
         </p:txBody>
       </p:sp>
     </p:spTree>
     <p:extLst>
       <p:ext uri="{BB962C8B-B14F-4D97-AF65-F5344CB8AC3E}">
-        <p14:creationId xmlns:p14="http://schemas.microsoft.com/office/powerpoint/2010/main" val="366081043"/>
+        <p14:creationId xmlns:p14="http://schemas.microsoft.com/office/powerpoint/2010/main" val="1567949683"/>
       </p:ext>
     </p:extLst>
   </p:cSld>
@@ -15159,7 +15307,7 @@
           <a:p>
             <a:r>
               <a:rPr lang="en-US" dirty="0"/>
-              <a:t>Temporary vs. Permanent Data Sets cont’d</a:t>
+              <a:t>Temporary vs. Permanent Data Sets</a:t>
             </a:r>
           </a:p>
         </p:txBody>
@@ -15176,56 +15324,73 @@
         </p:nvSpPr>
         <p:spPr/>
         <p:txBody>
-          <a:bodyPr/>
-          <a:lstStyle/>
+          <a:bodyPr>
+            <a:normAutofit/>
+          </a:bodyPr>
+          <a:lstStyle/>
+          <a:p>
+            <a:r>
+              <a:rPr lang="en-US" dirty="0"/>
+              <a:t>All SAS data sets inherently have a two-level name. </a:t>
+            </a:r>
+          </a:p>
           <a:p>
             <a:pPr marL="0" indent="0">
               <a:buNone/>
             </a:pPr>
             <a:r>
-              <a:rPr lang="en-US" i="1" dirty="0"/>
-              <a:t>Temporary</a:t>
-            </a:r>
+              <a:rPr lang="en-US" b="1" dirty="0"/>
+              <a:t>Example:   </a:t>
+            </a:r>
+            <a:r>
+              <a:rPr lang="en-US" b="1" dirty="0" err="1">
+                <a:solidFill>
+                  <a:srgbClr val="00B0F0"/>
+                </a:solidFill>
+              </a:rPr>
+              <a:t>work.carsales</a:t>
+            </a:r>
+            <a:endParaRPr lang="en-US" b="1" dirty="0">
+              <a:solidFill>
+                <a:srgbClr val="00B0F0"/>
+              </a:solidFill>
+            </a:endParaRPr>
+          </a:p>
+          <a:p>
             <a:r>
               <a:rPr lang="en-US" dirty="0"/>
-              <a:t> data sets:</a:t>
-            </a:r>
-          </a:p>
-          <a:p>
-            <a:pPr lvl="1"/>
+              <a:t>First level of a SAS data set name is called a libref (library reference) ; in this example, </a:t>
+            </a:r>
+            <a:r>
+              <a:rPr lang="en-US" b="1" dirty="0"/>
+              <a:t>work</a:t>
+            </a:r>
+          </a:p>
+          <a:p>
             <a:r>
               <a:rPr lang="en-US" dirty="0"/>
-              <a:t>Can have a one-level name for short</a:t>
-            </a:r>
-          </a:p>
-          <a:p>
-            <a:pPr lvl="1"/>
-            <a:r>
-              <a:rPr lang="en-US" dirty="0"/>
-              <a:t>Are stored in WORK library</a:t>
-            </a:r>
-          </a:p>
-          <a:p>
-            <a:r>
-              <a:rPr lang="en-US" dirty="0"/>
-              <a:t>The WORK library is deleted automatically at the end of SAS session.</a:t>
-            </a:r>
-          </a:p>
-          <a:p>
-            <a:r>
-              <a:rPr lang="en-US" dirty="0"/>
-              <a:t>Data sets with a one-level name are read from and written to the WORK library.</a:t>
-            </a:r>
-          </a:p>
-          <a:p>
-            <a:endParaRPr lang="en-US" dirty="0"/>
+              <a:t>The second level is a data set in a library; in this example, </a:t>
+            </a:r>
+            <a:r>
+              <a:rPr lang="en-US" b="1" dirty="0" err="1">
+                <a:solidFill>
+                  <a:srgbClr val="00B0F0"/>
+                </a:solidFill>
+              </a:rPr>
+              <a:t>carsales</a:t>
+            </a:r>
+            <a:endParaRPr lang="en-US" b="1" dirty="0">
+              <a:solidFill>
+                <a:srgbClr val="00B0F0"/>
+              </a:solidFill>
+            </a:endParaRPr>
           </a:p>
         </p:txBody>
       </p:sp>
     </p:spTree>
     <p:extLst>
       <p:ext uri="{BB962C8B-B14F-4D97-AF65-F5344CB8AC3E}">
-        <p14:creationId xmlns:p14="http://schemas.microsoft.com/office/powerpoint/2010/main" val="4111058128"/>
+        <p14:creationId xmlns:p14="http://schemas.microsoft.com/office/powerpoint/2010/main" val="366081043"/>
       </p:ext>
     </p:extLst>
   </p:cSld>
